--- a/Design/Présentation.pptx
+++ b/Design/Présentation.pptx
@@ -8,6 +8,12 @@
     <p:sldId id="256" r:id="rId2"/>
     <p:sldId id="257" r:id="rId3"/>
     <p:sldId id="258" r:id="rId4"/>
+    <p:sldId id="260" r:id="rId5"/>
+    <p:sldId id="261" r:id="rId6"/>
+    <p:sldId id="259" r:id="rId7"/>
+    <p:sldId id="263" r:id="rId8"/>
+    <p:sldId id="266" r:id="rId9"/>
+    <p:sldId id="267" r:id="rId10"/>
   </p:sldIdLst>
   <p:sldSz cx="12192000" cy="6858000"/>
   <p:notesSz cx="6858000" cy="9144000"/>
@@ -106,6 +112,11 @@
       </a:defRPr>
     </a:lvl9pPr>
   </p:defaultTextStyle>
+  <p:extLst>
+    <p:ext uri="{EFAFB233-063F-42B5-8137-9DF3F51BA10A}">
+      <p15:sldGuideLst xmlns:p15="http://schemas.microsoft.com/office/powerpoint/2012/main"/>
+    </p:ext>
+  </p:extLst>
 </p:presentation>
 </file>
 
@@ -3330,6 +3341,14 @@
 <file path=ppt/slides/slide1.xml><?xml version="1.0" encoding="utf-8"?>
 <p:sld xmlns:a="http://schemas.openxmlformats.org/drawingml/2006/main" xmlns:r="http://schemas.openxmlformats.org/officeDocument/2006/relationships" xmlns:p="http://schemas.openxmlformats.org/presentationml/2006/main">
   <p:cSld>
+    <p:bg>
+      <p:bgPr>
+        <a:solidFill>
+          <a:schemeClr val="bg1"/>
+        </a:solidFill>
+        <a:effectLst/>
+      </p:bgPr>
+    </p:bg>
     <p:spTree>
       <p:nvGrpSpPr>
         <p:cNvPr id="1" name=""/>
@@ -3346,10 +3365,977 @@
       </p:grpSpPr>
       <p:sp>
         <p:nvSpPr>
-          <p:cNvPr id="2" name="Titre 1">
-            <a:extLst>
-              <a:ext uri="{FF2B5EF4-FFF2-40B4-BE49-F238E27FC236}">
-                <a16:creationId xmlns:a16="http://schemas.microsoft.com/office/drawing/2014/main" id="{D008A682-D1A3-49AF-A88A-6E32DDB6CABA}"/>
+          <p:cNvPr id="8" name="Rectangle 7">
+            <a:extLst>
+              <a:ext uri="{FF2B5EF4-FFF2-40B4-BE49-F238E27FC236}">
+                <a16:creationId xmlns:a16="http://schemas.microsoft.com/office/drawing/2014/main" id="{88294908-8B00-4F58-BBBA-20F71A40AA9E}"/>
+              </a:ext>
+              <a:ext uri="{C183D7F6-B498-43B3-948B-1728B52AA6E4}">
+                <adec:decorative xmlns:adec="http://schemas.microsoft.com/office/drawing/2017/decorative" val="1"/>
+              </a:ext>
+            </a:extLst>
+          </p:cNvPr>
+          <p:cNvSpPr>
+            <a:spLocks noGrp="1" noRot="1" noChangeAspect="1" noMove="1" noResize="1" noEditPoints="1" noAdjustHandles="1" noChangeArrowheads="1" noChangeShapeType="1" noTextEdit="1"/>
+          </p:cNvSpPr>
+          <p:nvPr>
+            <p:extLst>
+              <p:ext uri="{386F3935-93C4-4BCD-93E2-E3B085C9AB24}">
+                <p16:designElem xmlns:p16="http://schemas.microsoft.com/office/powerpoint/2015/main" val="1"/>
+              </p:ext>
+            </p:extLst>
+          </p:nvPr>
+        </p:nvSpPr>
+        <p:spPr>
+          <a:xfrm>
+            <a:off x="0" y="0"/>
+            <a:ext cx="12192000" cy="6858000"/>
+          </a:xfrm>
+          <a:prstGeom prst="rect">
+            <a:avLst/>
+          </a:prstGeom>
+          <a:solidFill>
+            <a:schemeClr val="bg2"/>
+          </a:solidFill>
+          <a:ln>
+            <a:noFill/>
+          </a:ln>
+        </p:spPr>
+        <p:style>
+          <a:lnRef idx="2">
+            <a:schemeClr val="accent1">
+              <a:shade val="50000"/>
+            </a:schemeClr>
+          </a:lnRef>
+          <a:fillRef idx="1">
+            <a:schemeClr val="accent1"/>
+          </a:fillRef>
+          <a:effectRef idx="0">
+            <a:schemeClr val="accent1"/>
+          </a:effectRef>
+          <a:fontRef idx="minor">
+            <a:schemeClr val="lt1"/>
+          </a:fontRef>
+        </p:style>
+        <p:txBody>
+          <a:bodyPr rtlCol="0" anchor="ctr"/>
+          <a:lstStyle/>
+          <a:p>
+            <a:pPr algn="ctr"/>
+            <a:endParaRPr lang="en-US" dirty="0"/>
+          </a:p>
+        </p:txBody>
+      </p:sp>
+      <p:sp>
+        <p:nvSpPr>
+          <p:cNvPr id="10" name="Freeform: Shape 9">
+            <a:extLst>
+              <a:ext uri="{FF2B5EF4-FFF2-40B4-BE49-F238E27FC236}">
+                <a16:creationId xmlns:a16="http://schemas.microsoft.com/office/drawing/2014/main" id="{4364C879-1404-4203-8E9D-CC5DE0A621A2}"/>
+              </a:ext>
+              <a:ext uri="{C183D7F6-B498-43B3-948B-1728B52AA6E4}">
+                <adec:decorative xmlns:adec="http://schemas.microsoft.com/office/drawing/2017/decorative" val="1"/>
+              </a:ext>
+            </a:extLst>
+          </p:cNvPr>
+          <p:cNvSpPr>
+            <a:spLocks noGrp="1" noRot="1" noChangeAspect="1" noMove="1" noResize="1" noEditPoints="1" noAdjustHandles="1" noChangeArrowheads="1" noChangeShapeType="1" noTextEdit="1"/>
+          </p:cNvSpPr>
+          <p:nvPr>
+            <p:extLst>
+              <p:ext uri="{386F3935-93C4-4BCD-93E2-E3B085C9AB24}">
+                <p16:designElem xmlns:p16="http://schemas.microsoft.com/office/powerpoint/2015/main" val="1"/>
+              </p:ext>
+            </p:extLst>
+          </p:nvPr>
+        </p:nvSpPr>
+        <p:spPr>
+          <a:xfrm rot="2700000">
+            <a:off x="82782" y="-1386168"/>
+            <a:ext cx="2424873" cy="3611191"/>
+          </a:xfrm>
+          <a:custGeom>
+            <a:avLst/>
+            <a:gdLst>
+              <a:gd name="connsiteX0" fmla="*/ 0 w 2424873"/>
+              <a:gd name="connsiteY0" fmla="*/ 2424874 h 3611191"/>
+              <a:gd name="connsiteX1" fmla="*/ 2424873 w 2424873"/>
+              <a:gd name="connsiteY1" fmla="*/ 0 h 3611191"/>
+              <a:gd name="connsiteX2" fmla="*/ 2424873 w 2424873"/>
+              <a:gd name="connsiteY2" fmla="*/ 3611191 h 3611191"/>
+              <a:gd name="connsiteX3" fmla="*/ 1186317 w 2424873"/>
+              <a:gd name="connsiteY3" fmla="*/ 3611191 h 3611191"/>
+            </a:gdLst>
+            <a:ahLst/>
+            <a:cxnLst>
+              <a:cxn ang="0">
+                <a:pos x="connsiteX0" y="connsiteY0"/>
+              </a:cxn>
+              <a:cxn ang="0">
+                <a:pos x="connsiteX1" y="connsiteY1"/>
+              </a:cxn>
+              <a:cxn ang="0">
+                <a:pos x="connsiteX2" y="connsiteY2"/>
+              </a:cxn>
+              <a:cxn ang="0">
+                <a:pos x="connsiteX3" y="connsiteY3"/>
+              </a:cxn>
+            </a:cxnLst>
+            <a:rect l="l" t="t" r="r" b="b"/>
+            <a:pathLst>
+              <a:path w="2424873" h="3611191">
+                <a:moveTo>
+                  <a:pt x="0" y="2424874"/>
+                </a:moveTo>
+                <a:lnTo>
+                  <a:pt x="2424873" y="0"/>
+                </a:lnTo>
+                <a:lnTo>
+                  <a:pt x="2424873" y="3611191"/>
+                </a:lnTo>
+                <a:lnTo>
+                  <a:pt x="1186317" y="3611191"/>
+                </a:lnTo>
+                <a:close/>
+              </a:path>
+            </a:pathLst>
+          </a:custGeom>
+          <a:solidFill>
+            <a:schemeClr val="accent4">
+              <a:alpha val="40000"/>
+            </a:schemeClr>
+          </a:solidFill>
+          <a:ln>
+            <a:noFill/>
+          </a:ln>
+        </p:spPr>
+        <p:style>
+          <a:lnRef idx="2">
+            <a:schemeClr val="accent1">
+              <a:shade val="50000"/>
+            </a:schemeClr>
+          </a:lnRef>
+          <a:fillRef idx="1">
+            <a:schemeClr val="accent1"/>
+          </a:fillRef>
+          <a:effectRef idx="0">
+            <a:schemeClr val="accent1"/>
+          </a:effectRef>
+          <a:fontRef idx="minor">
+            <a:schemeClr val="lt1"/>
+          </a:fontRef>
+        </p:style>
+        <p:txBody>
+          <a:bodyPr wrap="square" rtlCol="0" anchor="ctr">
+            <a:noAutofit/>
+          </a:bodyPr>
+          <a:lstStyle/>
+          <a:p>
+            <a:pPr algn="ctr"/>
+            <a:endParaRPr lang="en-US"/>
+          </a:p>
+        </p:txBody>
+      </p:sp>
+      <p:sp>
+        <p:nvSpPr>
+          <p:cNvPr id="12" name="Freeform: Shape 11">
+            <a:extLst>
+              <a:ext uri="{FF2B5EF4-FFF2-40B4-BE49-F238E27FC236}">
+                <a16:creationId xmlns:a16="http://schemas.microsoft.com/office/drawing/2014/main" id="{84617302-4B0D-4351-A6BB-6F0930D943AC}"/>
+              </a:ext>
+              <a:ext uri="{C183D7F6-B498-43B3-948B-1728B52AA6E4}">
+                <adec:decorative xmlns:adec="http://schemas.microsoft.com/office/drawing/2017/decorative" val="1"/>
+              </a:ext>
+            </a:extLst>
+          </p:cNvPr>
+          <p:cNvSpPr>
+            <a:spLocks noGrp="1" noRot="1" noChangeAspect="1" noMove="1" noResize="1" noEditPoints="1" noAdjustHandles="1" noChangeArrowheads="1" noChangeShapeType="1" noTextEdit="1"/>
+          </p:cNvSpPr>
+          <p:nvPr>
+            <p:extLst>
+              <p:ext uri="{386F3935-93C4-4BCD-93E2-E3B085C9AB24}">
+                <p16:designElem xmlns:p16="http://schemas.microsoft.com/office/powerpoint/2015/main" val="1"/>
+              </p:ext>
+            </p:extLst>
+          </p:nvPr>
+        </p:nvSpPr>
+        <p:spPr>
+          <a:xfrm rot="2700000">
+            <a:off x="1571000" y="-338582"/>
+            <a:ext cx="1635955" cy="1635955"/>
+          </a:xfrm>
+          <a:custGeom>
+            <a:avLst/>
+            <a:gdLst>
+              <a:gd name="connsiteX0" fmla="*/ 0 w 1635955"/>
+              <a:gd name="connsiteY0" fmla="*/ 957987 h 1635955"/>
+              <a:gd name="connsiteX1" fmla="*/ 957987 w 1635955"/>
+              <a:gd name="connsiteY1" fmla="*/ 0 h 1635955"/>
+              <a:gd name="connsiteX2" fmla="*/ 1635955 w 1635955"/>
+              <a:gd name="connsiteY2" fmla="*/ 0 h 1635955"/>
+              <a:gd name="connsiteX3" fmla="*/ 1635955 w 1635955"/>
+              <a:gd name="connsiteY3" fmla="*/ 1635955 h 1635955"/>
+              <a:gd name="connsiteX4" fmla="*/ 0 w 1635955"/>
+              <a:gd name="connsiteY4" fmla="*/ 1635955 h 1635955"/>
+            </a:gdLst>
+            <a:ahLst/>
+            <a:cxnLst>
+              <a:cxn ang="0">
+                <a:pos x="connsiteX0" y="connsiteY0"/>
+              </a:cxn>
+              <a:cxn ang="0">
+                <a:pos x="connsiteX1" y="connsiteY1"/>
+              </a:cxn>
+              <a:cxn ang="0">
+                <a:pos x="connsiteX2" y="connsiteY2"/>
+              </a:cxn>
+              <a:cxn ang="0">
+                <a:pos x="connsiteX3" y="connsiteY3"/>
+              </a:cxn>
+              <a:cxn ang="0">
+                <a:pos x="connsiteX4" y="connsiteY4"/>
+              </a:cxn>
+            </a:cxnLst>
+            <a:rect l="l" t="t" r="r" b="b"/>
+            <a:pathLst>
+              <a:path w="1635955" h="1635955">
+                <a:moveTo>
+                  <a:pt x="0" y="957987"/>
+                </a:moveTo>
+                <a:lnTo>
+                  <a:pt x="957987" y="0"/>
+                </a:lnTo>
+                <a:lnTo>
+                  <a:pt x="1635955" y="0"/>
+                </a:lnTo>
+                <a:lnTo>
+                  <a:pt x="1635955" y="1635955"/>
+                </a:lnTo>
+                <a:lnTo>
+                  <a:pt x="0" y="1635955"/>
+                </a:lnTo>
+                <a:close/>
+              </a:path>
+            </a:pathLst>
+          </a:custGeom>
+          <a:solidFill>
+            <a:schemeClr val="accent4">
+              <a:alpha val="40000"/>
+            </a:schemeClr>
+          </a:solidFill>
+          <a:ln>
+            <a:noFill/>
+          </a:ln>
+        </p:spPr>
+        <p:style>
+          <a:lnRef idx="2">
+            <a:schemeClr val="accent1">
+              <a:shade val="50000"/>
+            </a:schemeClr>
+          </a:lnRef>
+          <a:fillRef idx="1">
+            <a:schemeClr val="accent1"/>
+          </a:fillRef>
+          <a:effectRef idx="0">
+            <a:schemeClr val="accent1"/>
+          </a:effectRef>
+          <a:fontRef idx="minor">
+            <a:schemeClr val="lt1"/>
+          </a:fontRef>
+        </p:style>
+        <p:txBody>
+          <a:bodyPr wrap="square" rtlCol="0" anchor="ctr">
+            <a:noAutofit/>
+          </a:bodyPr>
+          <a:lstStyle/>
+          <a:p>
+            <a:pPr algn="ctr"/>
+            <a:endParaRPr lang="en-US"/>
+          </a:p>
+        </p:txBody>
+      </p:sp>
+      <p:sp>
+        <p:nvSpPr>
+          <p:cNvPr id="14" name="Freeform: Shape 13">
+            <a:extLst>
+              <a:ext uri="{FF2B5EF4-FFF2-40B4-BE49-F238E27FC236}">
+                <a16:creationId xmlns:a16="http://schemas.microsoft.com/office/drawing/2014/main" id="{DA2C7802-C2E0-4218-8F89-8DD7CCD2CD1C}"/>
+              </a:ext>
+              <a:ext uri="{C183D7F6-B498-43B3-948B-1728B52AA6E4}">
+                <adec:decorative xmlns:adec="http://schemas.microsoft.com/office/drawing/2017/decorative" val="1"/>
+              </a:ext>
+            </a:extLst>
+          </p:cNvPr>
+          <p:cNvSpPr>
+            <a:spLocks noGrp="1" noRot="1" noChangeAspect="1" noMove="1" noResize="1" noEditPoints="1" noAdjustHandles="1" noChangeArrowheads="1" noChangeShapeType="1" noTextEdit="1"/>
+          </p:cNvSpPr>
+          <p:nvPr>
+            <p:extLst>
+              <p:ext uri="{386F3935-93C4-4BCD-93E2-E3B085C9AB24}">
+                <p16:designElem xmlns:p16="http://schemas.microsoft.com/office/powerpoint/2015/main" val="1"/>
+              </p:ext>
+            </p:extLst>
+          </p:nvPr>
+        </p:nvSpPr>
+        <p:spPr>
+          <a:xfrm rot="2700000">
+            <a:off x="9627985" y="-6588"/>
+            <a:ext cx="4059393" cy="2548110"/>
+          </a:xfrm>
+          <a:custGeom>
+            <a:avLst/>
+            <a:gdLst>
+              <a:gd name="connsiteX0" fmla="*/ 0 w 4059393"/>
+              <a:gd name="connsiteY0" fmla="*/ 1511282 h 2548110"/>
+              <a:gd name="connsiteX1" fmla="*/ 1511282 w 4059393"/>
+              <a:gd name="connsiteY1" fmla="*/ 0 h 2548110"/>
+              <a:gd name="connsiteX2" fmla="*/ 4059393 w 4059393"/>
+              <a:gd name="connsiteY2" fmla="*/ 2548110 h 2548110"/>
+              <a:gd name="connsiteX3" fmla="*/ 0 w 4059393"/>
+              <a:gd name="connsiteY3" fmla="*/ 2548110 h 2548110"/>
+            </a:gdLst>
+            <a:ahLst/>
+            <a:cxnLst>
+              <a:cxn ang="0">
+                <a:pos x="connsiteX0" y="connsiteY0"/>
+              </a:cxn>
+              <a:cxn ang="0">
+                <a:pos x="connsiteX1" y="connsiteY1"/>
+              </a:cxn>
+              <a:cxn ang="0">
+                <a:pos x="connsiteX2" y="connsiteY2"/>
+              </a:cxn>
+              <a:cxn ang="0">
+                <a:pos x="connsiteX3" y="connsiteY3"/>
+              </a:cxn>
+            </a:cxnLst>
+            <a:rect l="l" t="t" r="r" b="b"/>
+            <a:pathLst>
+              <a:path w="4059393" h="2548110">
+                <a:moveTo>
+                  <a:pt x="0" y="1511282"/>
+                </a:moveTo>
+                <a:lnTo>
+                  <a:pt x="1511282" y="0"/>
+                </a:lnTo>
+                <a:lnTo>
+                  <a:pt x="4059393" y="2548110"/>
+                </a:lnTo>
+                <a:lnTo>
+                  <a:pt x="0" y="2548110"/>
+                </a:lnTo>
+                <a:close/>
+              </a:path>
+            </a:pathLst>
+          </a:custGeom>
+          <a:solidFill>
+            <a:schemeClr val="accent1">
+              <a:alpha val="30000"/>
+            </a:schemeClr>
+          </a:solidFill>
+          <a:ln>
+            <a:noFill/>
+          </a:ln>
+        </p:spPr>
+        <p:style>
+          <a:lnRef idx="2">
+            <a:schemeClr val="accent1">
+              <a:shade val="50000"/>
+            </a:schemeClr>
+          </a:lnRef>
+          <a:fillRef idx="1">
+            <a:schemeClr val="accent1"/>
+          </a:fillRef>
+          <a:effectRef idx="0">
+            <a:schemeClr val="accent1"/>
+          </a:effectRef>
+          <a:fontRef idx="minor">
+            <a:schemeClr val="lt1"/>
+          </a:fontRef>
+        </p:style>
+        <p:txBody>
+          <a:bodyPr wrap="square" rtlCol="0" anchor="ctr">
+            <a:noAutofit/>
+          </a:bodyPr>
+          <a:lstStyle/>
+          <a:p>
+            <a:pPr algn="ctr"/>
+            <a:endParaRPr lang="en-US"/>
+          </a:p>
+        </p:txBody>
+      </p:sp>
+      <p:sp>
+        <p:nvSpPr>
+          <p:cNvPr id="16" name="Rectangle 15">
+            <a:extLst>
+              <a:ext uri="{FF2B5EF4-FFF2-40B4-BE49-F238E27FC236}">
+                <a16:creationId xmlns:a16="http://schemas.microsoft.com/office/drawing/2014/main" id="{A6D7111A-21E5-4EE9-8A78-10E5530F0116}"/>
+              </a:ext>
+              <a:ext uri="{C183D7F6-B498-43B3-948B-1728B52AA6E4}">
+                <adec:decorative xmlns:adec="http://schemas.microsoft.com/office/drawing/2017/decorative" val="1"/>
+              </a:ext>
+            </a:extLst>
+          </p:cNvPr>
+          <p:cNvSpPr>
+            <a:spLocks noGrp="1" noRot="1" noChangeAspect="1" noMove="1" noResize="1" noEditPoints="1" noAdjustHandles="1" noChangeArrowheads="1" noChangeShapeType="1" noTextEdit="1"/>
+          </p:cNvSpPr>
+          <p:nvPr>
+            <p:extLst>
+              <p:ext uri="{386F3935-93C4-4BCD-93E2-E3B085C9AB24}">
+                <p16:designElem xmlns:p16="http://schemas.microsoft.com/office/powerpoint/2015/main" val="1"/>
+              </p:ext>
+            </p:extLst>
+          </p:nvPr>
+        </p:nvSpPr>
+        <p:spPr>
+          <a:xfrm rot="2700000">
+            <a:off x="10262924" y="1465780"/>
+            <a:ext cx="1185708" cy="1185708"/>
+          </a:xfrm>
+          <a:prstGeom prst="rect">
+            <a:avLst/>
+          </a:prstGeom>
+          <a:solidFill>
+            <a:schemeClr val="accent1">
+              <a:alpha val="30000"/>
+            </a:schemeClr>
+          </a:solidFill>
+          <a:ln>
+            <a:noFill/>
+          </a:ln>
+        </p:spPr>
+        <p:style>
+          <a:lnRef idx="2">
+            <a:schemeClr val="accent1">
+              <a:shade val="50000"/>
+            </a:schemeClr>
+          </a:lnRef>
+          <a:fillRef idx="1">
+            <a:schemeClr val="accent1"/>
+          </a:fillRef>
+          <a:effectRef idx="0">
+            <a:schemeClr val="accent1"/>
+          </a:effectRef>
+          <a:fontRef idx="minor">
+            <a:schemeClr val="lt1"/>
+          </a:fontRef>
+        </p:style>
+        <p:txBody>
+          <a:bodyPr wrap="square" rtlCol="0" anchor="ctr">
+            <a:noAutofit/>
+          </a:bodyPr>
+          <a:lstStyle/>
+          <a:p>
+            <a:pPr algn="ctr"/>
+            <a:endParaRPr lang="en-US"/>
+          </a:p>
+        </p:txBody>
+      </p:sp>
+      <p:sp>
+        <p:nvSpPr>
+          <p:cNvPr id="18" name="Freeform: Shape 17">
+            <a:extLst>
+              <a:ext uri="{FF2B5EF4-FFF2-40B4-BE49-F238E27FC236}">
+                <a16:creationId xmlns:a16="http://schemas.microsoft.com/office/drawing/2014/main" id="{A3969E80-A77B-49FC-9122-D89AFD5EE118}"/>
+              </a:ext>
+              <a:ext uri="{C183D7F6-B498-43B3-948B-1728B52AA6E4}">
+                <adec:decorative xmlns:adec="http://schemas.microsoft.com/office/drawing/2017/decorative" val="1"/>
+              </a:ext>
+            </a:extLst>
+          </p:cNvPr>
+          <p:cNvSpPr>
+            <a:spLocks noGrp="1" noRot="1" noChangeAspect="1" noMove="1" noResize="1" noEditPoints="1" noAdjustHandles="1" noChangeArrowheads="1" noChangeShapeType="1" noTextEdit="1"/>
+          </p:cNvSpPr>
+          <p:nvPr>
+            <p:extLst>
+              <p:ext uri="{386F3935-93C4-4BCD-93E2-E3B085C9AB24}">
+                <p16:designElem xmlns:p16="http://schemas.microsoft.com/office/powerpoint/2015/main" val="1"/>
+              </p:ext>
+            </p:extLst>
+          </p:nvPr>
+        </p:nvSpPr>
+        <p:spPr>
+          <a:xfrm rot="2700000">
+            <a:off x="-29557" y="5198743"/>
+            <a:ext cx="2444907" cy="2366116"/>
+          </a:xfrm>
+          <a:custGeom>
+            <a:avLst/>
+            <a:gdLst>
+              <a:gd name="connsiteX0" fmla="*/ 0 w 2203753"/>
+              <a:gd name="connsiteY0" fmla="*/ 0 h 2132734"/>
+              <a:gd name="connsiteX1" fmla="*/ 2203753 w 2203753"/>
+              <a:gd name="connsiteY1" fmla="*/ 0 h 2132734"/>
+              <a:gd name="connsiteX2" fmla="*/ 2203753 w 2203753"/>
+              <a:gd name="connsiteY2" fmla="*/ 576461 h 2132734"/>
+              <a:gd name="connsiteX3" fmla="*/ 647480 w 2203753"/>
+              <a:gd name="connsiteY3" fmla="*/ 2132734 h 2132734"/>
+              <a:gd name="connsiteX4" fmla="*/ 0 w 2203753"/>
+              <a:gd name="connsiteY4" fmla="*/ 1485255 h 2132734"/>
+            </a:gdLst>
+            <a:ahLst/>
+            <a:cxnLst>
+              <a:cxn ang="0">
+                <a:pos x="connsiteX0" y="connsiteY0"/>
+              </a:cxn>
+              <a:cxn ang="0">
+                <a:pos x="connsiteX1" y="connsiteY1"/>
+              </a:cxn>
+              <a:cxn ang="0">
+                <a:pos x="connsiteX2" y="connsiteY2"/>
+              </a:cxn>
+              <a:cxn ang="0">
+                <a:pos x="connsiteX3" y="connsiteY3"/>
+              </a:cxn>
+              <a:cxn ang="0">
+                <a:pos x="connsiteX4" y="connsiteY4"/>
+              </a:cxn>
+            </a:cxnLst>
+            <a:rect l="l" t="t" r="r" b="b"/>
+            <a:pathLst>
+              <a:path w="2203753" h="2132734">
+                <a:moveTo>
+                  <a:pt x="0" y="0"/>
+                </a:moveTo>
+                <a:lnTo>
+                  <a:pt x="2203753" y="0"/>
+                </a:lnTo>
+                <a:lnTo>
+                  <a:pt x="2203753" y="576461"/>
+                </a:lnTo>
+                <a:lnTo>
+                  <a:pt x="647480" y="2132734"/>
+                </a:lnTo>
+                <a:lnTo>
+                  <a:pt x="0" y="1485255"/>
+                </a:lnTo>
+                <a:close/>
+              </a:path>
+            </a:pathLst>
+          </a:custGeom>
+          <a:solidFill>
+            <a:schemeClr val="accent1">
+              <a:alpha val="30000"/>
+            </a:schemeClr>
+          </a:solidFill>
+          <a:ln>
+            <a:noFill/>
+          </a:ln>
+        </p:spPr>
+        <p:style>
+          <a:lnRef idx="2">
+            <a:schemeClr val="accent1">
+              <a:shade val="50000"/>
+            </a:schemeClr>
+          </a:lnRef>
+          <a:fillRef idx="1">
+            <a:schemeClr val="accent1"/>
+          </a:fillRef>
+          <a:effectRef idx="0">
+            <a:schemeClr val="accent1"/>
+          </a:effectRef>
+          <a:fontRef idx="minor">
+            <a:schemeClr val="lt1"/>
+          </a:fontRef>
+        </p:style>
+        <p:txBody>
+          <a:bodyPr wrap="square" rtlCol="0" anchor="ctr">
+            <a:noAutofit/>
+          </a:bodyPr>
+          <a:lstStyle/>
+          <a:p>
+            <a:pPr algn="ctr"/>
+            <a:endParaRPr lang="en-US"/>
+          </a:p>
+        </p:txBody>
+      </p:sp>
+      <p:sp>
+        <p:nvSpPr>
+          <p:cNvPr id="20" name="Rectangle 19">
+            <a:extLst>
+              <a:ext uri="{FF2B5EF4-FFF2-40B4-BE49-F238E27FC236}">
+                <a16:creationId xmlns:a16="http://schemas.microsoft.com/office/drawing/2014/main" id="{1849CA57-76BD-4CF2-80BA-D7A46A01B7B1}"/>
+              </a:ext>
+              <a:ext uri="{C183D7F6-B498-43B3-948B-1728B52AA6E4}">
+                <adec:decorative xmlns:adec="http://schemas.microsoft.com/office/drawing/2017/decorative" val="1"/>
+              </a:ext>
+            </a:extLst>
+          </p:cNvPr>
+          <p:cNvSpPr>
+            <a:spLocks noGrp="1" noRot="1" noChangeAspect="1" noMove="1" noResize="1" noEditPoints="1" noAdjustHandles="1" noChangeArrowheads="1" noChangeShapeType="1" noTextEdit="1"/>
+          </p:cNvSpPr>
+          <p:nvPr>
+            <p:extLst>
+              <p:ext uri="{386F3935-93C4-4BCD-93E2-E3B085C9AB24}">
+                <p16:designElem xmlns:p16="http://schemas.microsoft.com/office/powerpoint/2015/main" val="1"/>
+              </p:ext>
+            </p:extLst>
+          </p:nvPr>
+        </p:nvSpPr>
+        <p:spPr>
+          <a:xfrm rot="2700000">
+            <a:off x="1769787" y="5439893"/>
+            <a:ext cx="928467" cy="928467"/>
+          </a:xfrm>
+          <a:prstGeom prst="rect">
+            <a:avLst/>
+          </a:prstGeom>
+          <a:solidFill>
+            <a:schemeClr val="accent1">
+              <a:alpha val="30000"/>
+            </a:schemeClr>
+          </a:solidFill>
+          <a:ln>
+            <a:noFill/>
+          </a:ln>
+        </p:spPr>
+        <p:style>
+          <a:lnRef idx="2">
+            <a:schemeClr val="accent1">
+              <a:shade val="50000"/>
+            </a:schemeClr>
+          </a:lnRef>
+          <a:fillRef idx="1">
+            <a:schemeClr val="accent1"/>
+          </a:fillRef>
+          <a:effectRef idx="0">
+            <a:schemeClr val="accent1"/>
+          </a:effectRef>
+          <a:fontRef idx="minor">
+            <a:schemeClr val="lt1"/>
+          </a:fontRef>
+        </p:style>
+        <p:txBody>
+          <a:bodyPr wrap="square" rtlCol="0" anchor="ctr">
+            <a:noAutofit/>
+          </a:bodyPr>
+          <a:lstStyle/>
+          <a:p>
+            <a:pPr algn="ctr"/>
+            <a:endParaRPr lang="en-US">
+              <a:solidFill>
+                <a:srgbClr val="FFFFFF"/>
+              </a:solidFill>
+              <a:effectLst>
+                <a:outerShdw blurRad="38100" dist="38100" dir="2700000" algn="tl">
+                  <a:srgbClr val="000000">
+                    <a:alpha val="43137"/>
+                  </a:srgbClr>
+                </a:outerShdw>
+              </a:effectLst>
+            </a:endParaRPr>
+          </a:p>
+        </p:txBody>
+      </p:sp>
+      <p:sp>
+        <p:nvSpPr>
+          <p:cNvPr id="22" name="Freeform: Shape 21">
+            <a:extLst>
+              <a:ext uri="{FF2B5EF4-FFF2-40B4-BE49-F238E27FC236}">
+                <a16:creationId xmlns:a16="http://schemas.microsoft.com/office/drawing/2014/main" id="{35E9085E-E730-4768-83D4-6CB7E9897153}"/>
+              </a:ext>
+              <a:ext uri="{C183D7F6-B498-43B3-948B-1728B52AA6E4}">
+                <adec:decorative xmlns:adec="http://schemas.microsoft.com/office/drawing/2017/decorative" val="1"/>
+              </a:ext>
+            </a:extLst>
+          </p:cNvPr>
+          <p:cNvSpPr>
+            <a:spLocks noGrp="1" noRot="1" noChangeAspect="1" noMove="1" noResize="1" noEditPoints="1" noAdjustHandles="1" noChangeArrowheads="1" noChangeShapeType="1" noTextEdit="1"/>
+          </p:cNvSpPr>
+          <p:nvPr>
+            <p:extLst>
+              <p:ext uri="{386F3935-93C4-4BCD-93E2-E3B085C9AB24}">
+                <p16:designElem xmlns:p16="http://schemas.microsoft.com/office/powerpoint/2015/main" val="1"/>
+              </p:ext>
+            </p:extLst>
+          </p:nvPr>
+        </p:nvSpPr>
+        <p:spPr>
+          <a:xfrm rot="2700000">
+            <a:off x="3401311" y="734311"/>
+            <a:ext cx="5389379" cy="5389379"/>
+          </a:xfrm>
+          <a:custGeom>
+            <a:avLst/>
+            <a:gdLst>
+              <a:gd name="connsiteX0" fmla="*/ 0 w 5389379"/>
+              <a:gd name="connsiteY0" fmla="*/ 540040 h 5389379"/>
+              <a:gd name="connsiteX1" fmla="*/ 540040 w 5389379"/>
+              <a:gd name="connsiteY1" fmla="*/ 0 h 5389379"/>
+              <a:gd name="connsiteX2" fmla="*/ 5389379 w 5389379"/>
+              <a:gd name="connsiteY2" fmla="*/ 0 h 5389379"/>
+              <a:gd name="connsiteX3" fmla="*/ 5389379 w 5389379"/>
+              <a:gd name="connsiteY3" fmla="*/ 4838655 h 5389379"/>
+              <a:gd name="connsiteX4" fmla="*/ 4838655 w 5389379"/>
+              <a:gd name="connsiteY4" fmla="*/ 5389379 h 5389379"/>
+              <a:gd name="connsiteX5" fmla="*/ 0 w 5389379"/>
+              <a:gd name="connsiteY5" fmla="*/ 5389379 h 5389379"/>
+            </a:gdLst>
+            <a:ahLst/>
+            <a:cxnLst>
+              <a:cxn ang="0">
+                <a:pos x="connsiteX0" y="connsiteY0"/>
+              </a:cxn>
+              <a:cxn ang="0">
+                <a:pos x="connsiteX1" y="connsiteY1"/>
+              </a:cxn>
+              <a:cxn ang="0">
+                <a:pos x="connsiteX2" y="connsiteY2"/>
+              </a:cxn>
+              <a:cxn ang="0">
+                <a:pos x="connsiteX3" y="connsiteY3"/>
+              </a:cxn>
+              <a:cxn ang="0">
+                <a:pos x="connsiteX4" y="connsiteY4"/>
+              </a:cxn>
+              <a:cxn ang="0">
+                <a:pos x="connsiteX5" y="connsiteY5"/>
+              </a:cxn>
+            </a:cxnLst>
+            <a:rect l="l" t="t" r="r" b="b"/>
+            <a:pathLst>
+              <a:path w="5389379" h="5389379">
+                <a:moveTo>
+                  <a:pt x="0" y="540040"/>
+                </a:moveTo>
+                <a:lnTo>
+                  <a:pt x="540040" y="0"/>
+                </a:lnTo>
+                <a:lnTo>
+                  <a:pt x="5389379" y="0"/>
+                </a:lnTo>
+                <a:lnTo>
+                  <a:pt x="5389379" y="4838655"/>
+                </a:lnTo>
+                <a:lnTo>
+                  <a:pt x="4838655" y="5389379"/>
+                </a:lnTo>
+                <a:lnTo>
+                  <a:pt x="0" y="5389379"/>
+                </a:lnTo>
+                <a:close/>
+              </a:path>
+            </a:pathLst>
+          </a:custGeom>
+          <a:solidFill>
+            <a:srgbClr val="FFFFFF"/>
+          </a:solidFill>
+          <a:ln>
+            <a:noFill/>
+          </a:ln>
+        </p:spPr>
+        <p:style>
+          <a:lnRef idx="2">
+            <a:schemeClr val="accent1">
+              <a:shade val="50000"/>
+            </a:schemeClr>
+          </a:lnRef>
+          <a:fillRef idx="1">
+            <a:schemeClr val="accent1"/>
+          </a:fillRef>
+          <a:effectRef idx="0">
+            <a:schemeClr val="accent1"/>
+          </a:effectRef>
+          <a:fontRef idx="minor">
+            <a:schemeClr val="lt1"/>
+          </a:fontRef>
+        </p:style>
+        <p:txBody>
+          <a:bodyPr wrap="square" rtlCol="0" anchor="ctr">
+            <a:noAutofit/>
+          </a:bodyPr>
+          <a:lstStyle/>
+          <a:p>
+            <a:pPr algn="ctr"/>
+            <a:endParaRPr lang="en-US"/>
+          </a:p>
+        </p:txBody>
+      </p:sp>
+      <p:sp>
+        <p:nvSpPr>
+          <p:cNvPr id="24" name="Freeform: Shape 23">
+            <a:extLst>
+              <a:ext uri="{FF2B5EF4-FFF2-40B4-BE49-F238E27FC236}">
+                <a16:creationId xmlns:a16="http://schemas.microsoft.com/office/drawing/2014/main" id="{973272FE-A474-4CAE-8CA2-BCC8B476C3F4}"/>
+              </a:ext>
+              <a:ext uri="{C183D7F6-B498-43B3-948B-1728B52AA6E4}">
+                <adec:decorative xmlns:adec="http://schemas.microsoft.com/office/drawing/2017/decorative" val="1"/>
+              </a:ext>
+            </a:extLst>
+          </p:cNvPr>
+          <p:cNvSpPr>
+            <a:spLocks noGrp="1" noRot="1" noChangeAspect="1" noMove="1" noResize="1" noEditPoints="1" noAdjustHandles="1" noChangeArrowheads="1" noChangeShapeType="1" noTextEdit="1"/>
+          </p:cNvSpPr>
+          <p:nvPr>
+            <p:extLst>
+              <p:ext uri="{386F3935-93C4-4BCD-93E2-E3B085C9AB24}">
+                <p16:designElem xmlns:p16="http://schemas.microsoft.com/office/powerpoint/2015/main" val="1"/>
+              </p:ext>
+            </p:extLst>
+          </p:nvPr>
+        </p:nvSpPr>
+        <p:spPr>
+          <a:xfrm rot="2700000">
+            <a:off x="2700283" y="33283"/>
+            <a:ext cx="6791435" cy="6791435"/>
+          </a:xfrm>
+          <a:custGeom>
+            <a:avLst/>
+            <a:gdLst>
+              <a:gd name="connsiteX0" fmla="*/ 1860938 w 6791435"/>
+              <a:gd name="connsiteY0" fmla="*/ 81158 h 6791435"/>
+              <a:gd name="connsiteX1" fmla="*/ 1942096 w 6791435"/>
+              <a:gd name="connsiteY1" fmla="*/ 0 h 6791435"/>
+              <a:gd name="connsiteX2" fmla="*/ 6791435 w 6791435"/>
+              <a:gd name="connsiteY2" fmla="*/ 0 h 6791435"/>
+              <a:gd name="connsiteX3" fmla="*/ 6791435 w 6791435"/>
+              <a:gd name="connsiteY3" fmla="*/ 4838655 h 6791435"/>
+              <a:gd name="connsiteX4" fmla="*/ 6710277 w 6791435"/>
+              <a:gd name="connsiteY4" fmla="*/ 4919813 h 6791435"/>
+              <a:gd name="connsiteX5" fmla="*/ 6710277 w 6791435"/>
+              <a:gd name="connsiteY5" fmla="*/ 81158 h 6791435"/>
+              <a:gd name="connsiteX6" fmla="*/ 0 w 6791435"/>
+              <a:gd name="connsiteY6" fmla="*/ 1942096 h 6791435"/>
+              <a:gd name="connsiteX7" fmla="*/ 81158 w 6791435"/>
+              <a:gd name="connsiteY7" fmla="*/ 1860938 h 6791435"/>
+              <a:gd name="connsiteX8" fmla="*/ 81158 w 6791435"/>
+              <a:gd name="connsiteY8" fmla="*/ 6710277 h 6791435"/>
+              <a:gd name="connsiteX9" fmla="*/ 4919813 w 6791435"/>
+              <a:gd name="connsiteY9" fmla="*/ 6710277 h 6791435"/>
+              <a:gd name="connsiteX10" fmla="*/ 4838655 w 6791435"/>
+              <a:gd name="connsiteY10" fmla="*/ 6791435 h 6791435"/>
+              <a:gd name="connsiteX11" fmla="*/ 0 w 6791435"/>
+              <a:gd name="connsiteY11" fmla="*/ 6791435 h 6791435"/>
+            </a:gdLst>
+            <a:ahLst/>
+            <a:cxnLst>
+              <a:cxn ang="0">
+                <a:pos x="connsiteX0" y="connsiteY0"/>
+              </a:cxn>
+              <a:cxn ang="0">
+                <a:pos x="connsiteX1" y="connsiteY1"/>
+              </a:cxn>
+              <a:cxn ang="0">
+                <a:pos x="connsiteX2" y="connsiteY2"/>
+              </a:cxn>
+              <a:cxn ang="0">
+                <a:pos x="connsiteX3" y="connsiteY3"/>
+              </a:cxn>
+              <a:cxn ang="0">
+                <a:pos x="connsiteX4" y="connsiteY4"/>
+              </a:cxn>
+              <a:cxn ang="0">
+                <a:pos x="connsiteX5" y="connsiteY5"/>
+              </a:cxn>
+              <a:cxn ang="0">
+                <a:pos x="connsiteX6" y="connsiteY6"/>
+              </a:cxn>
+              <a:cxn ang="0">
+                <a:pos x="connsiteX7" y="connsiteY7"/>
+              </a:cxn>
+              <a:cxn ang="0">
+                <a:pos x="connsiteX8" y="connsiteY8"/>
+              </a:cxn>
+              <a:cxn ang="0">
+                <a:pos x="connsiteX9" y="connsiteY9"/>
+              </a:cxn>
+              <a:cxn ang="0">
+                <a:pos x="connsiteX10" y="connsiteY10"/>
+              </a:cxn>
+              <a:cxn ang="0">
+                <a:pos x="connsiteX11" y="connsiteY11"/>
+              </a:cxn>
+            </a:cxnLst>
+            <a:rect l="l" t="t" r="r" b="b"/>
+            <a:pathLst>
+              <a:path w="6791435" h="6791435">
+                <a:moveTo>
+                  <a:pt x="1860938" y="81158"/>
+                </a:moveTo>
+                <a:lnTo>
+                  <a:pt x="1942096" y="0"/>
+                </a:lnTo>
+                <a:lnTo>
+                  <a:pt x="6791435" y="0"/>
+                </a:lnTo>
+                <a:lnTo>
+                  <a:pt x="6791435" y="4838655"/>
+                </a:lnTo>
+                <a:lnTo>
+                  <a:pt x="6710277" y="4919813"/>
+                </a:lnTo>
+                <a:lnTo>
+                  <a:pt x="6710277" y="81158"/>
+                </a:lnTo>
+                <a:close/>
+                <a:moveTo>
+                  <a:pt x="0" y="1942096"/>
+                </a:moveTo>
+                <a:lnTo>
+                  <a:pt x="81158" y="1860938"/>
+                </a:lnTo>
+                <a:lnTo>
+                  <a:pt x="81158" y="6710277"/>
+                </a:lnTo>
+                <a:lnTo>
+                  <a:pt x="4919813" y="6710277"/>
+                </a:lnTo>
+                <a:lnTo>
+                  <a:pt x="4838655" y="6791435"/>
+                </a:lnTo>
+                <a:lnTo>
+                  <a:pt x="0" y="6791435"/>
+                </a:lnTo>
+                <a:close/>
+              </a:path>
+            </a:pathLst>
+          </a:custGeom>
+          <a:solidFill>
+            <a:srgbClr val="FFFFFF">
+              <a:alpha val="60000"/>
+            </a:srgbClr>
+          </a:solidFill>
+          <a:ln>
+            <a:noFill/>
+          </a:ln>
+        </p:spPr>
+        <p:style>
+          <a:lnRef idx="2">
+            <a:schemeClr val="accent1">
+              <a:shade val="50000"/>
+            </a:schemeClr>
+          </a:lnRef>
+          <a:fillRef idx="1">
+            <a:schemeClr val="accent1"/>
+          </a:fillRef>
+          <a:effectRef idx="0">
+            <a:schemeClr val="accent1"/>
+          </a:effectRef>
+          <a:fontRef idx="minor">
+            <a:schemeClr val="lt1"/>
+          </a:fontRef>
+        </p:style>
+        <p:txBody>
+          <a:bodyPr wrap="square" rtlCol="0" anchor="ctr">
+            <a:noAutofit/>
+          </a:bodyPr>
+          <a:lstStyle/>
+          <a:p>
+            <a:pPr algn="ctr"/>
+            <a:endParaRPr lang="en-US">
+              <a:solidFill>
+                <a:schemeClr val="tx1"/>
+              </a:solidFill>
+            </a:endParaRPr>
+          </a:p>
+        </p:txBody>
+      </p:sp>
+      <p:sp>
+        <p:nvSpPr>
+          <p:cNvPr id="3" name="Sous-titre 2">
+            <a:extLst>
+              <a:ext uri="{FF2B5EF4-FFF2-40B4-BE49-F238E27FC236}">
+                <a16:creationId xmlns:a16="http://schemas.microsoft.com/office/drawing/2014/main" id="{B48348D4-9DD1-41E1-8D2E-8C2249F03522}"/>
               </a:ext>
             </a:extLst>
           </p:cNvPr>
@@ -3357,56 +4343,265 @@
             <a:spLocks noGrp="1"/>
           </p:cNvSpPr>
           <p:nvPr>
-            <p:ph type="ctrTitle"/>
-          </p:nvPr>
-        </p:nvSpPr>
-        <p:spPr/>
-        <p:txBody>
-          <a:bodyPr/>
+            <p:ph type="subTitle" idx="1"/>
+          </p:nvPr>
+        </p:nvSpPr>
+        <p:spPr>
+          <a:xfrm>
+            <a:off x="4416222" y="3598347"/>
+            <a:ext cx="3312734" cy="1141851"/>
+          </a:xfrm>
+          <a:noFill/>
+        </p:spPr>
+        <p:txBody>
+          <a:bodyPr>
+            <a:normAutofit/>
+          </a:bodyPr>
           <a:lstStyle/>
           <a:p>
             <a:r>
-              <a:rPr lang="fr-CH" dirty="0"/>
-              <a:t>IHM mini-projet</a:t>
-            </a:r>
-          </a:p>
-        </p:txBody>
-      </p:sp>
-      <p:sp>
-        <p:nvSpPr>
-          <p:cNvPr id="3" name="Sous-titre 2">
-            <a:extLst>
-              <a:ext uri="{FF2B5EF4-FFF2-40B4-BE49-F238E27FC236}">
-                <a16:creationId xmlns:a16="http://schemas.microsoft.com/office/drawing/2014/main" id="{B48348D4-9DD1-41E1-8D2E-8C2249F03522}"/>
-              </a:ext>
-            </a:extLst>
-          </p:cNvPr>
-          <p:cNvSpPr>
-            <a:spLocks noGrp="1"/>
-          </p:cNvSpPr>
-          <p:nvPr>
-            <p:ph type="subTitle" idx="1"/>
-          </p:nvPr>
-        </p:nvSpPr>
-        <p:spPr/>
-        <p:txBody>
-          <a:bodyPr/>
-          <a:lstStyle/>
-          <a:p>
-            <a:r>
-              <a:rPr lang="fr-CH" dirty="0"/>
+              <a:rPr lang="fr-CH" sz="2000" dirty="0">
+                <a:solidFill>
+                  <a:srgbClr val="080808"/>
+                </a:solidFill>
+              </a:rPr>
               <a:t>Mattei Simon</a:t>
             </a:r>
           </a:p>
           <a:p>
             <a:r>
-              <a:rPr lang="fr-CH" dirty="0" err="1"/>
+              <a:rPr lang="fr-CH" sz="2000" dirty="0" err="1">
+                <a:solidFill>
+                  <a:srgbClr val="080808"/>
+                </a:solidFill>
+              </a:rPr>
               <a:t>Reuteler</a:t>
             </a:r>
             <a:r>
-              <a:rPr lang="fr-CH" dirty="0"/>
+              <a:rPr lang="fr-CH" sz="2000" dirty="0">
+                <a:solidFill>
+                  <a:srgbClr val="080808"/>
+                </a:solidFill>
+              </a:rPr>
               <a:t> Robin</a:t>
             </a:r>
+          </a:p>
+        </p:txBody>
+      </p:sp>
+      <p:sp>
+        <p:nvSpPr>
+          <p:cNvPr id="2" name="Titre 1">
+            <a:extLst>
+              <a:ext uri="{FF2B5EF4-FFF2-40B4-BE49-F238E27FC236}">
+                <a16:creationId xmlns:a16="http://schemas.microsoft.com/office/drawing/2014/main" id="{D008A682-D1A3-49AF-A88A-6E32DDB6CABA}"/>
+              </a:ext>
+            </a:extLst>
+          </p:cNvPr>
+          <p:cNvSpPr>
+            <a:spLocks noGrp="1"/>
+          </p:cNvSpPr>
+          <p:nvPr>
+            <p:ph type="ctrTitle"/>
+          </p:nvPr>
+        </p:nvSpPr>
+        <p:spPr>
+          <a:xfrm>
+            <a:off x="3204642" y="1860005"/>
+            <a:ext cx="5782716" cy="2150719"/>
+          </a:xfrm>
+          <a:noFill/>
+        </p:spPr>
+        <p:txBody>
+          <a:bodyPr anchor="ctr">
+            <a:normAutofit/>
+          </a:bodyPr>
+          <a:lstStyle/>
+          <a:p>
+            <a:r>
+              <a:rPr lang="fr-CH" sz="4800" dirty="0">
+                <a:solidFill>
+                  <a:srgbClr val="080808"/>
+                </a:solidFill>
+              </a:rPr>
+              <a:t>IHM mini-projet</a:t>
+            </a:r>
+          </a:p>
+        </p:txBody>
+      </p:sp>
+      <p:sp>
+        <p:nvSpPr>
+          <p:cNvPr id="26" name="Freeform: Shape 25">
+            <a:extLst>
+              <a:ext uri="{FF2B5EF4-FFF2-40B4-BE49-F238E27FC236}">
+                <a16:creationId xmlns:a16="http://schemas.microsoft.com/office/drawing/2014/main" id="{E07981EA-05A6-437C-88D7-B377B92B031D}"/>
+              </a:ext>
+              <a:ext uri="{C183D7F6-B498-43B3-948B-1728B52AA6E4}">
+                <adec:decorative xmlns:adec="http://schemas.microsoft.com/office/drawing/2017/decorative" val="1"/>
+              </a:ext>
+            </a:extLst>
+          </p:cNvPr>
+          <p:cNvSpPr>
+            <a:spLocks noGrp="1" noRot="1" noChangeAspect="1" noMove="1" noResize="1" noEditPoints="1" noAdjustHandles="1" noChangeArrowheads="1" noChangeShapeType="1" noTextEdit="1"/>
+          </p:cNvSpPr>
+          <p:nvPr>
+            <p:extLst>
+              <p:ext uri="{386F3935-93C4-4BCD-93E2-E3B085C9AB24}">
+                <p16:designElem xmlns:p16="http://schemas.microsoft.com/office/powerpoint/2015/main" val="1"/>
+              </p:ext>
+            </p:extLst>
+          </p:nvPr>
+        </p:nvSpPr>
+        <p:spPr>
+          <a:xfrm rot="2700000">
+            <a:off x="9629823" y="5457591"/>
+            <a:ext cx="2231794" cy="2568811"/>
+          </a:xfrm>
+          <a:custGeom>
+            <a:avLst/>
+            <a:gdLst>
+              <a:gd name="connsiteX0" fmla="*/ 0 w 2940086"/>
+              <a:gd name="connsiteY0" fmla="*/ 0 h 3384061"/>
+              <a:gd name="connsiteX1" fmla="*/ 2496112 w 2940086"/>
+              <a:gd name="connsiteY1" fmla="*/ 0 h 3384061"/>
+              <a:gd name="connsiteX2" fmla="*/ 2940086 w 2940086"/>
+              <a:gd name="connsiteY2" fmla="*/ 443975 h 3384061"/>
+              <a:gd name="connsiteX3" fmla="*/ 0 w 2940086"/>
+              <a:gd name="connsiteY3" fmla="*/ 3384061 h 3384061"/>
+            </a:gdLst>
+            <a:ahLst/>
+            <a:cxnLst>
+              <a:cxn ang="0">
+                <a:pos x="connsiteX0" y="connsiteY0"/>
+              </a:cxn>
+              <a:cxn ang="0">
+                <a:pos x="connsiteX1" y="connsiteY1"/>
+              </a:cxn>
+              <a:cxn ang="0">
+                <a:pos x="connsiteX2" y="connsiteY2"/>
+              </a:cxn>
+              <a:cxn ang="0">
+                <a:pos x="connsiteX3" y="connsiteY3"/>
+              </a:cxn>
+            </a:cxnLst>
+            <a:rect l="l" t="t" r="r" b="b"/>
+            <a:pathLst>
+              <a:path w="2940086" h="3384061">
+                <a:moveTo>
+                  <a:pt x="0" y="0"/>
+                </a:moveTo>
+                <a:lnTo>
+                  <a:pt x="2496112" y="0"/>
+                </a:lnTo>
+                <a:lnTo>
+                  <a:pt x="2940086" y="443975"/>
+                </a:lnTo>
+                <a:lnTo>
+                  <a:pt x="0" y="3384061"/>
+                </a:lnTo>
+                <a:close/>
+              </a:path>
+            </a:pathLst>
+          </a:custGeom>
+          <a:solidFill>
+            <a:schemeClr val="accent4">
+              <a:alpha val="40000"/>
+            </a:schemeClr>
+          </a:solidFill>
+          <a:ln>
+            <a:noFill/>
+          </a:ln>
+        </p:spPr>
+        <p:style>
+          <a:lnRef idx="2">
+            <a:schemeClr val="accent1">
+              <a:shade val="50000"/>
+            </a:schemeClr>
+          </a:lnRef>
+          <a:fillRef idx="1">
+            <a:schemeClr val="accent1"/>
+          </a:fillRef>
+          <a:effectRef idx="0">
+            <a:schemeClr val="accent1"/>
+          </a:effectRef>
+          <a:fontRef idx="minor">
+            <a:schemeClr val="lt1"/>
+          </a:fontRef>
+        </p:style>
+        <p:txBody>
+          <a:bodyPr wrap="square" rtlCol="0" anchor="ctr">
+            <a:noAutofit/>
+          </a:bodyPr>
+          <a:lstStyle/>
+          <a:p>
+            <a:pPr algn="ctr"/>
+            <a:endParaRPr lang="en-US"/>
+          </a:p>
+        </p:txBody>
+      </p:sp>
+      <p:sp>
+        <p:nvSpPr>
+          <p:cNvPr id="28" name="Rectangle 27">
+            <a:extLst>
+              <a:ext uri="{FF2B5EF4-FFF2-40B4-BE49-F238E27FC236}">
+                <a16:creationId xmlns:a16="http://schemas.microsoft.com/office/drawing/2014/main" id="{15E3C750-986E-4769-B1AE-49289FBEE757}"/>
+              </a:ext>
+              <a:ext uri="{C183D7F6-B498-43B3-948B-1728B52AA6E4}">
+                <adec:decorative xmlns:adec="http://schemas.microsoft.com/office/drawing/2017/decorative" val="1"/>
+              </a:ext>
+            </a:extLst>
+          </p:cNvPr>
+          <p:cNvSpPr>
+            <a:spLocks noGrp="1" noRot="1" noChangeAspect="1" noMove="1" noResize="1" noEditPoints="1" noAdjustHandles="1" noChangeArrowheads="1" noChangeShapeType="1" noTextEdit="1"/>
+          </p:cNvSpPr>
+          <p:nvPr>
+            <p:extLst>
+              <p:ext uri="{386F3935-93C4-4BCD-93E2-E3B085C9AB24}">
+                <p16:designElem xmlns:p16="http://schemas.microsoft.com/office/powerpoint/2015/main" val="1"/>
+              </p:ext>
+            </p:extLst>
+          </p:nvPr>
+        </p:nvSpPr>
+        <p:spPr>
+          <a:xfrm rot="2700000">
+            <a:off x="9720059" y="5243545"/>
+            <a:ext cx="959985" cy="959985"/>
+          </a:xfrm>
+          <a:prstGeom prst="rect">
+            <a:avLst/>
+          </a:prstGeom>
+          <a:solidFill>
+            <a:schemeClr val="accent4">
+              <a:alpha val="40000"/>
+            </a:schemeClr>
+          </a:solidFill>
+          <a:ln>
+            <a:noFill/>
+          </a:ln>
+        </p:spPr>
+        <p:style>
+          <a:lnRef idx="2">
+            <a:schemeClr val="accent1">
+              <a:shade val="50000"/>
+            </a:schemeClr>
+          </a:lnRef>
+          <a:fillRef idx="1">
+            <a:schemeClr val="accent1"/>
+          </a:fillRef>
+          <a:effectRef idx="0">
+            <a:schemeClr val="accent1"/>
+          </a:effectRef>
+          <a:fontRef idx="minor">
+            <a:schemeClr val="lt1"/>
+          </a:fontRef>
+        </p:style>
+        <p:txBody>
+          <a:bodyPr wrap="square" rtlCol="0" anchor="ctr">
+            <a:noAutofit/>
+          </a:bodyPr>
+          <a:lstStyle/>
+          <a:p>
+            <a:pPr algn="ctr"/>
+            <a:endParaRPr lang="en-US"/>
           </a:p>
         </p:txBody>
       </p:sp>
@@ -3426,6 +4621,14 @@
 <file path=ppt/slides/slide2.xml><?xml version="1.0" encoding="utf-8"?>
 <p:sld xmlns:a="http://schemas.openxmlformats.org/drawingml/2006/main" xmlns:r="http://schemas.openxmlformats.org/officeDocument/2006/relationships" xmlns:p="http://schemas.openxmlformats.org/presentationml/2006/main">
   <p:cSld>
+    <p:bg>
+      <p:bgPr>
+        <a:solidFill>
+          <a:schemeClr val="bg1"/>
+        </a:solidFill>
+        <a:effectLst/>
+      </p:bgPr>
+    </p:bg>
     <p:spTree>
       <p:nvGrpSpPr>
         <p:cNvPr id="1" name=""/>
@@ -3440,6 +4643,490 @@
           <a:chExt cx="0" cy="0"/>
         </a:xfrm>
       </p:grpSpPr>
+      <p:sp>
+        <p:nvSpPr>
+          <p:cNvPr id="10" name="Rectangle 9">
+            <a:extLst>
+              <a:ext uri="{FF2B5EF4-FFF2-40B4-BE49-F238E27FC236}">
+                <a16:creationId xmlns:a16="http://schemas.microsoft.com/office/drawing/2014/main" id="{F3060C83-F051-4F0E-ABAD-AA0DFC48B218}"/>
+              </a:ext>
+              <a:ext uri="{C183D7F6-B498-43B3-948B-1728B52AA6E4}">
+                <adec:decorative xmlns:adec="http://schemas.microsoft.com/office/drawing/2017/decorative" val="1"/>
+              </a:ext>
+            </a:extLst>
+          </p:cNvPr>
+          <p:cNvSpPr>
+            <a:spLocks noGrp="1" noRot="1" noChangeAspect="1" noMove="1" noResize="1" noEditPoints="1" noAdjustHandles="1" noChangeArrowheads="1" noChangeShapeType="1" noTextEdit="1"/>
+          </p:cNvSpPr>
+          <p:nvPr>
+            <p:extLst>
+              <p:ext uri="{386F3935-93C4-4BCD-93E2-E3B085C9AB24}">
+                <p16:designElem xmlns:p16="http://schemas.microsoft.com/office/powerpoint/2015/main" val="1"/>
+              </p:ext>
+            </p:extLst>
+          </p:nvPr>
+        </p:nvSpPr>
+        <p:spPr>
+          <a:xfrm>
+            <a:off x="0" y="0"/>
+            <a:ext cx="12192000" cy="6858000"/>
+          </a:xfrm>
+          <a:prstGeom prst="rect">
+            <a:avLst/>
+          </a:prstGeom>
+          <a:solidFill>
+            <a:schemeClr val="bg1"/>
+          </a:solidFill>
+          <a:ln>
+            <a:noFill/>
+          </a:ln>
+        </p:spPr>
+        <p:style>
+          <a:lnRef idx="2">
+            <a:schemeClr val="accent1">
+              <a:shade val="50000"/>
+            </a:schemeClr>
+          </a:lnRef>
+          <a:fillRef idx="1">
+            <a:schemeClr val="accent1"/>
+          </a:fillRef>
+          <a:effectRef idx="0">
+            <a:schemeClr val="accent1"/>
+          </a:effectRef>
+          <a:fontRef idx="minor">
+            <a:schemeClr val="lt1"/>
+          </a:fontRef>
+        </p:style>
+        <p:txBody>
+          <a:bodyPr rtlCol="0" anchor="ctr"/>
+          <a:lstStyle/>
+          <a:p>
+            <a:pPr algn="ctr"/>
+            <a:endParaRPr lang="en-US" dirty="0"/>
+          </a:p>
+        </p:txBody>
+      </p:sp>
+      <p:sp>
+        <p:nvSpPr>
+          <p:cNvPr id="12" name="Freeform: Shape 11">
+            <a:extLst>
+              <a:ext uri="{FF2B5EF4-FFF2-40B4-BE49-F238E27FC236}">
+                <a16:creationId xmlns:a16="http://schemas.microsoft.com/office/drawing/2014/main" id="{83C98ABE-055B-441F-B07E-44F97F083C39}"/>
+              </a:ext>
+              <a:ext uri="{C183D7F6-B498-43B3-948B-1728B52AA6E4}">
+                <adec:decorative xmlns:adec="http://schemas.microsoft.com/office/drawing/2017/decorative" val="1"/>
+              </a:ext>
+            </a:extLst>
+          </p:cNvPr>
+          <p:cNvSpPr>
+            <a:spLocks noGrp="1" noRot="1" noChangeAspect="1" noMove="1" noResize="1" noEditPoints="1" noAdjustHandles="1" noChangeArrowheads="1" noChangeShapeType="1" noTextEdit="1"/>
+          </p:cNvSpPr>
+          <p:nvPr>
+            <p:extLst>
+              <p:ext uri="{386F3935-93C4-4BCD-93E2-E3B085C9AB24}">
+                <p16:designElem xmlns:p16="http://schemas.microsoft.com/office/powerpoint/2015/main" val="1"/>
+              </p:ext>
+            </p:extLst>
+          </p:nvPr>
+        </p:nvSpPr>
+        <p:spPr>
+          <a:xfrm rot="18900000" flipH="1">
+            <a:off x="-376156" y="-253670"/>
+            <a:ext cx="1827638" cy="1376989"/>
+          </a:xfrm>
+          <a:custGeom>
+            <a:avLst/>
+            <a:gdLst>
+              <a:gd name="connsiteX0" fmla="*/ 0 w 1827638"/>
+              <a:gd name="connsiteY0" fmla="*/ 987379 h 1376989"/>
+              <a:gd name="connsiteX1" fmla="*/ 987379 w 1827638"/>
+              <a:gd name="connsiteY1" fmla="*/ 0 h 1376989"/>
+              <a:gd name="connsiteX2" fmla="*/ 1827638 w 1827638"/>
+              <a:gd name="connsiteY2" fmla="*/ 840260 h 1376989"/>
+              <a:gd name="connsiteX3" fmla="*/ 1827638 w 1827638"/>
+              <a:gd name="connsiteY3" fmla="*/ 1376989 h 1376989"/>
+              <a:gd name="connsiteX4" fmla="*/ 0 w 1827638"/>
+              <a:gd name="connsiteY4" fmla="*/ 1376989 h 1376989"/>
+            </a:gdLst>
+            <a:ahLst/>
+            <a:cxnLst>
+              <a:cxn ang="0">
+                <a:pos x="connsiteX0" y="connsiteY0"/>
+              </a:cxn>
+              <a:cxn ang="0">
+                <a:pos x="connsiteX1" y="connsiteY1"/>
+              </a:cxn>
+              <a:cxn ang="0">
+                <a:pos x="connsiteX2" y="connsiteY2"/>
+              </a:cxn>
+              <a:cxn ang="0">
+                <a:pos x="connsiteX3" y="connsiteY3"/>
+              </a:cxn>
+              <a:cxn ang="0">
+                <a:pos x="connsiteX4" y="connsiteY4"/>
+              </a:cxn>
+            </a:cxnLst>
+            <a:rect l="l" t="t" r="r" b="b"/>
+            <a:pathLst>
+              <a:path w="1827638" h="1376989">
+                <a:moveTo>
+                  <a:pt x="0" y="987379"/>
+                </a:moveTo>
+                <a:lnTo>
+                  <a:pt x="987379" y="0"/>
+                </a:lnTo>
+                <a:lnTo>
+                  <a:pt x="1827638" y="840260"/>
+                </a:lnTo>
+                <a:lnTo>
+                  <a:pt x="1827638" y="1376989"/>
+                </a:lnTo>
+                <a:lnTo>
+                  <a:pt x="0" y="1376989"/>
+                </a:lnTo>
+                <a:close/>
+              </a:path>
+            </a:pathLst>
+          </a:custGeom>
+          <a:solidFill>
+            <a:schemeClr val="accent1">
+              <a:alpha val="30000"/>
+            </a:schemeClr>
+          </a:solidFill>
+          <a:ln>
+            <a:noFill/>
+          </a:ln>
+        </p:spPr>
+        <p:style>
+          <a:lnRef idx="2">
+            <a:schemeClr val="accent1">
+              <a:shade val="50000"/>
+            </a:schemeClr>
+          </a:lnRef>
+          <a:fillRef idx="1">
+            <a:schemeClr val="accent1"/>
+          </a:fillRef>
+          <a:effectRef idx="0">
+            <a:schemeClr val="accent1"/>
+          </a:effectRef>
+          <a:fontRef idx="minor">
+            <a:schemeClr val="lt1"/>
+          </a:fontRef>
+        </p:style>
+        <p:txBody>
+          <a:bodyPr rtlCol="0" anchor="ctr"/>
+          <a:lstStyle/>
+          <a:p>
+            <a:pPr algn="ctr"/>
+            <a:endParaRPr lang="en-US" dirty="0"/>
+          </a:p>
+        </p:txBody>
+      </p:sp>
+      <p:sp>
+        <p:nvSpPr>
+          <p:cNvPr id="14" name="Rectangle 13">
+            <a:extLst>
+              <a:ext uri="{FF2B5EF4-FFF2-40B4-BE49-F238E27FC236}">
+                <a16:creationId xmlns:a16="http://schemas.microsoft.com/office/drawing/2014/main" id="{29FDB030-9B49-4CED-8CCD-4D99382388AC}"/>
+              </a:ext>
+              <a:ext uri="{C183D7F6-B498-43B3-948B-1728B52AA6E4}">
+                <adec:decorative xmlns:adec="http://schemas.microsoft.com/office/drawing/2017/decorative" val="1"/>
+              </a:ext>
+            </a:extLst>
+          </p:cNvPr>
+          <p:cNvSpPr>
+            <a:spLocks noGrp="1" noRot="1" noChangeAspect="1" noMove="1" noResize="1" noEditPoints="1" noAdjustHandles="1" noChangeArrowheads="1" noChangeShapeType="1" noTextEdit="1"/>
+          </p:cNvSpPr>
+          <p:nvPr>
+            <p:extLst>
+              <p:ext uri="{386F3935-93C4-4BCD-93E2-E3B085C9AB24}">
+                <p16:designElem xmlns:p16="http://schemas.microsoft.com/office/powerpoint/2015/main" val="1"/>
+              </p:ext>
+            </p:extLst>
+          </p:nvPr>
+        </p:nvSpPr>
+        <p:spPr>
+          <a:xfrm rot="18900000" flipH="1">
+            <a:off x="891641" y="422146"/>
+            <a:ext cx="645368" cy="645368"/>
+          </a:xfrm>
+          <a:prstGeom prst="rect">
+            <a:avLst/>
+          </a:prstGeom>
+          <a:solidFill>
+            <a:schemeClr val="accent1">
+              <a:alpha val="30000"/>
+            </a:schemeClr>
+          </a:solidFill>
+          <a:ln>
+            <a:noFill/>
+          </a:ln>
+        </p:spPr>
+        <p:style>
+          <a:lnRef idx="2">
+            <a:schemeClr val="accent1">
+              <a:shade val="50000"/>
+            </a:schemeClr>
+          </a:lnRef>
+          <a:fillRef idx="1">
+            <a:schemeClr val="accent1"/>
+          </a:fillRef>
+          <a:effectRef idx="0">
+            <a:schemeClr val="accent1"/>
+          </a:effectRef>
+          <a:fontRef idx="minor">
+            <a:schemeClr val="lt1"/>
+          </a:fontRef>
+        </p:style>
+        <p:txBody>
+          <a:bodyPr rtlCol="0" anchor="ctr"/>
+          <a:lstStyle/>
+          <a:p>
+            <a:pPr algn="ctr"/>
+            <a:endParaRPr lang="en-US"/>
+          </a:p>
+        </p:txBody>
+      </p:sp>
+      <p:sp>
+        <p:nvSpPr>
+          <p:cNvPr id="16" name="Rectangle 15">
+            <a:extLst>
+              <a:ext uri="{FF2B5EF4-FFF2-40B4-BE49-F238E27FC236}">
+                <a16:creationId xmlns:a16="http://schemas.microsoft.com/office/drawing/2014/main" id="{3783CA14-24A1-485C-8B30-D6A5D87987AD}"/>
+              </a:ext>
+              <a:ext uri="{C183D7F6-B498-43B3-948B-1728B52AA6E4}">
+                <adec:decorative xmlns:adec="http://schemas.microsoft.com/office/drawing/2017/decorative" val="1"/>
+              </a:ext>
+            </a:extLst>
+          </p:cNvPr>
+          <p:cNvSpPr>
+            <a:spLocks noGrp="1" noRot="1" noChangeAspect="1" noMove="1" noResize="1" noEditPoints="1" noAdjustHandles="1" noChangeArrowheads="1" noChangeShapeType="1" noTextEdit="1"/>
+          </p:cNvSpPr>
+          <p:nvPr>
+            <p:extLst>
+              <p:ext uri="{386F3935-93C4-4BCD-93E2-E3B085C9AB24}">
+                <p16:designElem xmlns:p16="http://schemas.microsoft.com/office/powerpoint/2015/main" val="1"/>
+              </p:ext>
+            </p:extLst>
+          </p:nvPr>
+        </p:nvSpPr>
+        <p:spPr>
+          <a:xfrm rot="18900000" flipH="1">
+            <a:off x="10043482" y="655140"/>
+            <a:ext cx="687472" cy="687472"/>
+          </a:xfrm>
+          <a:prstGeom prst="rect">
+            <a:avLst/>
+          </a:prstGeom>
+          <a:solidFill>
+            <a:schemeClr val="accent4">
+              <a:alpha val="30000"/>
+            </a:schemeClr>
+          </a:solidFill>
+          <a:ln>
+            <a:noFill/>
+          </a:ln>
+        </p:spPr>
+        <p:style>
+          <a:lnRef idx="2">
+            <a:schemeClr val="accent1">
+              <a:shade val="50000"/>
+            </a:schemeClr>
+          </a:lnRef>
+          <a:fillRef idx="1">
+            <a:schemeClr val="accent1"/>
+          </a:fillRef>
+          <a:effectRef idx="0">
+            <a:schemeClr val="accent1"/>
+          </a:effectRef>
+          <a:fontRef idx="minor">
+            <a:schemeClr val="lt1"/>
+          </a:fontRef>
+        </p:style>
+        <p:txBody>
+          <a:bodyPr rtlCol="0" anchor="ctr"/>
+          <a:lstStyle/>
+          <a:p>
+            <a:pPr algn="ctr"/>
+            <a:endParaRPr lang="en-US"/>
+          </a:p>
+        </p:txBody>
+      </p:sp>
+      <p:sp>
+        <p:nvSpPr>
+          <p:cNvPr id="18" name="Freeform: Shape 17">
+            <a:extLst>
+              <a:ext uri="{FF2B5EF4-FFF2-40B4-BE49-F238E27FC236}">
+                <a16:creationId xmlns:a16="http://schemas.microsoft.com/office/drawing/2014/main" id="{9A97C86A-04D6-40F7-AE84-31AB43E6A846}"/>
+              </a:ext>
+              <a:ext uri="{C183D7F6-B498-43B3-948B-1728B52AA6E4}">
+                <adec:decorative xmlns:adec="http://schemas.microsoft.com/office/drawing/2017/decorative" val="1"/>
+              </a:ext>
+            </a:extLst>
+          </p:cNvPr>
+          <p:cNvSpPr>
+            <a:spLocks noGrp="1" noRot="1" noChangeAspect="1" noMove="1" noResize="1" noEditPoints="1" noAdjustHandles="1" noChangeArrowheads="1" noChangeShapeType="1" noTextEdit="1"/>
+          </p:cNvSpPr>
+          <p:nvPr>
+            <p:extLst>
+              <p:ext uri="{386F3935-93C4-4BCD-93E2-E3B085C9AB24}">
+                <p16:designElem xmlns:p16="http://schemas.microsoft.com/office/powerpoint/2015/main" val="1"/>
+              </p:ext>
+            </p:extLst>
+          </p:nvPr>
+        </p:nvSpPr>
+        <p:spPr>
+          <a:xfrm rot="10800000" flipH="1">
+            <a:off x="9356643" y="0"/>
+            <a:ext cx="2835357" cy="1480837"/>
+          </a:xfrm>
+          <a:custGeom>
+            <a:avLst/>
+            <a:gdLst>
+              <a:gd name="connsiteX0" fmla="*/ 2835357 w 2835357"/>
+              <a:gd name="connsiteY0" fmla="*/ 1480837 h 1480837"/>
+              <a:gd name="connsiteX1" fmla="*/ 0 w 2835357"/>
+              <a:gd name="connsiteY1" fmla="*/ 1480837 h 1480837"/>
+              <a:gd name="connsiteX2" fmla="*/ 1552727 w 2835357"/>
+              <a:gd name="connsiteY2" fmla="*/ 0 h 1480837"/>
+              <a:gd name="connsiteX3" fmla="*/ 2835357 w 2835357"/>
+              <a:gd name="connsiteY3" fmla="*/ 1223245 h 1480837"/>
+            </a:gdLst>
+            <a:ahLst/>
+            <a:cxnLst>
+              <a:cxn ang="0">
+                <a:pos x="connsiteX0" y="connsiteY0"/>
+              </a:cxn>
+              <a:cxn ang="0">
+                <a:pos x="connsiteX1" y="connsiteY1"/>
+              </a:cxn>
+              <a:cxn ang="0">
+                <a:pos x="connsiteX2" y="connsiteY2"/>
+              </a:cxn>
+              <a:cxn ang="0">
+                <a:pos x="connsiteX3" y="connsiteY3"/>
+              </a:cxn>
+            </a:cxnLst>
+            <a:rect l="l" t="t" r="r" b="b"/>
+            <a:pathLst>
+              <a:path w="2835357" h="1480837">
+                <a:moveTo>
+                  <a:pt x="2835357" y="1480837"/>
+                </a:moveTo>
+                <a:lnTo>
+                  <a:pt x="0" y="1480837"/>
+                </a:lnTo>
+                <a:lnTo>
+                  <a:pt x="1552727" y="0"/>
+                </a:lnTo>
+                <a:lnTo>
+                  <a:pt x="2835357" y="1223245"/>
+                </a:lnTo>
+                <a:close/>
+              </a:path>
+            </a:pathLst>
+          </a:custGeom>
+          <a:solidFill>
+            <a:schemeClr val="accent4">
+              <a:alpha val="30000"/>
+            </a:schemeClr>
+          </a:solidFill>
+          <a:ln>
+            <a:noFill/>
+          </a:ln>
+        </p:spPr>
+        <p:style>
+          <a:lnRef idx="2">
+            <a:schemeClr val="accent1">
+              <a:shade val="50000"/>
+            </a:schemeClr>
+          </a:lnRef>
+          <a:fillRef idx="1">
+            <a:schemeClr val="accent1"/>
+          </a:fillRef>
+          <a:effectRef idx="0">
+            <a:schemeClr val="accent1"/>
+          </a:effectRef>
+          <a:fontRef idx="minor">
+            <a:schemeClr val="lt1"/>
+          </a:fontRef>
+        </p:style>
+        <p:txBody>
+          <a:bodyPr wrap="square" rtlCol="0" anchor="ctr">
+            <a:noAutofit/>
+          </a:bodyPr>
+          <a:lstStyle/>
+          <a:p>
+            <a:pPr algn="ctr"/>
+            <a:endParaRPr lang="en-US" dirty="0"/>
+          </a:p>
+        </p:txBody>
+      </p:sp>
+      <p:sp>
+        <p:nvSpPr>
+          <p:cNvPr id="20" name="Isosceles Triangle 19">
+            <a:extLst>
+              <a:ext uri="{FF2B5EF4-FFF2-40B4-BE49-F238E27FC236}">
+                <a16:creationId xmlns:a16="http://schemas.microsoft.com/office/drawing/2014/main" id="{FF9F2414-84E8-453E-B1F3-389FDE8192D9}"/>
+              </a:ext>
+              <a:ext uri="{C183D7F6-B498-43B3-948B-1728B52AA6E4}">
+                <adec:decorative xmlns:adec="http://schemas.microsoft.com/office/drawing/2017/decorative" val="1"/>
+              </a:ext>
+            </a:extLst>
+          </p:cNvPr>
+          <p:cNvSpPr>
+            <a:spLocks noGrp="1" noRot="1" noChangeAspect="1" noMove="1" noResize="1" noEditPoints="1" noAdjustHandles="1" noChangeArrowheads="1" noChangeShapeType="1" noTextEdit="1"/>
+          </p:cNvSpPr>
+          <p:nvPr>
+            <p:extLst>
+              <p:ext uri="{386F3935-93C4-4BCD-93E2-E3B085C9AB24}">
+                <p16:designElem xmlns:p16="http://schemas.microsoft.com/office/powerpoint/2015/main" val="1"/>
+              </p:ext>
+            </p:extLst>
+          </p:nvPr>
+        </p:nvSpPr>
+        <p:spPr>
+          <a:xfrm flipH="1">
+            <a:off x="7976344" y="6115501"/>
+            <a:ext cx="1494513" cy="742499"/>
+          </a:xfrm>
+          <a:prstGeom prst="triangle">
+            <a:avLst/>
+          </a:prstGeom>
+          <a:solidFill>
+            <a:schemeClr val="accent1">
+              <a:alpha val="30000"/>
+            </a:schemeClr>
+          </a:solidFill>
+          <a:ln>
+            <a:noFill/>
+          </a:ln>
+        </p:spPr>
+        <p:style>
+          <a:lnRef idx="2">
+            <a:schemeClr val="accent1">
+              <a:shade val="50000"/>
+            </a:schemeClr>
+          </a:lnRef>
+          <a:fillRef idx="1">
+            <a:schemeClr val="accent1"/>
+          </a:fillRef>
+          <a:effectRef idx="0">
+            <a:schemeClr val="accent1"/>
+          </a:effectRef>
+          <a:fontRef idx="minor">
+            <a:schemeClr val="lt1"/>
+          </a:fontRef>
+        </p:style>
+        <p:txBody>
+          <a:bodyPr rtlCol="0" anchor="ctr"/>
+          <a:lstStyle/>
+          <a:p>
+            <a:pPr algn="ctr"/>
+            <a:endParaRPr lang="en-US"/>
+          </a:p>
+        </p:txBody>
+      </p:sp>
       <p:pic>
         <p:nvPicPr>
           <p:cNvPr id="5" name="Image 4" descr="Une image contenant personne&#10;&#10;Description générée automatiquement">
@@ -3468,14 +5155,82 @@
         </p:blipFill>
         <p:spPr>
           <a:xfrm>
-            <a:off x="3524250" y="0"/>
-            <a:ext cx="5143500" cy="6858000"/>
+            <a:off x="4006851" y="643467"/>
+            <a:ext cx="4178298" cy="5571065"/>
           </a:xfrm>
           <a:prstGeom prst="rect">
             <a:avLst/>
           </a:prstGeom>
+          <a:ln>
+            <a:noFill/>
+          </a:ln>
         </p:spPr>
       </p:pic>
+      <p:sp>
+        <p:nvSpPr>
+          <p:cNvPr id="22" name="Isosceles Triangle 21">
+            <a:extLst>
+              <a:ext uri="{FF2B5EF4-FFF2-40B4-BE49-F238E27FC236}">
+                <a16:creationId xmlns:a16="http://schemas.microsoft.com/office/drawing/2014/main" id="{3ECA69A1-7536-43AC-85EF-C7106179F5ED}"/>
+              </a:ext>
+              <a:ext uri="{C183D7F6-B498-43B3-948B-1728B52AA6E4}">
+                <adec:decorative xmlns:adec="http://schemas.microsoft.com/office/drawing/2017/decorative" val="1"/>
+              </a:ext>
+            </a:extLst>
+          </p:cNvPr>
+          <p:cNvSpPr>
+            <a:spLocks noGrp="1" noRot="1" noChangeAspect="1" noMove="1" noResize="1" noEditPoints="1" noAdjustHandles="1" noChangeArrowheads="1" noChangeShapeType="1" noTextEdit="1"/>
+          </p:cNvSpPr>
+          <p:nvPr>
+            <p:extLst>
+              <p:ext uri="{386F3935-93C4-4BCD-93E2-E3B085C9AB24}">
+                <p16:designElem xmlns:p16="http://schemas.microsoft.com/office/powerpoint/2015/main" val="1"/>
+              </p:ext>
+            </p:extLst>
+          </p:nvPr>
+        </p:nvSpPr>
+        <p:spPr>
+          <a:xfrm flipH="1">
+            <a:off x="7604080" y="6453143"/>
+            <a:ext cx="814903" cy="404857"/>
+          </a:xfrm>
+          <a:prstGeom prst="triangle">
+            <a:avLst/>
+          </a:prstGeom>
+          <a:solidFill>
+            <a:schemeClr val="accent1">
+              <a:alpha val="30000"/>
+            </a:schemeClr>
+          </a:solidFill>
+          <a:ln>
+            <a:noFill/>
+          </a:ln>
+        </p:spPr>
+        <p:style>
+          <a:lnRef idx="2">
+            <a:schemeClr val="accent1">
+              <a:shade val="50000"/>
+            </a:schemeClr>
+          </a:lnRef>
+          <a:fillRef idx="1">
+            <a:schemeClr val="accent1"/>
+          </a:fillRef>
+          <a:effectRef idx="0">
+            <a:schemeClr val="accent1"/>
+          </a:effectRef>
+          <a:fontRef idx="minor">
+            <a:schemeClr val="lt1"/>
+          </a:fontRef>
+        </p:style>
+        <p:txBody>
+          <a:bodyPr rtlCol="0" anchor="ctr"/>
+          <a:lstStyle/>
+          <a:p>
+            <a:pPr algn="ctr"/>
+            <a:endParaRPr lang="en-US"/>
+          </a:p>
+        </p:txBody>
+      </p:sp>
     </p:spTree>
     <p:extLst>
       <p:ext uri="{BB962C8B-B14F-4D97-AF65-F5344CB8AC3E}">
@@ -3492,6 +5247,14 @@
 <file path=ppt/slides/slide3.xml><?xml version="1.0" encoding="utf-8"?>
 <p:sld xmlns:a="http://schemas.openxmlformats.org/drawingml/2006/main" xmlns:r="http://schemas.openxmlformats.org/officeDocument/2006/relationships" xmlns:p="http://schemas.openxmlformats.org/presentationml/2006/main">
   <p:cSld>
+    <p:bg>
+      <p:bgPr>
+        <a:solidFill>
+          <a:schemeClr val="bg1"/>
+        </a:solidFill>
+        <a:effectLst/>
+      </p:bgPr>
+    </p:bg>
     <p:spTree>
       <p:nvGrpSpPr>
         <p:cNvPr id="1" name=""/>
@@ -3506,10 +5269,5537 @@
           <a:chExt cx="0" cy="0"/>
         </a:xfrm>
       </p:grpSpPr>
+      <p:sp>
+        <p:nvSpPr>
+          <p:cNvPr id="7" name="Rectangle 6">
+            <a:extLst>
+              <a:ext uri="{FF2B5EF4-FFF2-40B4-BE49-F238E27FC236}">
+                <a16:creationId xmlns:a16="http://schemas.microsoft.com/office/drawing/2014/main" id="{F3060C83-F051-4F0E-ABAD-AA0DFC48B218}"/>
+              </a:ext>
+              <a:ext uri="{C183D7F6-B498-43B3-948B-1728B52AA6E4}">
+                <adec:decorative xmlns:adec="http://schemas.microsoft.com/office/drawing/2017/decorative" val="1"/>
+              </a:ext>
+            </a:extLst>
+          </p:cNvPr>
+          <p:cNvSpPr>
+            <a:spLocks noGrp="1" noRot="1" noChangeAspect="1" noMove="1" noResize="1" noEditPoints="1" noAdjustHandles="1" noChangeArrowheads="1" noChangeShapeType="1" noTextEdit="1"/>
+          </p:cNvSpPr>
+          <p:nvPr>
+            <p:extLst>
+              <p:ext uri="{386F3935-93C4-4BCD-93E2-E3B085C9AB24}">
+                <p16:designElem xmlns:p16="http://schemas.microsoft.com/office/powerpoint/2015/main" val="1"/>
+              </p:ext>
+            </p:extLst>
+          </p:nvPr>
+        </p:nvSpPr>
+        <p:spPr>
+          <a:xfrm>
+            <a:off x="0" y="0"/>
+            <a:ext cx="12192000" cy="6858000"/>
+          </a:xfrm>
+          <a:prstGeom prst="rect">
+            <a:avLst/>
+          </a:prstGeom>
+          <a:solidFill>
+            <a:schemeClr val="bg1"/>
+          </a:solidFill>
+          <a:ln>
+            <a:noFill/>
+          </a:ln>
+        </p:spPr>
+        <p:style>
+          <a:lnRef idx="2">
+            <a:schemeClr val="accent1">
+              <a:shade val="50000"/>
+            </a:schemeClr>
+          </a:lnRef>
+          <a:fillRef idx="1">
+            <a:schemeClr val="accent1"/>
+          </a:fillRef>
+          <a:effectRef idx="0">
+            <a:schemeClr val="accent1"/>
+          </a:effectRef>
+          <a:fontRef idx="minor">
+            <a:schemeClr val="lt1"/>
+          </a:fontRef>
+        </p:style>
+        <p:txBody>
+          <a:bodyPr rtlCol="0" anchor="ctr"/>
+          <a:lstStyle/>
+          <a:p>
+            <a:pPr algn="ctr"/>
+            <a:endParaRPr lang="en-US" dirty="0"/>
+          </a:p>
+        </p:txBody>
+      </p:sp>
+      <p:sp>
+        <p:nvSpPr>
+          <p:cNvPr id="9" name="Freeform: Shape 8">
+            <a:extLst>
+              <a:ext uri="{FF2B5EF4-FFF2-40B4-BE49-F238E27FC236}">
+                <a16:creationId xmlns:a16="http://schemas.microsoft.com/office/drawing/2014/main" id="{83C98ABE-055B-441F-B07E-44F97F083C39}"/>
+              </a:ext>
+              <a:ext uri="{C183D7F6-B498-43B3-948B-1728B52AA6E4}">
+                <adec:decorative xmlns:adec="http://schemas.microsoft.com/office/drawing/2017/decorative" val="1"/>
+              </a:ext>
+            </a:extLst>
+          </p:cNvPr>
+          <p:cNvSpPr>
+            <a:spLocks noGrp="1" noRot="1" noChangeAspect="1" noMove="1" noResize="1" noEditPoints="1" noAdjustHandles="1" noChangeArrowheads="1" noChangeShapeType="1" noTextEdit="1"/>
+          </p:cNvSpPr>
+          <p:nvPr>
+            <p:extLst>
+              <p:ext uri="{386F3935-93C4-4BCD-93E2-E3B085C9AB24}">
+                <p16:designElem xmlns:p16="http://schemas.microsoft.com/office/powerpoint/2015/main" val="1"/>
+              </p:ext>
+            </p:extLst>
+          </p:nvPr>
+        </p:nvSpPr>
+        <p:spPr>
+          <a:xfrm rot="18900000" flipH="1">
+            <a:off x="-376156" y="-253670"/>
+            <a:ext cx="1827638" cy="1376989"/>
+          </a:xfrm>
+          <a:custGeom>
+            <a:avLst/>
+            <a:gdLst>
+              <a:gd name="connsiteX0" fmla="*/ 0 w 1827638"/>
+              <a:gd name="connsiteY0" fmla="*/ 987379 h 1376989"/>
+              <a:gd name="connsiteX1" fmla="*/ 987379 w 1827638"/>
+              <a:gd name="connsiteY1" fmla="*/ 0 h 1376989"/>
+              <a:gd name="connsiteX2" fmla="*/ 1827638 w 1827638"/>
+              <a:gd name="connsiteY2" fmla="*/ 840260 h 1376989"/>
+              <a:gd name="connsiteX3" fmla="*/ 1827638 w 1827638"/>
+              <a:gd name="connsiteY3" fmla="*/ 1376989 h 1376989"/>
+              <a:gd name="connsiteX4" fmla="*/ 0 w 1827638"/>
+              <a:gd name="connsiteY4" fmla="*/ 1376989 h 1376989"/>
+            </a:gdLst>
+            <a:ahLst/>
+            <a:cxnLst>
+              <a:cxn ang="0">
+                <a:pos x="connsiteX0" y="connsiteY0"/>
+              </a:cxn>
+              <a:cxn ang="0">
+                <a:pos x="connsiteX1" y="connsiteY1"/>
+              </a:cxn>
+              <a:cxn ang="0">
+                <a:pos x="connsiteX2" y="connsiteY2"/>
+              </a:cxn>
+              <a:cxn ang="0">
+                <a:pos x="connsiteX3" y="connsiteY3"/>
+              </a:cxn>
+              <a:cxn ang="0">
+                <a:pos x="connsiteX4" y="connsiteY4"/>
+              </a:cxn>
+            </a:cxnLst>
+            <a:rect l="l" t="t" r="r" b="b"/>
+            <a:pathLst>
+              <a:path w="1827638" h="1376989">
+                <a:moveTo>
+                  <a:pt x="0" y="987379"/>
+                </a:moveTo>
+                <a:lnTo>
+                  <a:pt x="987379" y="0"/>
+                </a:lnTo>
+                <a:lnTo>
+                  <a:pt x="1827638" y="840260"/>
+                </a:lnTo>
+                <a:lnTo>
+                  <a:pt x="1827638" y="1376989"/>
+                </a:lnTo>
+                <a:lnTo>
+                  <a:pt x="0" y="1376989"/>
+                </a:lnTo>
+                <a:close/>
+              </a:path>
+            </a:pathLst>
+          </a:custGeom>
+          <a:solidFill>
+            <a:schemeClr val="accent1">
+              <a:alpha val="30000"/>
+            </a:schemeClr>
+          </a:solidFill>
+          <a:ln>
+            <a:noFill/>
+          </a:ln>
+        </p:spPr>
+        <p:style>
+          <a:lnRef idx="2">
+            <a:schemeClr val="accent1">
+              <a:shade val="50000"/>
+            </a:schemeClr>
+          </a:lnRef>
+          <a:fillRef idx="1">
+            <a:schemeClr val="accent1"/>
+          </a:fillRef>
+          <a:effectRef idx="0">
+            <a:schemeClr val="accent1"/>
+          </a:effectRef>
+          <a:fontRef idx="minor">
+            <a:schemeClr val="lt1"/>
+          </a:fontRef>
+        </p:style>
+        <p:txBody>
+          <a:bodyPr rtlCol="0" anchor="ctr"/>
+          <a:lstStyle/>
+          <a:p>
+            <a:pPr algn="ctr"/>
+            <a:endParaRPr lang="en-US" dirty="0"/>
+          </a:p>
+        </p:txBody>
+      </p:sp>
+      <p:sp>
+        <p:nvSpPr>
+          <p:cNvPr id="11" name="Rectangle 10">
+            <a:extLst>
+              <a:ext uri="{FF2B5EF4-FFF2-40B4-BE49-F238E27FC236}">
+                <a16:creationId xmlns:a16="http://schemas.microsoft.com/office/drawing/2014/main" id="{29FDB030-9B49-4CED-8CCD-4D99382388AC}"/>
+              </a:ext>
+              <a:ext uri="{C183D7F6-B498-43B3-948B-1728B52AA6E4}">
+                <adec:decorative xmlns:adec="http://schemas.microsoft.com/office/drawing/2017/decorative" val="1"/>
+              </a:ext>
+            </a:extLst>
+          </p:cNvPr>
+          <p:cNvSpPr>
+            <a:spLocks noGrp="1" noRot="1" noChangeAspect="1" noMove="1" noResize="1" noEditPoints="1" noAdjustHandles="1" noChangeArrowheads="1" noChangeShapeType="1" noTextEdit="1"/>
+          </p:cNvSpPr>
+          <p:nvPr>
+            <p:extLst>
+              <p:ext uri="{386F3935-93C4-4BCD-93E2-E3B085C9AB24}">
+                <p16:designElem xmlns:p16="http://schemas.microsoft.com/office/powerpoint/2015/main" val="1"/>
+              </p:ext>
+            </p:extLst>
+          </p:nvPr>
+        </p:nvSpPr>
+        <p:spPr>
+          <a:xfrm rot="18900000" flipH="1">
+            <a:off x="891641" y="422146"/>
+            <a:ext cx="645368" cy="645368"/>
+          </a:xfrm>
+          <a:prstGeom prst="rect">
+            <a:avLst/>
+          </a:prstGeom>
+          <a:solidFill>
+            <a:schemeClr val="accent1">
+              <a:alpha val="30000"/>
+            </a:schemeClr>
+          </a:solidFill>
+          <a:ln>
+            <a:noFill/>
+          </a:ln>
+        </p:spPr>
+        <p:style>
+          <a:lnRef idx="2">
+            <a:schemeClr val="accent1">
+              <a:shade val="50000"/>
+            </a:schemeClr>
+          </a:lnRef>
+          <a:fillRef idx="1">
+            <a:schemeClr val="accent1"/>
+          </a:fillRef>
+          <a:effectRef idx="0">
+            <a:schemeClr val="accent1"/>
+          </a:effectRef>
+          <a:fontRef idx="minor">
+            <a:schemeClr val="lt1"/>
+          </a:fontRef>
+        </p:style>
+        <p:txBody>
+          <a:bodyPr rtlCol="0" anchor="ctr"/>
+          <a:lstStyle/>
+          <a:p>
+            <a:pPr algn="ctr"/>
+            <a:endParaRPr lang="en-US"/>
+          </a:p>
+        </p:txBody>
+      </p:sp>
+      <p:sp>
+        <p:nvSpPr>
+          <p:cNvPr id="13" name="Rectangle 12">
+            <a:extLst>
+              <a:ext uri="{FF2B5EF4-FFF2-40B4-BE49-F238E27FC236}">
+                <a16:creationId xmlns:a16="http://schemas.microsoft.com/office/drawing/2014/main" id="{3783CA14-24A1-485C-8B30-D6A5D87987AD}"/>
+              </a:ext>
+              <a:ext uri="{C183D7F6-B498-43B3-948B-1728B52AA6E4}">
+                <adec:decorative xmlns:adec="http://schemas.microsoft.com/office/drawing/2017/decorative" val="1"/>
+              </a:ext>
+            </a:extLst>
+          </p:cNvPr>
+          <p:cNvSpPr>
+            <a:spLocks noGrp="1" noRot="1" noChangeAspect="1" noMove="1" noResize="1" noEditPoints="1" noAdjustHandles="1" noChangeArrowheads="1" noChangeShapeType="1" noTextEdit="1"/>
+          </p:cNvSpPr>
+          <p:nvPr>
+            <p:extLst>
+              <p:ext uri="{386F3935-93C4-4BCD-93E2-E3B085C9AB24}">
+                <p16:designElem xmlns:p16="http://schemas.microsoft.com/office/powerpoint/2015/main" val="1"/>
+              </p:ext>
+            </p:extLst>
+          </p:nvPr>
+        </p:nvSpPr>
+        <p:spPr>
+          <a:xfrm rot="18900000" flipH="1">
+            <a:off x="10043482" y="655140"/>
+            <a:ext cx="687472" cy="687472"/>
+          </a:xfrm>
+          <a:prstGeom prst="rect">
+            <a:avLst/>
+          </a:prstGeom>
+          <a:solidFill>
+            <a:schemeClr val="accent4">
+              <a:alpha val="30000"/>
+            </a:schemeClr>
+          </a:solidFill>
+          <a:ln>
+            <a:noFill/>
+          </a:ln>
+        </p:spPr>
+        <p:style>
+          <a:lnRef idx="2">
+            <a:schemeClr val="accent1">
+              <a:shade val="50000"/>
+            </a:schemeClr>
+          </a:lnRef>
+          <a:fillRef idx="1">
+            <a:schemeClr val="accent1"/>
+          </a:fillRef>
+          <a:effectRef idx="0">
+            <a:schemeClr val="accent1"/>
+          </a:effectRef>
+          <a:fontRef idx="minor">
+            <a:schemeClr val="lt1"/>
+          </a:fontRef>
+        </p:style>
+        <p:txBody>
+          <a:bodyPr rtlCol="0" anchor="ctr"/>
+          <a:lstStyle/>
+          <a:p>
+            <a:pPr algn="ctr"/>
+            <a:endParaRPr lang="en-US"/>
+          </a:p>
+        </p:txBody>
+      </p:sp>
+      <p:sp>
+        <p:nvSpPr>
+          <p:cNvPr id="15" name="Freeform: Shape 14">
+            <a:extLst>
+              <a:ext uri="{FF2B5EF4-FFF2-40B4-BE49-F238E27FC236}">
+                <a16:creationId xmlns:a16="http://schemas.microsoft.com/office/drawing/2014/main" id="{9A97C86A-04D6-40F7-AE84-31AB43E6A846}"/>
+              </a:ext>
+              <a:ext uri="{C183D7F6-B498-43B3-948B-1728B52AA6E4}">
+                <adec:decorative xmlns:adec="http://schemas.microsoft.com/office/drawing/2017/decorative" val="1"/>
+              </a:ext>
+            </a:extLst>
+          </p:cNvPr>
+          <p:cNvSpPr>
+            <a:spLocks noGrp="1" noRot="1" noChangeAspect="1" noMove="1" noResize="1" noEditPoints="1" noAdjustHandles="1" noChangeArrowheads="1" noChangeShapeType="1" noTextEdit="1"/>
+          </p:cNvSpPr>
+          <p:nvPr>
+            <p:extLst>
+              <p:ext uri="{386F3935-93C4-4BCD-93E2-E3B085C9AB24}">
+                <p16:designElem xmlns:p16="http://schemas.microsoft.com/office/powerpoint/2015/main" val="1"/>
+              </p:ext>
+            </p:extLst>
+          </p:nvPr>
+        </p:nvSpPr>
+        <p:spPr>
+          <a:xfrm rot="10800000" flipH="1">
+            <a:off x="9356643" y="0"/>
+            <a:ext cx="2835357" cy="1480837"/>
+          </a:xfrm>
+          <a:custGeom>
+            <a:avLst/>
+            <a:gdLst>
+              <a:gd name="connsiteX0" fmla="*/ 2835357 w 2835357"/>
+              <a:gd name="connsiteY0" fmla="*/ 1480837 h 1480837"/>
+              <a:gd name="connsiteX1" fmla="*/ 0 w 2835357"/>
+              <a:gd name="connsiteY1" fmla="*/ 1480837 h 1480837"/>
+              <a:gd name="connsiteX2" fmla="*/ 1552727 w 2835357"/>
+              <a:gd name="connsiteY2" fmla="*/ 0 h 1480837"/>
+              <a:gd name="connsiteX3" fmla="*/ 2835357 w 2835357"/>
+              <a:gd name="connsiteY3" fmla="*/ 1223245 h 1480837"/>
+            </a:gdLst>
+            <a:ahLst/>
+            <a:cxnLst>
+              <a:cxn ang="0">
+                <a:pos x="connsiteX0" y="connsiteY0"/>
+              </a:cxn>
+              <a:cxn ang="0">
+                <a:pos x="connsiteX1" y="connsiteY1"/>
+              </a:cxn>
+              <a:cxn ang="0">
+                <a:pos x="connsiteX2" y="connsiteY2"/>
+              </a:cxn>
+              <a:cxn ang="0">
+                <a:pos x="connsiteX3" y="connsiteY3"/>
+              </a:cxn>
+            </a:cxnLst>
+            <a:rect l="l" t="t" r="r" b="b"/>
+            <a:pathLst>
+              <a:path w="2835357" h="1480837">
+                <a:moveTo>
+                  <a:pt x="2835357" y="1480837"/>
+                </a:moveTo>
+                <a:lnTo>
+                  <a:pt x="0" y="1480837"/>
+                </a:lnTo>
+                <a:lnTo>
+                  <a:pt x="1552727" y="0"/>
+                </a:lnTo>
+                <a:lnTo>
+                  <a:pt x="2835357" y="1223245"/>
+                </a:lnTo>
+                <a:close/>
+              </a:path>
+            </a:pathLst>
+          </a:custGeom>
+          <a:solidFill>
+            <a:schemeClr val="accent4">
+              <a:alpha val="30000"/>
+            </a:schemeClr>
+          </a:solidFill>
+          <a:ln>
+            <a:noFill/>
+          </a:ln>
+        </p:spPr>
+        <p:style>
+          <a:lnRef idx="2">
+            <a:schemeClr val="accent1">
+              <a:shade val="50000"/>
+            </a:schemeClr>
+          </a:lnRef>
+          <a:fillRef idx="1">
+            <a:schemeClr val="accent1"/>
+          </a:fillRef>
+          <a:effectRef idx="0">
+            <a:schemeClr val="accent1"/>
+          </a:effectRef>
+          <a:fontRef idx="minor">
+            <a:schemeClr val="lt1"/>
+          </a:fontRef>
+        </p:style>
+        <p:txBody>
+          <a:bodyPr wrap="square" rtlCol="0" anchor="ctr">
+            <a:noAutofit/>
+          </a:bodyPr>
+          <a:lstStyle/>
+          <a:p>
+            <a:pPr algn="ctr"/>
+            <a:endParaRPr lang="en-US" dirty="0"/>
+          </a:p>
+        </p:txBody>
+      </p:sp>
+      <p:sp>
+        <p:nvSpPr>
+          <p:cNvPr id="17" name="Isosceles Triangle 16">
+            <a:extLst>
+              <a:ext uri="{FF2B5EF4-FFF2-40B4-BE49-F238E27FC236}">
+                <a16:creationId xmlns:a16="http://schemas.microsoft.com/office/drawing/2014/main" id="{FF9F2414-84E8-453E-B1F3-389FDE8192D9}"/>
+              </a:ext>
+              <a:ext uri="{C183D7F6-B498-43B3-948B-1728B52AA6E4}">
+                <adec:decorative xmlns:adec="http://schemas.microsoft.com/office/drawing/2017/decorative" val="1"/>
+              </a:ext>
+            </a:extLst>
+          </p:cNvPr>
+          <p:cNvSpPr>
+            <a:spLocks noGrp="1" noRot="1" noChangeAspect="1" noMove="1" noResize="1" noEditPoints="1" noAdjustHandles="1" noChangeArrowheads="1" noChangeShapeType="1" noTextEdit="1"/>
+          </p:cNvSpPr>
+          <p:nvPr>
+            <p:extLst>
+              <p:ext uri="{386F3935-93C4-4BCD-93E2-E3B085C9AB24}">
+                <p16:designElem xmlns:p16="http://schemas.microsoft.com/office/powerpoint/2015/main" val="1"/>
+              </p:ext>
+            </p:extLst>
+          </p:nvPr>
+        </p:nvSpPr>
+        <p:spPr>
+          <a:xfrm flipH="1">
+            <a:off x="7976344" y="6115501"/>
+            <a:ext cx="1494513" cy="742499"/>
+          </a:xfrm>
+          <a:prstGeom prst="triangle">
+            <a:avLst/>
+          </a:prstGeom>
+          <a:solidFill>
+            <a:schemeClr val="accent1">
+              <a:alpha val="30000"/>
+            </a:schemeClr>
+          </a:solidFill>
+          <a:ln>
+            <a:noFill/>
+          </a:ln>
+        </p:spPr>
+        <p:style>
+          <a:lnRef idx="2">
+            <a:schemeClr val="accent1">
+              <a:shade val="50000"/>
+            </a:schemeClr>
+          </a:lnRef>
+          <a:fillRef idx="1">
+            <a:schemeClr val="accent1"/>
+          </a:fillRef>
+          <a:effectRef idx="0">
+            <a:schemeClr val="accent1"/>
+          </a:effectRef>
+          <a:fontRef idx="minor">
+            <a:schemeClr val="lt1"/>
+          </a:fontRef>
+        </p:style>
+        <p:txBody>
+          <a:bodyPr rtlCol="0" anchor="ctr"/>
+          <a:lstStyle/>
+          <a:p>
+            <a:pPr algn="ctr"/>
+            <a:endParaRPr lang="en-US"/>
+          </a:p>
+        </p:txBody>
+      </p:sp>
+      <p:pic>
+        <p:nvPicPr>
+          <p:cNvPr id="2" name="Image 1">
+            <a:extLst>
+              <a:ext uri="{FF2B5EF4-FFF2-40B4-BE49-F238E27FC236}">
+                <a16:creationId xmlns:a16="http://schemas.microsoft.com/office/drawing/2014/main" id="{D484FAD2-8D74-4420-9DD5-259B6A72FBA0}"/>
+              </a:ext>
+            </a:extLst>
+          </p:cNvPr>
+          <p:cNvPicPr>
+            <a:picLocks noChangeAspect="1"/>
+          </p:cNvPicPr>
+          <p:nvPr/>
+        </p:nvPicPr>
+        <p:blipFill>
+          <a:blip r:embed="rId2"/>
+          <a:stretch>
+            <a:fillRect/>
+          </a:stretch>
+        </p:blipFill>
+        <p:spPr>
+          <a:xfrm>
+            <a:off x="1434021" y="643467"/>
+            <a:ext cx="9323957" cy="5571065"/>
+          </a:xfrm>
+          <a:prstGeom prst="rect">
+            <a:avLst/>
+          </a:prstGeom>
+          <a:ln>
+            <a:noFill/>
+          </a:ln>
+        </p:spPr>
+      </p:pic>
+      <p:sp>
+        <p:nvSpPr>
+          <p:cNvPr id="19" name="Isosceles Triangle 18">
+            <a:extLst>
+              <a:ext uri="{FF2B5EF4-FFF2-40B4-BE49-F238E27FC236}">
+                <a16:creationId xmlns:a16="http://schemas.microsoft.com/office/drawing/2014/main" id="{3ECA69A1-7536-43AC-85EF-C7106179F5ED}"/>
+              </a:ext>
+              <a:ext uri="{C183D7F6-B498-43B3-948B-1728B52AA6E4}">
+                <adec:decorative xmlns:adec="http://schemas.microsoft.com/office/drawing/2017/decorative" val="1"/>
+              </a:ext>
+            </a:extLst>
+          </p:cNvPr>
+          <p:cNvSpPr>
+            <a:spLocks noGrp="1" noRot="1" noChangeAspect="1" noMove="1" noResize="1" noEditPoints="1" noAdjustHandles="1" noChangeArrowheads="1" noChangeShapeType="1" noTextEdit="1"/>
+          </p:cNvSpPr>
+          <p:nvPr>
+            <p:extLst>
+              <p:ext uri="{386F3935-93C4-4BCD-93E2-E3B085C9AB24}">
+                <p16:designElem xmlns:p16="http://schemas.microsoft.com/office/powerpoint/2015/main" val="1"/>
+              </p:ext>
+            </p:extLst>
+          </p:nvPr>
+        </p:nvSpPr>
+        <p:spPr>
+          <a:xfrm flipH="1">
+            <a:off x="7604080" y="6453143"/>
+            <a:ext cx="814903" cy="404857"/>
+          </a:xfrm>
+          <a:prstGeom prst="triangle">
+            <a:avLst/>
+          </a:prstGeom>
+          <a:solidFill>
+            <a:schemeClr val="accent1">
+              <a:alpha val="30000"/>
+            </a:schemeClr>
+          </a:solidFill>
+          <a:ln>
+            <a:noFill/>
+          </a:ln>
+        </p:spPr>
+        <p:style>
+          <a:lnRef idx="2">
+            <a:schemeClr val="accent1">
+              <a:shade val="50000"/>
+            </a:schemeClr>
+          </a:lnRef>
+          <a:fillRef idx="1">
+            <a:schemeClr val="accent1"/>
+          </a:fillRef>
+          <a:effectRef idx="0">
+            <a:schemeClr val="accent1"/>
+          </a:effectRef>
+          <a:fontRef idx="minor">
+            <a:schemeClr val="lt1"/>
+          </a:fontRef>
+        </p:style>
+        <p:txBody>
+          <a:bodyPr rtlCol="0" anchor="ctr"/>
+          <a:lstStyle/>
+          <a:p>
+            <a:pPr algn="ctr"/>
+            <a:endParaRPr lang="en-US"/>
+          </a:p>
+        </p:txBody>
+      </p:sp>
+      <p:sp>
+        <p:nvSpPr>
+          <p:cNvPr id="3" name="Signe de multiplication 2">
+            <a:extLst>
+              <a:ext uri="{FF2B5EF4-FFF2-40B4-BE49-F238E27FC236}">
+                <a16:creationId xmlns:a16="http://schemas.microsoft.com/office/drawing/2014/main" id="{ABF8BA38-068B-488F-81CE-780C047164D2}"/>
+              </a:ext>
+            </a:extLst>
+          </p:cNvPr>
+          <p:cNvSpPr/>
+          <p:nvPr/>
+        </p:nvSpPr>
+        <p:spPr>
+          <a:xfrm>
+            <a:off x="6279520" y="2224725"/>
+            <a:ext cx="914400" cy="914400"/>
+          </a:xfrm>
+          <a:prstGeom prst="mathMultiply">
+            <a:avLst/>
+          </a:prstGeom>
+          <a:solidFill>
+            <a:srgbClr val="FF0000"/>
+          </a:solidFill>
+        </p:spPr>
+        <p:style>
+          <a:lnRef idx="2">
+            <a:schemeClr val="accent1">
+              <a:shade val="50000"/>
+            </a:schemeClr>
+          </a:lnRef>
+          <a:fillRef idx="1">
+            <a:schemeClr val="accent1"/>
+          </a:fillRef>
+          <a:effectRef idx="0">
+            <a:schemeClr val="accent1"/>
+          </a:effectRef>
+          <a:fontRef idx="minor">
+            <a:schemeClr val="lt1"/>
+          </a:fontRef>
+        </p:style>
+        <p:txBody>
+          <a:bodyPr rtlCol="0" anchor="ctr"/>
+          <a:lstStyle/>
+          <a:p>
+            <a:pPr algn="ctr"/>
+            <a:endParaRPr lang="fr-CH"/>
+          </a:p>
+        </p:txBody>
+      </p:sp>
+      <p:sp>
+        <p:nvSpPr>
+          <p:cNvPr id="12" name="Signe de multiplication 11">
+            <a:extLst>
+              <a:ext uri="{FF2B5EF4-FFF2-40B4-BE49-F238E27FC236}">
+                <a16:creationId xmlns:a16="http://schemas.microsoft.com/office/drawing/2014/main" id="{038530C5-A259-4C66-A6DD-8CBF4E7F8BB5}"/>
+              </a:ext>
+            </a:extLst>
+          </p:cNvPr>
+          <p:cNvSpPr/>
+          <p:nvPr/>
+        </p:nvSpPr>
+        <p:spPr>
+          <a:xfrm>
+            <a:off x="9674740" y="4884655"/>
+            <a:ext cx="914400" cy="914400"/>
+          </a:xfrm>
+          <a:prstGeom prst="mathMultiply">
+            <a:avLst/>
+          </a:prstGeom>
+          <a:solidFill>
+            <a:srgbClr val="FF0000"/>
+          </a:solidFill>
+        </p:spPr>
+        <p:style>
+          <a:lnRef idx="2">
+            <a:schemeClr val="accent1">
+              <a:shade val="50000"/>
+            </a:schemeClr>
+          </a:lnRef>
+          <a:fillRef idx="1">
+            <a:schemeClr val="accent1"/>
+          </a:fillRef>
+          <a:effectRef idx="0">
+            <a:schemeClr val="accent1"/>
+          </a:effectRef>
+          <a:fontRef idx="minor">
+            <a:schemeClr val="lt1"/>
+          </a:fontRef>
+        </p:style>
+        <p:txBody>
+          <a:bodyPr rtlCol="0" anchor="ctr"/>
+          <a:lstStyle/>
+          <a:p>
+            <a:pPr algn="ctr"/>
+            <a:endParaRPr lang="fr-CH"/>
+          </a:p>
+        </p:txBody>
+      </p:sp>
+      <p:pic>
+        <p:nvPicPr>
+          <p:cNvPr id="5" name="Graphique 4" descr="Coche">
+            <a:extLst>
+              <a:ext uri="{FF2B5EF4-FFF2-40B4-BE49-F238E27FC236}">
+                <a16:creationId xmlns:a16="http://schemas.microsoft.com/office/drawing/2014/main" id="{DF9AEBF0-876D-4357-B22A-96281EAA10CC}"/>
+              </a:ext>
+            </a:extLst>
+          </p:cNvPr>
+          <p:cNvPicPr>
+            <a:picLocks noChangeAspect="1"/>
+          </p:cNvPicPr>
+          <p:nvPr/>
+        </p:nvPicPr>
+        <p:blipFill>
+          <a:blip r:embed="rId3">
+            <a:extLst>
+              <a:ext uri="{28A0092B-C50C-407E-A947-70E740481C1C}">
+                <a14:useLocalDpi xmlns:a14="http://schemas.microsoft.com/office/drawing/2010/main" val="0"/>
+              </a:ext>
+              <a:ext uri="{96DAC541-7B7A-43D3-8B79-37D633B846F1}">
+                <asvg:svgBlip xmlns:asvg="http://schemas.microsoft.com/office/drawing/2016/SVG/main" r:embed="rId4"/>
+              </a:ext>
+            </a:extLst>
+          </a:blip>
+          <a:stretch>
+            <a:fillRect/>
+          </a:stretch>
+        </p:blipFill>
+        <p:spPr>
+          <a:xfrm>
+            <a:off x="1670670" y="2266015"/>
+            <a:ext cx="914400" cy="914400"/>
+          </a:xfrm>
+          <a:prstGeom prst="rect">
+            <a:avLst/>
+          </a:prstGeom>
+        </p:spPr>
+      </p:pic>
+      <p:pic>
+        <p:nvPicPr>
+          <p:cNvPr id="14" name="Graphique 13" descr="Coche">
+            <a:extLst>
+              <a:ext uri="{FF2B5EF4-FFF2-40B4-BE49-F238E27FC236}">
+                <a16:creationId xmlns:a16="http://schemas.microsoft.com/office/drawing/2014/main" id="{28A833CA-52F7-44B6-8A4F-765225990901}"/>
+              </a:ext>
+            </a:extLst>
+          </p:cNvPr>
+          <p:cNvPicPr>
+            <a:picLocks noChangeAspect="1"/>
+          </p:cNvPicPr>
+          <p:nvPr/>
+        </p:nvPicPr>
+        <p:blipFill>
+          <a:blip r:embed="rId3">
+            <a:extLst>
+              <a:ext uri="{28A0092B-C50C-407E-A947-70E740481C1C}">
+                <a14:useLocalDpi xmlns:a14="http://schemas.microsoft.com/office/drawing/2010/main" val="0"/>
+              </a:ext>
+              <a:ext uri="{96DAC541-7B7A-43D3-8B79-37D633B846F1}">
+                <asvg:svgBlip xmlns:asvg="http://schemas.microsoft.com/office/drawing/2016/SVG/main" r:embed="rId4"/>
+              </a:ext>
+            </a:extLst>
+          </a:blip>
+          <a:stretch>
+            <a:fillRect/>
+          </a:stretch>
+        </p:blipFill>
+        <p:spPr>
+          <a:xfrm>
+            <a:off x="4190910" y="2224725"/>
+            <a:ext cx="914400" cy="914400"/>
+          </a:xfrm>
+          <a:prstGeom prst="rect">
+            <a:avLst/>
+          </a:prstGeom>
+        </p:spPr>
+      </p:pic>
     </p:spTree>
     <p:extLst>
       <p:ext uri="{BB962C8B-B14F-4D97-AF65-F5344CB8AC3E}">
         <p14:creationId xmlns:p14="http://schemas.microsoft.com/office/powerpoint/2010/main" val="1050703433"/>
+      </p:ext>
+    </p:extLst>
+  </p:cSld>
+  <p:clrMapOvr>
+    <a:masterClrMapping/>
+  </p:clrMapOvr>
+  <p:timing>
+    <p:tnLst>
+      <p:par>
+        <p:cTn id="1" dur="indefinite" restart="never" nodeType="tmRoot">
+          <p:childTnLst>
+            <p:seq concurrent="1" nextAc="seek">
+              <p:cTn id="2" dur="indefinite" nodeType="mainSeq">
+                <p:childTnLst>
+                  <p:par>
+                    <p:cTn id="3" fill="hold">
+                      <p:stCondLst>
+                        <p:cond delay="indefinite"/>
+                      </p:stCondLst>
+                      <p:childTnLst>
+                        <p:par>
+                          <p:cTn id="4" fill="hold">
+                            <p:stCondLst>
+                              <p:cond delay="0"/>
+                            </p:stCondLst>
+                            <p:childTnLst>
+                              <p:par>
+                                <p:cTn id="5" presetID="1" presetClass="entr" presetSubtype="0" fill="hold" grpId="0" nodeType="clickEffect">
+                                  <p:stCondLst>
+                                    <p:cond delay="0"/>
+                                  </p:stCondLst>
+                                  <p:childTnLst>
+                                    <p:set>
+                                      <p:cBhvr>
+                                        <p:cTn id="6" dur="1" fill="hold">
+                                          <p:stCondLst>
+                                            <p:cond delay="0"/>
+                                          </p:stCondLst>
+                                        </p:cTn>
+                                        <p:tgtEl>
+                                          <p:spTgt spid="3"/>
+                                        </p:tgtEl>
+                                        <p:attrNameLst>
+                                          <p:attrName>style.visibility</p:attrName>
+                                        </p:attrNameLst>
+                                      </p:cBhvr>
+                                      <p:to>
+                                        <p:strVal val="visible"/>
+                                      </p:to>
+                                    </p:set>
+                                  </p:childTnLst>
+                                </p:cTn>
+                              </p:par>
+                            </p:childTnLst>
+                          </p:cTn>
+                        </p:par>
+                      </p:childTnLst>
+                    </p:cTn>
+                  </p:par>
+                  <p:par>
+                    <p:cTn id="7" fill="hold">
+                      <p:stCondLst>
+                        <p:cond delay="indefinite"/>
+                      </p:stCondLst>
+                      <p:childTnLst>
+                        <p:par>
+                          <p:cTn id="8" fill="hold">
+                            <p:stCondLst>
+                              <p:cond delay="0"/>
+                            </p:stCondLst>
+                            <p:childTnLst>
+                              <p:par>
+                                <p:cTn id="9" presetID="1" presetClass="entr" presetSubtype="0" fill="hold" grpId="0" nodeType="clickEffect">
+                                  <p:stCondLst>
+                                    <p:cond delay="0"/>
+                                  </p:stCondLst>
+                                  <p:childTnLst>
+                                    <p:set>
+                                      <p:cBhvr>
+                                        <p:cTn id="10" dur="1" fill="hold">
+                                          <p:stCondLst>
+                                            <p:cond delay="0"/>
+                                          </p:stCondLst>
+                                        </p:cTn>
+                                        <p:tgtEl>
+                                          <p:spTgt spid="12"/>
+                                        </p:tgtEl>
+                                        <p:attrNameLst>
+                                          <p:attrName>style.visibility</p:attrName>
+                                        </p:attrNameLst>
+                                      </p:cBhvr>
+                                      <p:to>
+                                        <p:strVal val="visible"/>
+                                      </p:to>
+                                    </p:set>
+                                  </p:childTnLst>
+                                </p:cTn>
+                              </p:par>
+                            </p:childTnLst>
+                          </p:cTn>
+                        </p:par>
+                      </p:childTnLst>
+                    </p:cTn>
+                  </p:par>
+                  <p:par>
+                    <p:cTn id="11" fill="hold">
+                      <p:stCondLst>
+                        <p:cond delay="indefinite"/>
+                      </p:stCondLst>
+                      <p:childTnLst>
+                        <p:par>
+                          <p:cTn id="12" fill="hold">
+                            <p:stCondLst>
+                              <p:cond delay="0"/>
+                            </p:stCondLst>
+                            <p:childTnLst>
+                              <p:par>
+                                <p:cTn id="13" presetID="1" presetClass="entr" presetSubtype="0" fill="hold" nodeType="clickEffect">
+                                  <p:stCondLst>
+                                    <p:cond delay="0"/>
+                                  </p:stCondLst>
+                                  <p:childTnLst>
+                                    <p:set>
+                                      <p:cBhvr>
+                                        <p:cTn id="14" dur="1" fill="hold">
+                                          <p:stCondLst>
+                                            <p:cond delay="0"/>
+                                          </p:stCondLst>
+                                        </p:cTn>
+                                        <p:tgtEl>
+                                          <p:spTgt spid="14"/>
+                                        </p:tgtEl>
+                                        <p:attrNameLst>
+                                          <p:attrName>style.visibility</p:attrName>
+                                        </p:attrNameLst>
+                                      </p:cBhvr>
+                                      <p:to>
+                                        <p:strVal val="visible"/>
+                                      </p:to>
+                                    </p:set>
+                                  </p:childTnLst>
+                                </p:cTn>
+                              </p:par>
+                            </p:childTnLst>
+                          </p:cTn>
+                        </p:par>
+                      </p:childTnLst>
+                    </p:cTn>
+                  </p:par>
+                </p:childTnLst>
+              </p:cTn>
+              <p:prevCondLst>
+                <p:cond evt="onPrev" delay="0">
+                  <p:tgtEl>
+                    <p:sldTgt/>
+                  </p:tgtEl>
+                </p:cond>
+              </p:prevCondLst>
+              <p:nextCondLst>
+                <p:cond evt="onNext" delay="0">
+                  <p:tgtEl>
+                    <p:sldTgt/>
+                  </p:tgtEl>
+                </p:cond>
+              </p:nextCondLst>
+            </p:seq>
+          </p:childTnLst>
+        </p:cTn>
+      </p:par>
+    </p:tnLst>
+    <p:bldLst>
+      <p:bldP spid="3" grpId="0" animBg="1"/>
+      <p:bldP spid="12" grpId="0" animBg="1"/>
+    </p:bldLst>
+  </p:timing>
+</p:sld>
+</file>
+
+<file path=ppt/slides/slide4.xml><?xml version="1.0" encoding="utf-8"?>
+<p:sld xmlns:a="http://schemas.openxmlformats.org/drawingml/2006/main" xmlns:r="http://schemas.openxmlformats.org/officeDocument/2006/relationships" xmlns:p="http://schemas.openxmlformats.org/presentationml/2006/main">
+  <p:cSld>
+    <p:bg>
+      <p:bgPr>
+        <a:solidFill>
+          <a:schemeClr val="bg1"/>
+        </a:solidFill>
+        <a:effectLst/>
+      </p:bgPr>
+    </p:bg>
+    <p:spTree>
+      <p:nvGrpSpPr>
+        <p:cNvPr id="1" name=""/>
+        <p:cNvGrpSpPr/>
+        <p:nvPr/>
+      </p:nvGrpSpPr>
+      <p:grpSpPr>
+        <a:xfrm>
+          <a:off x="0" y="0"/>
+          <a:ext cx="0" cy="0"/>
+          <a:chOff x="0" y="0"/>
+          <a:chExt cx="0" cy="0"/>
+        </a:xfrm>
+      </p:grpSpPr>
+      <p:sp>
+        <p:nvSpPr>
+          <p:cNvPr id="10" name="Rectangle 9">
+            <a:extLst>
+              <a:ext uri="{FF2B5EF4-FFF2-40B4-BE49-F238E27FC236}">
+                <a16:creationId xmlns:a16="http://schemas.microsoft.com/office/drawing/2014/main" id="{F3060C83-F051-4F0E-ABAD-AA0DFC48B218}"/>
+              </a:ext>
+              <a:ext uri="{C183D7F6-B498-43B3-948B-1728B52AA6E4}">
+                <adec:decorative xmlns:adec="http://schemas.microsoft.com/office/drawing/2017/decorative" val="1"/>
+              </a:ext>
+            </a:extLst>
+          </p:cNvPr>
+          <p:cNvSpPr>
+            <a:spLocks noGrp="1" noRot="1" noChangeAspect="1" noMove="1" noResize="1" noEditPoints="1" noAdjustHandles="1" noChangeArrowheads="1" noChangeShapeType="1" noTextEdit="1"/>
+          </p:cNvSpPr>
+          <p:nvPr>
+            <p:extLst>
+              <p:ext uri="{386F3935-93C4-4BCD-93E2-E3B085C9AB24}">
+                <p16:designElem xmlns:p16="http://schemas.microsoft.com/office/powerpoint/2015/main" val="1"/>
+              </p:ext>
+            </p:extLst>
+          </p:nvPr>
+        </p:nvSpPr>
+        <p:spPr>
+          <a:xfrm>
+            <a:off x="0" y="0"/>
+            <a:ext cx="12192000" cy="6858000"/>
+          </a:xfrm>
+          <a:prstGeom prst="rect">
+            <a:avLst/>
+          </a:prstGeom>
+          <a:solidFill>
+            <a:schemeClr val="bg1"/>
+          </a:solidFill>
+          <a:ln>
+            <a:noFill/>
+          </a:ln>
+        </p:spPr>
+        <p:style>
+          <a:lnRef idx="2">
+            <a:schemeClr val="accent1">
+              <a:shade val="50000"/>
+            </a:schemeClr>
+          </a:lnRef>
+          <a:fillRef idx="1">
+            <a:schemeClr val="accent1"/>
+          </a:fillRef>
+          <a:effectRef idx="0">
+            <a:schemeClr val="accent1"/>
+          </a:effectRef>
+          <a:fontRef idx="minor">
+            <a:schemeClr val="lt1"/>
+          </a:fontRef>
+        </p:style>
+        <p:txBody>
+          <a:bodyPr rtlCol="0" anchor="ctr"/>
+          <a:lstStyle/>
+          <a:p>
+            <a:pPr algn="ctr"/>
+            <a:endParaRPr lang="en-US" dirty="0"/>
+          </a:p>
+        </p:txBody>
+      </p:sp>
+      <p:sp>
+        <p:nvSpPr>
+          <p:cNvPr id="12" name="Freeform: Shape 11">
+            <a:extLst>
+              <a:ext uri="{FF2B5EF4-FFF2-40B4-BE49-F238E27FC236}">
+                <a16:creationId xmlns:a16="http://schemas.microsoft.com/office/drawing/2014/main" id="{83C98ABE-055B-441F-B07E-44F97F083C39}"/>
+              </a:ext>
+              <a:ext uri="{C183D7F6-B498-43B3-948B-1728B52AA6E4}">
+                <adec:decorative xmlns:adec="http://schemas.microsoft.com/office/drawing/2017/decorative" val="1"/>
+              </a:ext>
+            </a:extLst>
+          </p:cNvPr>
+          <p:cNvSpPr>
+            <a:spLocks noGrp="1" noRot="1" noChangeAspect="1" noMove="1" noResize="1" noEditPoints="1" noAdjustHandles="1" noChangeArrowheads="1" noChangeShapeType="1" noTextEdit="1"/>
+          </p:cNvSpPr>
+          <p:nvPr>
+            <p:extLst>
+              <p:ext uri="{386F3935-93C4-4BCD-93E2-E3B085C9AB24}">
+                <p16:designElem xmlns:p16="http://schemas.microsoft.com/office/powerpoint/2015/main" val="1"/>
+              </p:ext>
+            </p:extLst>
+          </p:nvPr>
+        </p:nvSpPr>
+        <p:spPr>
+          <a:xfrm rot="18900000" flipH="1">
+            <a:off x="-376156" y="-253670"/>
+            <a:ext cx="1827638" cy="1376989"/>
+          </a:xfrm>
+          <a:custGeom>
+            <a:avLst/>
+            <a:gdLst>
+              <a:gd name="connsiteX0" fmla="*/ 0 w 1827638"/>
+              <a:gd name="connsiteY0" fmla="*/ 987379 h 1376989"/>
+              <a:gd name="connsiteX1" fmla="*/ 987379 w 1827638"/>
+              <a:gd name="connsiteY1" fmla="*/ 0 h 1376989"/>
+              <a:gd name="connsiteX2" fmla="*/ 1827638 w 1827638"/>
+              <a:gd name="connsiteY2" fmla="*/ 840260 h 1376989"/>
+              <a:gd name="connsiteX3" fmla="*/ 1827638 w 1827638"/>
+              <a:gd name="connsiteY3" fmla="*/ 1376989 h 1376989"/>
+              <a:gd name="connsiteX4" fmla="*/ 0 w 1827638"/>
+              <a:gd name="connsiteY4" fmla="*/ 1376989 h 1376989"/>
+            </a:gdLst>
+            <a:ahLst/>
+            <a:cxnLst>
+              <a:cxn ang="0">
+                <a:pos x="connsiteX0" y="connsiteY0"/>
+              </a:cxn>
+              <a:cxn ang="0">
+                <a:pos x="connsiteX1" y="connsiteY1"/>
+              </a:cxn>
+              <a:cxn ang="0">
+                <a:pos x="connsiteX2" y="connsiteY2"/>
+              </a:cxn>
+              <a:cxn ang="0">
+                <a:pos x="connsiteX3" y="connsiteY3"/>
+              </a:cxn>
+              <a:cxn ang="0">
+                <a:pos x="connsiteX4" y="connsiteY4"/>
+              </a:cxn>
+            </a:cxnLst>
+            <a:rect l="l" t="t" r="r" b="b"/>
+            <a:pathLst>
+              <a:path w="1827638" h="1376989">
+                <a:moveTo>
+                  <a:pt x="0" y="987379"/>
+                </a:moveTo>
+                <a:lnTo>
+                  <a:pt x="987379" y="0"/>
+                </a:lnTo>
+                <a:lnTo>
+                  <a:pt x="1827638" y="840260"/>
+                </a:lnTo>
+                <a:lnTo>
+                  <a:pt x="1827638" y="1376989"/>
+                </a:lnTo>
+                <a:lnTo>
+                  <a:pt x="0" y="1376989"/>
+                </a:lnTo>
+                <a:close/>
+              </a:path>
+            </a:pathLst>
+          </a:custGeom>
+          <a:solidFill>
+            <a:schemeClr val="accent1">
+              <a:alpha val="30000"/>
+            </a:schemeClr>
+          </a:solidFill>
+          <a:ln>
+            <a:noFill/>
+          </a:ln>
+        </p:spPr>
+        <p:style>
+          <a:lnRef idx="2">
+            <a:schemeClr val="accent1">
+              <a:shade val="50000"/>
+            </a:schemeClr>
+          </a:lnRef>
+          <a:fillRef idx="1">
+            <a:schemeClr val="accent1"/>
+          </a:fillRef>
+          <a:effectRef idx="0">
+            <a:schemeClr val="accent1"/>
+          </a:effectRef>
+          <a:fontRef idx="minor">
+            <a:schemeClr val="lt1"/>
+          </a:fontRef>
+        </p:style>
+        <p:txBody>
+          <a:bodyPr rtlCol="0" anchor="ctr"/>
+          <a:lstStyle/>
+          <a:p>
+            <a:pPr algn="ctr"/>
+            <a:endParaRPr lang="en-US" dirty="0"/>
+          </a:p>
+        </p:txBody>
+      </p:sp>
+      <p:sp>
+        <p:nvSpPr>
+          <p:cNvPr id="14" name="Rectangle 13">
+            <a:extLst>
+              <a:ext uri="{FF2B5EF4-FFF2-40B4-BE49-F238E27FC236}">
+                <a16:creationId xmlns:a16="http://schemas.microsoft.com/office/drawing/2014/main" id="{29FDB030-9B49-4CED-8CCD-4D99382388AC}"/>
+              </a:ext>
+              <a:ext uri="{C183D7F6-B498-43B3-948B-1728B52AA6E4}">
+                <adec:decorative xmlns:adec="http://schemas.microsoft.com/office/drawing/2017/decorative" val="1"/>
+              </a:ext>
+            </a:extLst>
+          </p:cNvPr>
+          <p:cNvSpPr>
+            <a:spLocks noGrp="1" noRot="1" noChangeAspect="1" noMove="1" noResize="1" noEditPoints="1" noAdjustHandles="1" noChangeArrowheads="1" noChangeShapeType="1" noTextEdit="1"/>
+          </p:cNvSpPr>
+          <p:nvPr>
+            <p:extLst>
+              <p:ext uri="{386F3935-93C4-4BCD-93E2-E3B085C9AB24}">
+                <p16:designElem xmlns:p16="http://schemas.microsoft.com/office/powerpoint/2015/main" val="1"/>
+              </p:ext>
+            </p:extLst>
+          </p:nvPr>
+        </p:nvSpPr>
+        <p:spPr>
+          <a:xfrm rot="18900000" flipH="1">
+            <a:off x="891641" y="422146"/>
+            <a:ext cx="645368" cy="645368"/>
+          </a:xfrm>
+          <a:prstGeom prst="rect">
+            <a:avLst/>
+          </a:prstGeom>
+          <a:solidFill>
+            <a:schemeClr val="accent1">
+              <a:alpha val="30000"/>
+            </a:schemeClr>
+          </a:solidFill>
+          <a:ln>
+            <a:noFill/>
+          </a:ln>
+        </p:spPr>
+        <p:style>
+          <a:lnRef idx="2">
+            <a:schemeClr val="accent1">
+              <a:shade val="50000"/>
+            </a:schemeClr>
+          </a:lnRef>
+          <a:fillRef idx="1">
+            <a:schemeClr val="accent1"/>
+          </a:fillRef>
+          <a:effectRef idx="0">
+            <a:schemeClr val="accent1"/>
+          </a:effectRef>
+          <a:fontRef idx="minor">
+            <a:schemeClr val="lt1"/>
+          </a:fontRef>
+        </p:style>
+        <p:txBody>
+          <a:bodyPr rtlCol="0" anchor="ctr"/>
+          <a:lstStyle/>
+          <a:p>
+            <a:pPr algn="ctr"/>
+            <a:endParaRPr lang="en-US"/>
+          </a:p>
+        </p:txBody>
+      </p:sp>
+      <p:sp>
+        <p:nvSpPr>
+          <p:cNvPr id="16" name="Rectangle 15">
+            <a:extLst>
+              <a:ext uri="{FF2B5EF4-FFF2-40B4-BE49-F238E27FC236}">
+                <a16:creationId xmlns:a16="http://schemas.microsoft.com/office/drawing/2014/main" id="{3783CA14-24A1-485C-8B30-D6A5D87987AD}"/>
+              </a:ext>
+              <a:ext uri="{C183D7F6-B498-43B3-948B-1728B52AA6E4}">
+                <adec:decorative xmlns:adec="http://schemas.microsoft.com/office/drawing/2017/decorative" val="1"/>
+              </a:ext>
+            </a:extLst>
+          </p:cNvPr>
+          <p:cNvSpPr>
+            <a:spLocks noGrp="1" noRot="1" noChangeAspect="1" noMove="1" noResize="1" noEditPoints="1" noAdjustHandles="1" noChangeArrowheads="1" noChangeShapeType="1" noTextEdit="1"/>
+          </p:cNvSpPr>
+          <p:nvPr>
+            <p:extLst>
+              <p:ext uri="{386F3935-93C4-4BCD-93E2-E3B085C9AB24}">
+                <p16:designElem xmlns:p16="http://schemas.microsoft.com/office/powerpoint/2015/main" val="1"/>
+              </p:ext>
+            </p:extLst>
+          </p:nvPr>
+        </p:nvSpPr>
+        <p:spPr>
+          <a:xfrm rot="18900000" flipH="1">
+            <a:off x="10043482" y="655140"/>
+            <a:ext cx="687472" cy="687472"/>
+          </a:xfrm>
+          <a:prstGeom prst="rect">
+            <a:avLst/>
+          </a:prstGeom>
+          <a:solidFill>
+            <a:schemeClr val="accent4">
+              <a:alpha val="30000"/>
+            </a:schemeClr>
+          </a:solidFill>
+          <a:ln>
+            <a:noFill/>
+          </a:ln>
+        </p:spPr>
+        <p:style>
+          <a:lnRef idx="2">
+            <a:schemeClr val="accent1">
+              <a:shade val="50000"/>
+            </a:schemeClr>
+          </a:lnRef>
+          <a:fillRef idx="1">
+            <a:schemeClr val="accent1"/>
+          </a:fillRef>
+          <a:effectRef idx="0">
+            <a:schemeClr val="accent1"/>
+          </a:effectRef>
+          <a:fontRef idx="minor">
+            <a:schemeClr val="lt1"/>
+          </a:fontRef>
+        </p:style>
+        <p:txBody>
+          <a:bodyPr rtlCol="0" anchor="ctr"/>
+          <a:lstStyle/>
+          <a:p>
+            <a:pPr algn="ctr"/>
+            <a:endParaRPr lang="en-US"/>
+          </a:p>
+        </p:txBody>
+      </p:sp>
+      <p:sp>
+        <p:nvSpPr>
+          <p:cNvPr id="18" name="Freeform: Shape 17">
+            <a:extLst>
+              <a:ext uri="{FF2B5EF4-FFF2-40B4-BE49-F238E27FC236}">
+                <a16:creationId xmlns:a16="http://schemas.microsoft.com/office/drawing/2014/main" id="{9A97C86A-04D6-40F7-AE84-31AB43E6A846}"/>
+              </a:ext>
+              <a:ext uri="{C183D7F6-B498-43B3-948B-1728B52AA6E4}">
+                <adec:decorative xmlns:adec="http://schemas.microsoft.com/office/drawing/2017/decorative" val="1"/>
+              </a:ext>
+            </a:extLst>
+          </p:cNvPr>
+          <p:cNvSpPr>
+            <a:spLocks noGrp="1" noRot="1" noChangeAspect="1" noMove="1" noResize="1" noEditPoints="1" noAdjustHandles="1" noChangeArrowheads="1" noChangeShapeType="1" noTextEdit="1"/>
+          </p:cNvSpPr>
+          <p:nvPr>
+            <p:extLst>
+              <p:ext uri="{386F3935-93C4-4BCD-93E2-E3B085C9AB24}">
+                <p16:designElem xmlns:p16="http://schemas.microsoft.com/office/powerpoint/2015/main" val="1"/>
+              </p:ext>
+            </p:extLst>
+          </p:nvPr>
+        </p:nvSpPr>
+        <p:spPr>
+          <a:xfrm rot="10800000" flipH="1">
+            <a:off x="9356643" y="0"/>
+            <a:ext cx="2835357" cy="1480837"/>
+          </a:xfrm>
+          <a:custGeom>
+            <a:avLst/>
+            <a:gdLst>
+              <a:gd name="connsiteX0" fmla="*/ 2835357 w 2835357"/>
+              <a:gd name="connsiteY0" fmla="*/ 1480837 h 1480837"/>
+              <a:gd name="connsiteX1" fmla="*/ 0 w 2835357"/>
+              <a:gd name="connsiteY1" fmla="*/ 1480837 h 1480837"/>
+              <a:gd name="connsiteX2" fmla="*/ 1552727 w 2835357"/>
+              <a:gd name="connsiteY2" fmla="*/ 0 h 1480837"/>
+              <a:gd name="connsiteX3" fmla="*/ 2835357 w 2835357"/>
+              <a:gd name="connsiteY3" fmla="*/ 1223245 h 1480837"/>
+            </a:gdLst>
+            <a:ahLst/>
+            <a:cxnLst>
+              <a:cxn ang="0">
+                <a:pos x="connsiteX0" y="connsiteY0"/>
+              </a:cxn>
+              <a:cxn ang="0">
+                <a:pos x="connsiteX1" y="connsiteY1"/>
+              </a:cxn>
+              <a:cxn ang="0">
+                <a:pos x="connsiteX2" y="connsiteY2"/>
+              </a:cxn>
+              <a:cxn ang="0">
+                <a:pos x="connsiteX3" y="connsiteY3"/>
+              </a:cxn>
+            </a:cxnLst>
+            <a:rect l="l" t="t" r="r" b="b"/>
+            <a:pathLst>
+              <a:path w="2835357" h="1480837">
+                <a:moveTo>
+                  <a:pt x="2835357" y="1480837"/>
+                </a:moveTo>
+                <a:lnTo>
+                  <a:pt x="0" y="1480837"/>
+                </a:lnTo>
+                <a:lnTo>
+                  <a:pt x="1552727" y="0"/>
+                </a:lnTo>
+                <a:lnTo>
+                  <a:pt x="2835357" y="1223245"/>
+                </a:lnTo>
+                <a:close/>
+              </a:path>
+            </a:pathLst>
+          </a:custGeom>
+          <a:solidFill>
+            <a:schemeClr val="accent4">
+              <a:alpha val="30000"/>
+            </a:schemeClr>
+          </a:solidFill>
+          <a:ln>
+            <a:noFill/>
+          </a:ln>
+        </p:spPr>
+        <p:style>
+          <a:lnRef idx="2">
+            <a:schemeClr val="accent1">
+              <a:shade val="50000"/>
+            </a:schemeClr>
+          </a:lnRef>
+          <a:fillRef idx="1">
+            <a:schemeClr val="accent1"/>
+          </a:fillRef>
+          <a:effectRef idx="0">
+            <a:schemeClr val="accent1"/>
+          </a:effectRef>
+          <a:fontRef idx="minor">
+            <a:schemeClr val="lt1"/>
+          </a:fontRef>
+        </p:style>
+        <p:txBody>
+          <a:bodyPr wrap="square" rtlCol="0" anchor="ctr">
+            <a:noAutofit/>
+          </a:bodyPr>
+          <a:lstStyle/>
+          <a:p>
+            <a:pPr algn="ctr"/>
+            <a:endParaRPr lang="en-US" dirty="0"/>
+          </a:p>
+        </p:txBody>
+      </p:sp>
+      <p:sp>
+        <p:nvSpPr>
+          <p:cNvPr id="20" name="Isosceles Triangle 19">
+            <a:extLst>
+              <a:ext uri="{FF2B5EF4-FFF2-40B4-BE49-F238E27FC236}">
+                <a16:creationId xmlns:a16="http://schemas.microsoft.com/office/drawing/2014/main" id="{FF9F2414-84E8-453E-B1F3-389FDE8192D9}"/>
+              </a:ext>
+              <a:ext uri="{C183D7F6-B498-43B3-948B-1728B52AA6E4}">
+                <adec:decorative xmlns:adec="http://schemas.microsoft.com/office/drawing/2017/decorative" val="1"/>
+              </a:ext>
+            </a:extLst>
+          </p:cNvPr>
+          <p:cNvSpPr>
+            <a:spLocks noGrp="1" noRot="1" noChangeAspect="1" noMove="1" noResize="1" noEditPoints="1" noAdjustHandles="1" noChangeArrowheads="1" noChangeShapeType="1" noTextEdit="1"/>
+          </p:cNvSpPr>
+          <p:nvPr>
+            <p:extLst>
+              <p:ext uri="{386F3935-93C4-4BCD-93E2-E3B085C9AB24}">
+                <p16:designElem xmlns:p16="http://schemas.microsoft.com/office/powerpoint/2015/main" val="1"/>
+              </p:ext>
+            </p:extLst>
+          </p:nvPr>
+        </p:nvSpPr>
+        <p:spPr>
+          <a:xfrm flipH="1">
+            <a:off x="7976344" y="6115501"/>
+            <a:ext cx="1494513" cy="742499"/>
+          </a:xfrm>
+          <a:prstGeom prst="triangle">
+            <a:avLst/>
+          </a:prstGeom>
+          <a:solidFill>
+            <a:schemeClr val="accent1">
+              <a:alpha val="30000"/>
+            </a:schemeClr>
+          </a:solidFill>
+          <a:ln>
+            <a:noFill/>
+          </a:ln>
+        </p:spPr>
+        <p:style>
+          <a:lnRef idx="2">
+            <a:schemeClr val="accent1">
+              <a:shade val="50000"/>
+            </a:schemeClr>
+          </a:lnRef>
+          <a:fillRef idx="1">
+            <a:schemeClr val="accent1"/>
+          </a:fillRef>
+          <a:effectRef idx="0">
+            <a:schemeClr val="accent1"/>
+          </a:effectRef>
+          <a:fontRef idx="minor">
+            <a:schemeClr val="lt1"/>
+          </a:fontRef>
+        </p:style>
+        <p:txBody>
+          <a:bodyPr rtlCol="0" anchor="ctr"/>
+          <a:lstStyle/>
+          <a:p>
+            <a:pPr algn="ctr"/>
+            <a:endParaRPr lang="en-US"/>
+          </a:p>
+        </p:txBody>
+      </p:sp>
+      <p:sp>
+        <p:nvSpPr>
+          <p:cNvPr id="22" name="Isosceles Triangle 21">
+            <a:extLst>
+              <a:ext uri="{FF2B5EF4-FFF2-40B4-BE49-F238E27FC236}">
+                <a16:creationId xmlns:a16="http://schemas.microsoft.com/office/drawing/2014/main" id="{3ECA69A1-7536-43AC-85EF-C7106179F5ED}"/>
+              </a:ext>
+              <a:ext uri="{C183D7F6-B498-43B3-948B-1728B52AA6E4}">
+                <adec:decorative xmlns:adec="http://schemas.microsoft.com/office/drawing/2017/decorative" val="1"/>
+              </a:ext>
+            </a:extLst>
+          </p:cNvPr>
+          <p:cNvSpPr>
+            <a:spLocks noGrp="1" noRot="1" noChangeAspect="1" noMove="1" noResize="1" noEditPoints="1" noAdjustHandles="1" noChangeArrowheads="1" noChangeShapeType="1" noTextEdit="1"/>
+          </p:cNvSpPr>
+          <p:nvPr>
+            <p:extLst>
+              <p:ext uri="{386F3935-93C4-4BCD-93E2-E3B085C9AB24}">
+                <p16:designElem xmlns:p16="http://schemas.microsoft.com/office/powerpoint/2015/main" val="1"/>
+              </p:ext>
+            </p:extLst>
+          </p:nvPr>
+        </p:nvSpPr>
+        <p:spPr>
+          <a:xfrm flipH="1">
+            <a:off x="7604080" y="6453143"/>
+            <a:ext cx="814903" cy="404857"/>
+          </a:xfrm>
+          <a:prstGeom prst="triangle">
+            <a:avLst/>
+          </a:prstGeom>
+          <a:solidFill>
+            <a:schemeClr val="accent1">
+              <a:alpha val="30000"/>
+            </a:schemeClr>
+          </a:solidFill>
+          <a:ln>
+            <a:noFill/>
+          </a:ln>
+        </p:spPr>
+        <p:style>
+          <a:lnRef idx="2">
+            <a:schemeClr val="accent1">
+              <a:shade val="50000"/>
+            </a:schemeClr>
+          </a:lnRef>
+          <a:fillRef idx="1">
+            <a:schemeClr val="accent1"/>
+          </a:fillRef>
+          <a:effectRef idx="0">
+            <a:schemeClr val="accent1"/>
+          </a:effectRef>
+          <a:fontRef idx="minor">
+            <a:schemeClr val="lt1"/>
+          </a:fontRef>
+        </p:style>
+        <p:txBody>
+          <a:bodyPr rtlCol="0" anchor="ctr"/>
+          <a:lstStyle/>
+          <a:p>
+            <a:pPr algn="ctr"/>
+            <a:endParaRPr lang="en-US"/>
+          </a:p>
+        </p:txBody>
+      </p:sp>
+      <p:pic>
+        <p:nvPicPr>
+          <p:cNvPr id="3" name="Image 2" descr="Une image contenant texte&#10;&#10;Description générée automatiquement">
+            <a:extLst>
+              <a:ext uri="{FF2B5EF4-FFF2-40B4-BE49-F238E27FC236}">
+                <a16:creationId xmlns:a16="http://schemas.microsoft.com/office/drawing/2014/main" id="{D6D35C5F-28BD-4CBF-88D1-A18498F3E20B}"/>
+              </a:ext>
+            </a:extLst>
+          </p:cNvPr>
+          <p:cNvPicPr>
+            <a:picLocks noChangeAspect="1"/>
+          </p:cNvPicPr>
+          <p:nvPr/>
+        </p:nvPicPr>
+        <p:blipFill>
+          <a:blip r:embed="rId2">
+            <a:extLst>
+              <a:ext uri="{28A0092B-C50C-407E-A947-70E740481C1C}">
+                <a14:useLocalDpi xmlns:a14="http://schemas.microsoft.com/office/drawing/2010/main" val="0"/>
+              </a:ext>
+            </a:extLst>
+          </a:blip>
+          <a:stretch>
+            <a:fillRect/>
+          </a:stretch>
+        </p:blipFill>
+        <p:spPr>
+          <a:xfrm>
+            <a:off x="4146055" y="-283581"/>
+            <a:ext cx="3891923" cy="8432499"/>
+          </a:xfrm>
+          <a:prstGeom prst="rect">
+            <a:avLst/>
+          </a:prstGeom>
+        </p:spPr>
+      </p:pic>
+      <p:sp>
+        <p:nvSpPr>
+          <p:cNvPr id="7" name="Flèche : droite 6">
+            <a:extLst>
+              <a:ext uri="{FF2B5EF4-FFF2-40B4-BE49-F238E27FC236}">
+                <a16:creationId xmlns:a16="http://schemas.microsoft.com/office/drawing/2014/main" id="{1A6D7181-A8F5-4969-BD14-6285BCB4EB1D}"/>
+              </a:ext>
+            </a:extLst>
+          </p:cNvPr>
+          <p:cNvSpPr/>
+          <p:nvPr/>
+        </p:nvSpPr>
+        <p:spPr>
+          <a:xfrm rot="13534645">
+            <a:off x="6174557" y="2413261"/>
+            <a:ext cx="1074655" cy="433633"/>
+          </a:xfrm>
+          <a:prstGeom prst="rightArrow">
+            <a:avLst/>
+          </a:prstGeom>
+          <a:solidFill>
+            <a:srgbClr val="FF0000"/>
+          </a:solidFill>
+          <a:ln>
+            <a:solidFill>
+              <a:schemeClr val="tx1"/>
+            </a:solidFill>
+          </a:ln>
+        </p:spPr>
+        <p:style>
+          <a:lnRef idx="2">
+            <a:schemeClr val="accent1">
+              <a:shade val="50000"/>
+            </a:schemeClr>
+          </a:lnRef>
+          <a:fillRef idx="1">
+            <a:schemeClr val="accent1"/>
+          </a:fillRef>
+          <a:effectRef idx="0">
+            <a:schemeClr val="accent1"/>
+          </a:effectRef>
+          <a:fontRef idx="minor">
+            <a:schemeClr val="lt1"/>
+          </a:fontRef>
+        </p:style>
+        <p:txBody>
+          <a:bodyPr rtlCol="0" anchor="ctr"/>
+          <a:lstStyle/>
+          <a:p>
+            <a:pPr algn="ctr"/>
+            <a:endParaRPr lang="fr-CH"/>
+          </a:p>
+        </p:txBody>
+      </p:sp>
+      <p:sp>
+        <p:nvSpPr>
+          <p:cNvPr id="15" name="Flèche : droite 14">
+            <a:extLst>
+              <a:ext uri="{FF2B5EF4-FFF2-40B4-BE49-F238E27FC236}">
+                <a16:creationId xmlns:a16="http://schemas.microsoft.com/office/drawing/2014/main" id="{55F9C84B-ED2D-4888-9BB8-2D90E5A07EAB}"/>
+              </a:ext>
+            </a:extLst>
+          </p:cNvPr>
+          <p:cNvSpPr/>
+          <p:nvPr/>
+        </p:nvSpPr>
+        <p:spPr>
+          <a:xfrm rot="18960474">
+            <a:off x="3521821" y="2318993"/>
+            <a:ext cx="1074655" cy="433633"/>
+          </a:xfrm>
+          <a:prstGeom prst="rightArrow">
+            <a:avLst/>
+          </a:prstGeom>
+          <a:solidFill>
+            <a:srgbClr val="FF0000"/>
+          </a:solidFill>
+          <a:ln>
+            <a:solidFill>
+              <a:schemeClr val="tx1"/>
+            </a:solidFill>
+          </a:ln>
+        </p:spPr>
+        <p:style>
+          <a:lnRef idx="2">
+            <a:schemeClr val="accent1">
+              <a:shade val="50000"/>
+            </a:schemeClr>
+          </a:lnRef>
+          <a:fillRef idx="1">
+            <a:schemeClr val="accent1"/>
+          </a:fillRef>
+          <a:effectRef idx="0">
+            <a:schemeClr val="accent1"/>
+          </a:effectRef>
+          <a:fontRef idx="minor">
+            <a:schemeClr val="lt1"/>
+          </a:fontRef>
+        </p:style>
+        <p:txBody>
+          <a:bodyPr rtlCol="0" anchor="ctr"/>
+          <a:lstStyle/>
+          <a:p>
+            <a:pPr algn="ctr"/>
+            <a:endParaRPr lang="fr-CH"/>
+          </a:p>
+        </p:txBody>
+      </p:sp>
+    </p:spTree>
+    <p:extLst>
+      <p:ext uri="{BB962C8B-B14F-4D97-AF65-F5344CB8AC3E}">
+        <p14:creationId xmlns:p14="http://schemas.microsoft.com/office/powerpoint/2010/main" val="3450376128"/>
+      </p:ext>
+    </p:extLst>
+  </p:cSld>
+  <p:clrMapOvr>
+    <a:masterClrMapping/>
+  </p:clrMapOvr>
+  <p:timing>
+    <p:tnLst>
+      <p:par>
+        <p:cTn id="1" dur="indefinite" restart="never" nodeType="tmRoot">
+          <p:childTnLst>
+            <p:seq concurrent="1" nextAc="seek">
+              <p:cTn id="2" dur="indefinite" nodeType="mainSeq">
+                <p:childTnLst>
+                  <p:par>
+                    <p:cTn id="3" fill="hold">
+                      <p:stCondLst>
+                        <p:cond delay="indefinite"/>
+                      </p:stCondLst>
+                      <p:childTnLst>
+                        <p:par>
+                          <p:cTn id="4" fill="hold">
+                            <p:stCondLst>
+                              <p:cond delay="0"/>
+                            </p:stCondLst>
+                            <p:childTnLst>
+                              <p:par>
+                                <p:cTn id="5" presetID="1" presetClass="entr" presetSubtype="0" fill="hold" grpId="0" nodeType="clickEffect">
+                                  <p:stCondLst>
+                                    <p:cond delay="0"/>
+                                  </p:stCondLst>
+                                  <p:childTnLst>
+                                    <p:set>
+                                      <p:cBhvr>
+                                        <p:cTn id="6" dur="1" fill="hold">
+                                          <p:stCondLst>
+                                            <p:cond delay="0"/>
+                                          </p:stCondLst>
+                                        </p:cTn>
+                                        <p:tgtEl>
+                                          <p:spTgt spid="7"/>
+                                        </p:tgtEl>
+                                        <p:attrNameLst>
+                                          <p:attrName>style.visibility</p:attrName>
+                                        </p:attrNameLst>
+                                      </p:cBhvr>
+                                      <p:to>
+                                        <p:strVal val="visible"/>
+                                      </p:to>
+                                    </p:set>
+                                  </p:childTnLst>
+                                </p:cTn>
+                              </p:par>
+                            </p:childTnLst>
+                          </p:cTn>
+                        </p:par>
+                      </p:childTnLst>
+                    </p:cTn>
+                  </p:par>
+                  <p:par>
+                    <p:cTn id="7" fill="hold">
+                      <p:stCondLst>
+                        <p:cond delay="indefinite"/>
+                      </p:stCondLst>
+                      <p:childTnLst>
+                        <p:par>
+                          <p:cTn id="8" fill="hold">
+                            <p:stCondLst>
+                              <p:cond delay="0"/>
+                            </p:stCondLst>
+                            <p:childTnLst>
+                              <p:par>
+                                <p:cTn id="9" presetID="1" presetClass="entr" presetSubtype="0" fill="hold" grpId="0" nodeType="clickEffect">
+                                  <p:stCondLst>
+                                    <p:cond delay="0"/>
+                                  </p:stCondLst>
+                                  <p:childTnLst>
+                                    <p:set>
+                                      <p:cBhvr>
+                                        <p:cTn id="10" dur="1" fill="hold">
+                                          <p:stCondLst>
+                                            <p:cond delay="0"/>
+                                          </p:stCondLst>
+                                        </p:cTn>
+                                        <p:tgtEl>
+                                          <p:spTgt spid="15"/>
+                                        </p:tgtEl>
+                                        <p:attrNameLst>
+                                          <p:attrName>style.visibility</p:attrName>
+                                        </p:attrNameLst>
+                                      </p:cBhvr>
+                                      <p:to>
+                                        <p:strVal val="visible"/>
+                                      </p:to>
+                                    </p:set>
+                                  </p:childTnLst>
+                                </p:cTn>
+                              </p:par>
+                            </p:childTnLst>
+                          </p:cTn>
+                        </p:par>
+                      </p:childTnLst>
+                    </p:cTn>
+                  </p:par>
+                </p:childTnLst>
+              </p:cTn>
+              <p:prevCondLst>
+                <p:cond evt="onPrev" delay="0">
+                  <p:tgtEl>
+                    <p:sldTgt/>
+                  </p:tgtEl>
+                </p:cond>
+              </p:prevCondLst>
+              <p:nextCondLst>
+                <p:cond evt="onNext" delay="0">
+                  <p:tgtEl>
+                    <p:sldTgt/>
+                  </p:tgtEl>
+                </p:cond>
+              </p:nextCondLst>
+            </p:seq>
+          </p:childTnLst>
+        </p:cTn>
+      </p:par>
+    </p:tnLst>
+    <p:bldLst>
+      <p:bldP spid="7" grpId="0" animBg="1"/>
+      <p:bldP spid="15" grpId="0" animBg="1"/>
+    </p:bldLst>
+  </p:timing>
+</p:sld>
+</file>
+
+<file path=ppt/slides/slide5.xml><?xml version="1.0" encoding="utf-8"?>
+<p:sld xmlns:a="http://schemas.openxmlformats.org/drawingml/2006/main" xmlns:r="http://schemas.openxmlformats.org/officeDocument/2006/relationships" xmlns:p="http://schemas.openxmlformats.org/presentationml/2006/main">
+  <p:cSld>
+    <p:bg>
+      <p:bgPr>
+        <a:solidFill>
+          <a:schemeClr val="bg1"/>
+        </a:solidFill>
+        <a:effectLst/>
+      </p:bgPr>
+    </p:bg>
+    <p:spTree>
+      <p:nvGrpSpPr>
+        <p:cNvPr id="1" name=""/>
+        <p:cNvGrpSpPr/>
+        <p:nvPr/>
+      </p:nvGrpSpPr>
+      <p:grpSpPr>
+        <a:xfrm>
+          <a:off x="0" y="0"/>
+          <a:ext cx="0" cy="0"/>
+          <a:chOff x="0" y="0"/>
+          <a:chExt cx="0" cy="0"/>
+        </a:xfrm>
+      </p:grpSpPr>
+      <p:sp>
+        <p:nvSpPr>
+          <p:cNvPr id="10" name="Rectangle 9">
+            <a:extLst>
+              <a:ext uri="{FF2B5EF4-FFF2-40B4-BE49-F238E27FC236}">
+                <a16:creationId xmlns:a16="http://schemas.microsoft.com/office/drawing/2014/main" id="{F3060C83-F051-4F0E-ABAD-AA0DFC48B218}"/>
+              </a:ext>
+              <a:ext uri="{C183D7F6-B498-43B3-948B-1728B52AA6E4}">
+                <adec:decorative xmlns:adec="http://schemas.microsoft.com/office/drawing/2017/decorative" val="1"/>
+              </a:ext>
+            </a:extLst>
+          </p:cNvPr>
+          <p:cNvSpPr>
+            <a:spLocks noGrp="1" noRot="1" noChangeAspect="1" noMove="1" noResize="1" noEditPoints="1" noAdjustHandles="1" noChangeArrowheads="1" noChangeShapeType="1" noTextEdit="1"/>
+          </p:cNvSpPr>
+          <p:nvPr>
+            <p:extLst>
+              <p:ext uri="{386F3935-93C4-4BCD-93E2-E3B085C9AB24}">
+                <p16:designElem xmlns:p16="http://schemas.microsoft.com/office/powerpoint/2015/main" val="1"/>
+              </p:ext>
+            </p:extLst>
+          </p:nvPr>
+        </p:nvSpPr>
+        <p:spPr>
+          <a:xfrm>
+            <a:off x="0" y="0"/>
+            <a:ext cx="12192000" cy="6858000"/>
+          </a:xfrm>
+          <a:prstGeom prst="rect">
+            <a:avLst/>
+          </a:prstGeom>
+          <a:solidFill>
+            <a:schemeClr val="bg1"/>
+          </a:solidFill>
+          <a:ln>
+            <a:noFill/>
+          </a:ln>
+        </p:spPr>
+        <p:style>
+          <a:lnRef idx="2">
+            <a:schemeClr val="accent1">
+              <a:shade val="50000"/>
+            </a:schemeClr>
+          </a:lnRef>
+          <a:fillRef idx="1">
+            <a:schemeClr val="accent1"/>
+          </a:fillRef>
+          <a:effectRef idx="0">
+            <a:schemeClr val="accent1"/>
+          </a:effectRef>
+          <a:fontRef idx="minor">
+            <a:schemeClr val="lt1"/>
+          </a:fontRef>
+        </p:style>
+        <p:txBody>
+          <a:bodyPr rtlCol="0" anchor="ctr"/>
+          <a:lstStyle/>
+          <a:p>
+            <a:pPr algn="ctr"/>
+            <a:endParaRPr lang="en-US" dirty="0"/>
+          </a:p>
+        </p:txBody>
+      </p:sp>
+      <p:sp>
+        <p:nvSpPr>
+          <p:cNvPr id="12" name="Freeform: Shape 11">
+            <a:extLst>
+              <a:ext uri="{FF2B5EF4-FFF2-40B4-BE49-F238E27FC236}">
+                <a16:creationId xmlns:a16="http://schemas.microsoft.com/office/drawing/2014/main" id="{83C98ABE-055B-441F-B07E-44F97F083C39}"/>
+              </a:ext>
+              <a:ext uri="{C183D7F6-B498-43B3-948B-1728B52AA6E4}">
+                <adec:decorative xmlns:adec="http://schemas.microsoft.com/office/drawing/2017/decorative" val="1"/>
+              </a:ext>
+            </a:extLst>
+          </p:cNvPr>
+          <p:cNvSpPr>
+            <a:spLocks noGrp="1" noRot="1" noChangeAspect="1" noMove="1" noResize="1" noEditPoints="1" noAdjustHandles="1" noChangeArrowheads="1" noChangeShapeType="1" noTextEdit="1"/>
+          </p:cNvSpPr>
+          <p:nvPr>
+            <p:extLst>
+              <p:ext uri="{386F3935-93C4-4BCD-93E2-E3B085C9AB24}">
+                <p16:designElem xmlns:p16="http://schemas.microsoft.com/office/powerpoint/2015/main" val="1"/>
+              </p:ext>
+            </p:extLst>
+          </p:nvPr>
+        </p:nvSpPr>
+        <p:spPr>
+          <a:xfrm rot="18900000" flipH="1">
+            <a:off x="-376156" y="-253670"/>
+            <a:ext cx="1827638" cy="1376989"/>
+          </a:xfrm>
+          <a:custGeom>
+            <a:avLst/>
+            <a:gdLst>
+              <a:gd name="connsiteX0" fmla="*/ 0 w 1827638"/>
+              <a:gd name="connsiteY0" fmla="*/ 987379 h 1376989"/>
+              <a:gd name="connsiteX1" fmla="*/ 987379 w 1827638"/>
+              <a:gd name="connsiteY1" fmla="*/ 0 h 1376989"/>
+              <a:gd name="connsiteX2" fmla="*/ 1827638 w 1827638"/>
+              <a:gd name="connsiteY2" fmla="*/ 840260 h 1376989"/>
+              <a:gd name="connsiteX3" fmla="*/ 1827638 w 1827638"/>
+              <a:gd name="connsiteY3" fmla="*/ 1376989 h 1376989"/>
+              <a:gd name="connsiteX4" fmla="*/ 0 w 1827638"/>
+              <a:gd name="connsiteY4" fmla="*/ 1376989 h 1376989"/>
+            </a:gdLst>
+            <a:ahLst/>
+            <a:cxnLst>
+              <a:cxn ang="0">
+                <a:pos x="connsiteX0" y="connsiteY0"/>
+              </a:cxn>
+              <a:cxn ang="0">
+                <a:pos x="connsiteX1" y="connsiteY1"/>
+              </a:cxn>
+              <a:cxn ang="0">
+                <a:pos x="connsiteX2" y="connsiteY2"/>
+              </a:cxn>
+              <a:cxn ang="0">
+                <a:pos x="connsiteX3" y="connsiteY3"/>
+              </a:cxn>
+              <a:cxn ang="0">
+                <a:pos x="connsiteX4" y="connsiteY4"/>
+              </a:cxn>
+            </a:cxnLst>
+            <a:rect l="l" t="t" r="r" b="b"/>
+            <a:pathLst>
+              <a:path w="1827638" h="1376989">
+                <a:moveTo>
+                  <a:pt x="0" y="987379"/>
+                </a:moveTo>
+                <a:lnTo>
+                  <a:pt x="987379" y="0"/>
+                </a:lnTo>
+                <a:lnTo>
+                  <a:pt x="1827638" y="840260"/>
+                </a:lnTo>
+                <a:lnTo>
+                  <a:pt x="1827638" y="1376989"/>
+                </a:lnTo>
+                <a:lnTo>
+                  <a:pt x="0" y="1376989"/>
+                </a:lnTo>
+                <a:close/>
+              </a:path>
+            </a:pathLst>
+          </a:custGeom>
+          <a:solidFill>
+            <a:schemeClr val="accent1">
+              <a:alpha val="30000"/>
+            </a:schemeClr>
+          </a:solidFill>
+          <a:ln>
+            <a:noFill/>
+          </a:ln>
+        </p:spPr>
+        <p:style>
+          <a:lnRef idx="2">
+            <a:schemeClr val="accent1">
+              <a:shade val="50000"/>
+            </a:schemeClr>
+          </a:lnRef>
+          <a:fillRef idx="1">
+            <a:schemeClr val="accent1"/>
+          </a:fillRef>
+          <a:effectRef idx="0">
+            <a:schemeClr val="accent1"/>
+          </a:effectRef>
+          <a:fontRef idx="minor">
+            <a:schemeClr val="lt1"/>
+          </a:fontRef>
+        </p:style>
+        <p:txBody>
+          <a:bodyPr rtlCol="0" anchor="ctr"/>
+          <a:lstStyle/>
+          <a:p>
+            <a:pPr algn="ctr"/>
+            <a:endParaRPr lang="en-US" dirty="0"/>
+          </a:p>
+        </p:txBody>
+      </p:sp>
+      <p:sp>
+        <p:nvSpPr>
+          <p:cNvPr id="14" name="Rectangle 13">
+            <a:extLst>
+              <a:ext uri="{FF2B5EF4-FFF2-40B4-BE49-F238E27FC236}">
+                <a16:creationId xmlns:a16="http://schemas.microsoft.com/office/drawing/2014/main" id="{29FDB030-9B49-4CED-8CCD-4D99382388AC}"/>
+              </a:ext>
+              <a:ext uri="{C183D7F6-B498-43B3-948B-1728B52AA6E4}">
+                <adec:decorative xmlns:adec="http://schemas.microsoft.com/office/drawing/2017/decorative" val="1"/>
+              </a:ext>
+            </a:extLst>
+          </p:cNvPr>
+          <p:cNvSpPr>
+            <a:spLocks noGrp="1" noRot="1" noChangeAspect="1" noMove="1" noResize="1" noEditPoints="1" noAdjustHandles="1" noChangeArrowheads="1" noChangeShapeType="1" noTextEdit="1"/>
+          </p:cNvSpPr>
+          <p:nvPr>
+            <p:extLst>
+              <p:ext uri="{386F3935-93C4-4BCD-93E2-E3B085C9AB24}">
+                <p16:designElem xmlns:p16="http://schemas.microsoft.com/office/powerpoint/2015/main" val="1"/>
+              </p:ext>
+            </p:extLst>
+          </p:nvPr>
+        </p:nvSpPr>
+        <p:spPr>
+          <a:xfrm rot="18900000" flipH="1">
+            <a:off x="891641" y="422146"/>
+            <a:ext cx="645368" cy="645368"/>
+          </a:xfrm>
+          <a:prstGeom prst="rect">
+            <a:avLst/>
+          </a:prstGeom>
+          <a:solidFill>
+            <a:schemeClr val="accent1">
+              <a:alpha val="30000"/>
+            </a:schemeClr>
+          </a:solidFill>
+          <a:ln>
+            <a:noFill/>
+          </a:ln>
+        </p:spPr>
+        <p:style>
+          <a:lnRef idx="2">
+            <a:schemeClr val="accent1">
+              <a:shade val="50000"/>
+            </a:schemeClr>
+          </a:lnRef>
+          <a:fillRef idx="1">
+            <a:schemeClr val="accent1"/>
+          </a:fillRef>
+          <a:effectRef idx="0">
+            <a:schemeClr val="accent1"/>
+          </a:effectRef>
+          <a:fontRef idx="minor">
+            <a:schemeClr val="lt1"/>
+          </a:fontRef>
+        </p:style>
+        <p:txBody>
+          <a:bodyPr rtlCol="0" anchor="ctr"/>
+          <a:lstStyle/>
+          <a:p>
+            <a:pPr algn="ctr"/>
+            <a:endParaRPr lang="en-US"/>
+          </a:p>
+        </p:txBody>
+      </p:sp>
+      <p:sp>
+        <p:nvSpPr>
+          <p:cNvPr id="16" name="Rectangle 15">
+            <a:extLst>
+              <a:ext uri="{FF2B5EF4-FFF2-40B4-BE49-F238E27FC236}">
+                <a16:creationId xmlns:a16="http://schemas.microsoft.com/office/drawing/2014/main" id="{3783CA14-24A1-485C-8B30-D6A5D87987AD}"/>
+              </a:ext>
+              <a:ext uri="{C183D7F6-B498-43B3-948B-1728B52AA6E4}">
+                <adec:decorative xmlns:adec="http://schemas.microsoft.com/office/drawing/2017/decorative" val="1"/>
+              </a:ext>
+            </a:extLst>
+          </p:cNvPr>
+          <p:cNvSpPr>
+            <a:spLocks noGrp="1" noRot="1" noChangeAspect="1" noMove="1" noResize="1" noEditPoints="1" noAdjustHandles="1" noChangeArrowheads="1" noChangeShapeType="1" noTextEdit="1"/>
+          </p:cNvSpPr>
+          <p:nvPr>
+            <p:extLst>
+              <p:ext uri="{386F3935-93C4-4BCD-93E2-E3B085C9AB24}">
+                <p16:designElem xmlns:p16="http://schemas.microsoft.com/office/powerpoint/2015/main" val="1"/>
+              </p:ext>
+            </p:extLst>
+          </p:nvPr>
+        </p:nvSpPr>
+        <p:spPr>
+          <a:xfrm rot="18900000" flipH="1">
+            <a:off x="10043482" y="655140"/>
+            <a:ext cx="687472" cy="687472"/>
+          </a:xfrm>
+          <a:prstGeom prst="rect">
+            <a:avLst/>
+          </a:prstGeom>
+          <a:solidFill>
+            <a:schemeClr val="accent4">
+              <a:alpha val="30000"/>
+            </a:schemeClr>
+          </a:solidFill>
+          <a:ln>
+            <a:noFill/>
+          </a:ln>
+        </p:spPr>
+        <p:style>
+          <a:lnRef idx="2">
+            <a:schemeClr val="accent1">
+              <a:shade val="50000"/>
+            </a:schemeClr>
+          </a:lnRef>
+          <a:fillRef idx="1">
+            <a:schemeClr val="accent1"/>
+          </a:fillRef>
+          <a:effectRef idx="0">
+            <a:schemeClr val="accent1"/>
+          </a:effectRef>
+          <a:fontRef idx="minor">
+            <a:schemeClr val="lt1"/>
+          </a:fontRef>
+        </p:style>
+        <p:txBody>
+          <a:bodyPr rtlCol="0" anchor="ctr"/>
+          <a:lstStyle/>
+          <a:p>
+            <a:pPr algn="ctr"/>
+            <a:endParaRPr lang="en-US"/>
+          </a:p>
+        </p:txBody>
+      </p:sp>
+      <p:sp>
+        <p:nvSpPr>
+          <p:cNvPr id="18" name="Freeform: Shape 17">
+            <a:extLst>
+              <a:ext uri="{FF2B5EF4-FFF2-40B4-BE49-F238E27FC236}">
+                <a16:creationId xmlns:a16="http://schemas.microsoft.com/office/drawing/2014/main" id="{9A97C86A-04D6-40F7-AE84-31AB43E6A846}"/>
+              </a:ext>
+              <a:ext uri="{C183D7F6-B498-43B3-948B-1728B52AA6E4}">
+                <adec:decorative xmlns:adec="http://schemas.microsoft.com/office/drawing/2017/decorative" val="1"/>
+              </a:ext>
+            </a:extLst>
+          </p:cNvPr>
+          <p:cNvSpPr>
+            <a:spLocks noGrp="1" noRot="1" noChangeAspect="1" noMove="1" noResize="1" noEditPoints="1" noAdjustHandles="1" noChangeArrowheads="1" noChangeShapeType="1" noTextEdit="1"/>
+          </p:cNvSpPr>
+          <p:nvPr>
+            <p:extLst>
+              <p:ext uri="{386F3935-93C4-4BCD-93E2-E3B085C9AB24}">
+                <p16:designElem xmlns:p16="http://schemas.microsoft.com/office/powerpoint/2015/main" val="1"/>
+              </p:ext>
+            </p:extLst>
+          </p:nvPr>
+        </p:nvSpPr>
+        <p:spPr>
+          <a:xfrm rot="10800000" flipH="1">
+            <a:off x="9356643" y="0"/>
+            <a:ext cx="2835357" cy="1480837"/>
+          </a:xfrm>
+          <a:custGeom>
+            <a:avLst/>
+            <a:gdLst>
+              <a:gd name="connsiteX0" fmla="*/ 2835357 w 2835357"/>
+              <a:gd name="connsiteY0" fmla="*/ 1480837 h 1480837"/>
+              <a:gd name="connsiteX1" fmla="*/ 0 w 2835357"/>
+              <a:gd name="connsiteY1" fmla="*/ 1480837 h 1480837"/>
+              <a:gd name="connsiteX2" fmla="*/ 1552727 w 2835357"/>
+              <a:gd name="connsiteY2" fmla="*/ 0 h 1480837"/>
+              <a:gd name="connsiteX3" fmla="*/ 2835357 w 2835357"/>
+              <a:gd name="connsiteY3" fmla="*/ 1223245 h 1480837"/>
+            </a:gdLst>
+            <a:ahLst/>
+            <a:cxnLst>
+              <a:cxn ang="0">
+                <a:pos x="connsiteX0" y="connsiteY0"/>
+              </a:cxn>
+              <a:cxn ang="0">
+                <a:pos x="connsiteX1" y="connsiteY1"/>
+              </a:cxn>
+              <a:cxn ang="0">
+                <a:pos x="connsiteX2" y="connsiteY2"/>
+              </a:cxn>
+              <a:cxn ang="0">
+                <a:pos x="connsiteX3" y="connsiteY3"/>
+              </a:cxn>
+            </a:cxnLst>
+            <a:rect l="l" t="t" r="r" b="b"/>
+            <a:pathLst>
+              <a:path w="2835357" h="1480837">
+                <a:moveTo>
+                  <a:pt x="2835357" y="1480837"/>
+                </a:moveTo>
+                <a:lnTo>
+                  <a:pt x="0" y="1480837"/>
+                </a:lnTo>
+                <a:lnTo>
+                  <a:pt x="1552727" y="0"/>
+                </a:lnTo>
+                <a:lnTo>
+                  <a:pt x="2835357" y="1223245"/>
+                </a:lnTo>
+                <a:close/>
+              </a:path>
+            </a:pathLst>
+          </a:custGeom>
+          <a:solidFill>
+            <a:schemeClr val="accent4">
+              <a:alpha val="30000"/>
+            </a:schemeClr>
+          </a:solidFill>
+          <a:ln>
+            <a:noFill/>
+          </a:ln>
+        </p:spPr>
+        <p:style>
+          <a:lnRef idx="2">
+            <a:schemeClr val="accent1">
+              <a:shade val="50000"/>
+            </a:schemeClr>
+          </a:lnRef>
+          <a:fillRef idx="1">
+            <a:schemeClr val="accent1"/>
+          </a:fillRef>
+          <a:effectRef idx="0">
+            <a:schemeClr val="accent1"/>
+          </a:effectRef>
+          <a:fontRef idx="minor">
+            <a:schemeClr val="lt1"/>
+          </a:fontRef>
+        </p:style>
+        <p:txBody>
+          <a:bodyPr wrap="square" rtlCol="0" anchor="ctr">
+            <a:noAutofit/>
+          </a:bodyPr>
+          <a:lstStyle/>
+          <a:p>
+            <a:pPr algn="ctr"/>
+            <a:endParaRPr lang="en-US" dirty="0"/>
+          </a:p>
+        </p:txBody>
+      </p:sp>
+      <p:sp>
+        <p:nvSpPr>
+          <p:cNvPr id="20" name="Isosceles Triangle 19">
+            <a:extLst>
+              <a:ext uri="{FF2B5EF4-FFF2-40B4-BE49-F238E27FC236}">
+                <a16:creationId xmlns:a16="http://schemas.microsoft.com/office/drawing/2014/main" id="{FF9F2414-84E8-453E-B1F3-389FDE8192D9}"/>
+              </a:ext>
+              <a:ext uri="{C183D7F6-B498-43B3-948B-1728B52AA6E4}">
+                <adec:decorative xmlns:adec="http://schemas.microsoft.com/office/drawing/2017/decorative" val="1"/>
+              </a:ext>
+            </a:extLst>
+          </p:cNvPr>
+          <p:cNvSpPr>
+            <a:spLocks noGrp="1" noRot="1" noChangeAspect="1" noMove="1" noResize="1" noEditPoints="1" noAdjustHandles="1" noChangeArrowheads="1" noChangeShapeType="1" noTextEdit="1"/>
+          </p:cNvSpPr>
+          <p:nvPr>
+            <p:extLst>
+              <p:ext uri="{386F3935-93C4-4BCD-93E2-E3B085C9AB24}">
+                <p16:designElem xmlns:p16="http://schemas.microsoft.com/office/powerpoint/2015/main" val="1"/>
+              </p:ext>
+            </p:extLst>
+          </p:nvPr>
+        </p:nvSpPr>
+        <p:spPr>
+          <a:xfrm flipH="1">
+            <a:off x="7976344" y="6115501"/>
+            <a:ext cx="1494513" cy="742499"/>
+          </a:xfrm>
+          <a:prstGeom prst="triangle">
+            <a:avLst/>
+          </a:prstGeom>
+          <a:solidFill>
+            <a:schemeClr val="accent1">
+              <a:alpha val="30000"/>
+            </a:schemeClr>
+          </a:solidFill>
+          <a:ln>
+            <a:noFill/>
+          </a:ln>
+        </p:spPr>
+        <p:style>
+          <a:lnRef idx="2">
+            <a:schemeClr val="accent1">
+              <a:shade val="50000"/>
+            </a:schemeClr>
+          </a:lnRef>
+          <a:fillRef idx="1">
+            <a:schemeClr val="accent1"/>
+          </a:fillRef>
+          <a:effectRef idx="0">
+            <a:schemeClr val="accent1"/>
+          </a:effectRef>
+          <a:fontRef idx="minor">
+            <a:schemeClr val="lt1"/>
+          </a:fontRef>
+        </p:style>
+        <p:txBody>
+          <a:bodyPr rtlCol="0" anchor="ctr"/>
+          <a:lstStyle/>
+          <a:p>
+            <a:pPr algn="ctr"/>
+            <a:endParaRPr lang="en-US"/>
+          </a:p>
+        </p:txBody>
+      </p:sp>
+      <p:sp>
+        <p:nvSpPr>
+          <p:cNvPr id="22" name="Isosceles Triangle 21">
+            <a:extLst>
+              <a:ext uri="{FF2B5EF4-FFF2-40B4-BE49-F238E27FC236}">
+                <a16:creationId xmlns:a16="http://schemas.microsoft.com/office/drawing/2014/main" id="{3ECA69A1-7536-43AC-85EF-C7106179F5ED}"/>
+              </a:ext>
+              <a:ext uri="{C183D7F6-B498-43B3-948B-1728B52AA6E4}">
+                <adec:decorative xmlns:adec="http://schemas.microsoft.com/office/drawing/2017/decorative" val="1"/>
+              </a:ext>
+            </a:extLst>
+          </p:cNvPr>
+          <p:cNvSpPr>
+            <a:spLocks noGrp="1" noRot="1" noChangeAspect="1" noMove="1" noResize="1" noEditPoints="1" noAdjustHandles="1" noChangeArrowheads="1" noChangeShapeType="1" noTextEdit="1"/>
+          </p:cNvSpPr>
+          <p:nvPr>
+            <p:extLst>
+              <p:ext uri="{386F3935-93C4-4BCD-93E2-E3B085C9AB24}">
+                <p16:designElem xmlns:p16="http://schemas.microsoft.com/office/powerpoint/2015/main" val="1"/>
+              </p:ext>
+            </p:extLst>
+          </p:nvPr>
+        </p:nvSpPr>
+        <p:spPr>
+          <a:xfrm flipH="1">
+            <a:off x="7604080" y="6453143"/>
+            <a:ext cx="814903" cy="404857"/>
+          </a:xfrm>
+          <a:prstGeom prst="triangle">
+            <a:avLst/>
+          </a:prstGeom>
+          <a:solidFill>
+            <a:schemeClr val="accent1">
+              <a:alpha val="30000"/>
+            </a:schemeClr>
+          </a:solidFill>
+          <a:ln>
+            <a:noFill/>
+          </a:ln>
+        </p:spPr>
+        <p:style>
+          <a:lnRef idx="2">
+            <a:schemeClr val="accent1">
+              <a:shade val="50000"/>
+            </a:schemeClr>
+          </a:lnRef>
+          <a:fillRef idx="1">
+            <a:schemeClr val="accent1"/>
+          </a:fillRef>
+          <a:effectRef idx="0">
+            <a:schemeClr val="accent1"/>
+          </a:effectRef>
+          <a:fontRef idx="minor">
+            <a:schemeClr val="lt1"/>
+          </a:fontRef>
+        </p:style>
+        <p:txBody>
+          <a:bodyPr rtlCol="0" anchor="ctr"/>
+          <a:lstStyle/>
+          <a:p>
+            <a:pPr algn="ctr"/>
+            <a:endParaRPr lang="en-US"/>
+          </a:p>
+        </p:txBody>
+      </p:sp>
+      <p:pic>
+        <p:nvPicPr>
+          <p:cNvPr id="3" name="Image 2" descr="Une image contenant texte&#10;&#10;Description générée automatiquement">
+            <a:extLst>
+              <a:ext uri="{FF2B5EF4-FFF2-40B4-BE49-F238E27FC236}">
+                <a16:creationId xmlns:a16="http://schemas.microsoft.com/office/drawing/2014/main" id="{33A8DC1B-8B4B-422F-89F1-E57D5D6727C0}"/>
+              </a:ext>
+            </a:extLst>
+          </p:cNvPr>
+          <p:cNvPicPr>
+            <a:picLocks noChangeAspect="1"/>
+          </p:cNvPicPr>
+          <p:nvPr/>
+        </p:nvPicPr>
+        <p:blipFill>
+          <a:blip r:embed="rId2">
+            <a:extLst>
+              <a:ext uri="{28A0092B-C50C-407E-A947-70E740481C1C}">
+                <a14:useLocalDpi xmlns:a14="http://schemas.microsoft.com/office/drawing/2010/main" val="0"/>
+              </a:ext>
+            </a:extLst>
+          </a:blip>
+          <a:stretch>
+            <a:fillRect/>
+          </a:stretch>
+        </p:blipFill>
+        <p:spPr>
+          <a:xfrm>
+            <a:off x="4090612" y="-247426"/>
+            <a:ext cx="3947366" cy="8552626"/>
+          </a:xfrm>
+          <a:prstGeom prst="rect">
+            <a:avLst/>
+          </a:prstGeom>
+        </p:spPr>
+      </p:pic>
+      <p:sp>
+        <p:nvSpPr>
+          <p:cNvPr id="13" name="Flèche : droite 12">
+            <a:extLst>
+              <a:ext uri="{FF2B5EF4-FFF2-40B4-BE49-F238E27FC236}">
+                <a16:creationId xmlns:a16="http://schemas.microsoft.com/office/drawing/2014/main" id="{F8941065-D1F6-4CAE-8E49-5F92CF7D79A1}"/>
+              </a:ext>
+            </a:extLst>
+          </p:cNvPr>
+          <p:cNvSpPr/>
+          <p:nvPr/>
+        </p:nvSpPr>
+        <p:spPr>
+          <a:xfrm rot="18960474">
+            <a:off x="4090449" y="3987539"/>
+            <a:ext cx="1074655" cy="433633"/>
+          </a:xfrm>
+          <a:prstGeom prst="rightArrow">
+            <a:avLst/>
+          </a:prstGeom>
+          <a:solidFill>
+            <a:srgbClr val="FF0000"/>
+          </a:solidFill>
+          <a:ln>
+            <a:solidFill>
+              <a:schemeClr val="tx1"/>
+            </a:solidFill>
+          </a:ln>
+        </p:spPr>
+        <p:style>
+          <a:lnRef idx="2">
+            <a:schemeClr val="accent1">
+              <a:shade val="50000"/>
+            </a:schemeClr>
+          </a:lnRef>
+          <a:fillRef idx="1">
+            <a:schemeClr val="accent1"/>
+          </a:fillRef>
+          <a:effectRef idx="0">
+            <a:schemeClr val="accent1"/>
+          </a:effectRef>
+          <a:fontRef idx="minor">
+            <a:schemeClr val="lt1"/>
+          </a:fontRef>
+        </p:style>
+        <p:txBody>
+          <a:bodyPr rtlCol="0" anchor="ctr"/>
+          <a:lstStyle/>
+          <a:p>
+            <a:pPr algn="ctr"/>
+            <a:endParaRPr lang="fr-CH"/>
+          </a:p>
+        </p:txBody>
+      </p:sp>
+    </p:spTree>
+    <p:extLst>
+      <p:ext uri="{BB962C8B-B14F-4D97-AF65-F5344CB8AC3E}">
+        <p14:creationId xmlns:p14="http://schemas.microsoft.com/office/powerpoint/2010/main" val="817559678"/>
+      </p:ext>
+    </p:extLst>
+  </p:cSld>
+  <p:clrMapOvr>
+    <a:masterClrMapping/>
+  </p:clrMapOvr>
+</p:sld>
+</file>
+
+<file path=ppt/slides/slide6.xml><?xml version="1.0" encoding="utf-8"?>
+<p:sld xmlns:a="http://schemas.openxmlformats.org/drawingml/2006/main" xmlns:r="http://schemas.openxmlformats.org/officeDocument/2006/relationships" xmlns:p="http://schemas.openxmlformats.org/presentationml/2006/main">
+  <p:cSld>
+    <p:bg>
+      <p:bgPr>
+        <a:solidFill>
+          <a:schemeClr val="bg1"/>
+        </a:solidFill>
+        <a:effectLst/>
+      </p:bgPr>
+    </p:bg>
+    <p:spTree>
+      <p:nvGrpSpPr>
+        <p:cNvPr id="1" name=""/>
+        <p:cNvGrpSpPr/>
+        <p:nvPr/>
+      </p:nvGrpSpPr>
+      <p:grpSpPr>
+        <a:xfrm>
+          <a:off x="0" y="0"/>
+          <a:ext cx="0" cy="0"/>
+          <a:chOff x="0" y="0"/>
+          <a:chExt cx="0" cy="0"/>
+        </a:xfrm>
+      </p:grpSpPr>
+      <p:sp>
+        <p:nvSpPr>
+          <p:cNvPr id="9" name="Rectangle 8">
+            <a:extLst>
+              <a:ext uri="{FF2B5EF4-FFF2-40B4-BE49-F238E27FC236}">
+                <a16:creationId xmlns:a16="http://schemas.microsoft.com/office/drawing/2014/main" id="{F3060C83-F051-4F0E-ABAD-AA0DFC48B218}"/>
+              </a:ext>
+              <a:ext uri="{C183D7F6-B498-43B3-948B-1728B52AA6E4}">
+                <adec:decorative xmlns:adec="http://schemas.microsoft.com/office/drawing/2017/decorative" val="1"/>
+              </a:ext>
+            </a:extLst>
+          </p:cNvPr>
+          <p:cNvSpPr>
+            <a:spLocks noGrp="1" noRot="1" noChangeAspect="1" noMove="1" noResize="1" noEditPoints="1" noAdjustHandles="1" noChangeArrowheads="1" noChangeShapeType="1" noTextEdit="1"/>
+          </p:cNvSpPr>
+          <p:nvPr>
+            <p:extLst>
+              <p:ext uri="{386F3935-93C4-4BCD-93E2-E3B085C9AB24}">
+                <p16:designElem xmlns:p16="http://schemas.microsoft.com/office/powerpoint/2015/main" val="1"/>
+              </p:ext>
+            </p:extLst>
+          </p:nvPr>
+        </p:nvSpPr>
+        <p:spPr>
+          <a:xfrm>
+            <a:off x="0" y="0"/>
+            <a:ext cx="12192000" cy="6858000"/>
+          </a:xfrm>
+          <a:prstGeom prst="rect">
+            <a:avLst/>
+          </a:prstGeom>
+          <a:solidFill>
+            <a:schemeClr val="bg1"/>
+          </a:solidFill>
+          <a:ln>
+            <a:noFill/>
+          </a:ln>
+        </p:spPr>
+        <p:style>
+          <a:lnRef idx="2">
+            <a:schemeClr val="accent1">
+              <a:shade val="50000"/>
+            </a:schemeClr>
+          </a:lnRef>
+          <a:fillRef idx="1">
+            <a:schemeClr val="accent1"/>
+          </a:fillRef>
+          <a:effectRef idx="0">
+            <a:schemeClr val="accent1"/>
+          </a:effectRef>
+          <a:fontRef idx="minor">
+            <a:schemeClr val="lt1"/>
+          </a:fontRef>
+        </p:style>
+        <p:txBody>
+          <a:bodyPr rtlCol="0" anchor="ctr"/>
+          <a:lstStyle/>
+          <a:p>
+            <a:pPr algn="ctr"/>
+            <a:endParaRPr lang="en-US" dirty="0"/>
+          </a:p>
+        </p:txBody>
+      </p:sp>
+      <p:sp>
+        <p:nvSpPr>
+          <p:cNvPr id="11" name="Freeform: Shape 10">
+            <a:extLst>
+              <a:ext uri="{FF2B5EF4-FFF2-40B4-BE49-F238E27FC236}">
+                <a16:creationId xmlns:a16="http://schemas.microsoft.com/office/drawing/2014/main" id="{83C98ABE-055B-441F-B07E-44F97F083C39}"/>
+              </a:ext>
+              <a:ext uri="{C183D7F6-B498-43B3-948B-1728B52AA6E4}">
+                <adec:decorative xmlns:adec="http://schemas.microsoft.com/office/drawing/2017/decorative" val="1"/>
+              </a:ext>
+            </a:extLst>
+          </p:cNvPr>
+          <p:cNvSpPr>
+            <a:spLocks noGrp="1" noRot="1" noChangeAspect="1" noMove="1" noResize="1" noEditPoints="1" noAdjustHandles="1" noChangeArrowheads="1" noChangeShapeType="1" noTextEdit="1"/>
+          </p:cNvSpPr>
+          <p:nvPr>
+            <p:extLst>
+              <p:ext uri="{386F3935-93C4-4BCD-93E2-E3B085C9AB24}">
+                <p16:designElem xmlns:p16="http://schemas.microsoft.com/office/powerpoint/2015/main" val="1"/>
+              </p:ext>
+            </p:extLst>
+          </p:nvPr>
+        </p:nvSpPr>
+        <p:spPr>
+          <a:xfrm rot="18900000" flipH="1">
+            <a:off x="-376156" y="-253670"/>
+            <a:ext cx="1827638" cy="1376989"/>
+          </a:xfrm>
+          <a:custGeom>
+            <a:avLst/>
+            <a:gdLst>
+              <a:gd name="connsiteX0" fmla="*/ 0 w 1827638"/>
+              <a:gd name="connsiteY0" fmla="*/ 987379 h 1376989"/>
+              <a:gd name="connsiteX1" fmla="*/ 987379 w 1827638"/>
+              <a:gd name="connsiteY1" fmla="*/ 0 h 1376989"/>
+              <a:gd name="connsiteX2" fmla="*/ 1827638 w 1827638"/>
+              <a:gd name="connsiteY2" fmla="*/ 840260 h 1376989"/>
+              <a:gd name="connsiteX3" fmla="*/ 1827638 w 1827638"/>
+              <a:gd name="connsiteY3" fmla="*/ 1376989 h 1376989"/>
+              <a:gd name="connsiteX4" fmla="*/ 0 w 1827638"/>
+              <a:gd name="connsiteY4" fmla="*/ 1376989 h 1376989"/>
+            </a:gdLst>
+            <a:ahLst/>
+            <a:cxnLst>
+              <a:cxn ang="0">
+                <a:pos x="connsiteX0" y="connsiteY0"/>
+              </a:cxn>
+              <a:cxn ang="0">
+                <a:pos x="connsiteX1" y="connsiteY1"/>
+              </a:cxn>
+              <a:cxn ang="0">
+                <a:pos x="connsiteX2" y="connsiteY2"/>
+              </a:cxn>
+              <a:cxn ang="0">
+                <a:pos x="connsiteX3" y="connsiteY3"/>
+              </a:cxn>
+              <a:cxn ang="0">
+                <a:pos x="connsiteX4" y="connsiteY4"/>
+              </a:cxn>
+            </a:cxnLst>
+            <a:rect l="l" t="t" r="r" b="b"/>
+            <a:pathLst>
+              <a:path w="1827638" h="1376989">
+                <a:moveTo>
+                  <a:pt x="0" y="987379"/>
+                </a:moveTo>
+                <a:lnTo>
+                  <a:pt x="987379" y="0"/>
+                </a:lnTo>
+                <a:lnTo>
+                  <a:pt x="1827638" y="840260"/>
+                </a:lnTo>
+                <a:lnTo>
+                  <a:pt x="1827638" y="1376989"/>
+                </a:lnTo>
+                <a:lnTo>
+                  <a:pt x="0" y="1376989"/>
+                </a:lnTo>
+                <a:close/>
+              </a:path>
+            </a:pathLst>
+          </a:custGeom>
+          <a:solidFill>
+            <a:schemeClr val="accent1">
+              <a:alpha val="30000"/>
+            </a:schemeClr>
+          </a:solidFill>
+          <a:ln>
+            <a:noFill/>
+          </a:ln>
+        </p:spPr>
+        <p:style>
+          <a:lnRef idx="2">
+            <a:schemeClr val="accent1">
+              <a:shade val="50000"/>
+            </a:schemeClr>
+          </a:lnRef>
+          <a:fillRef idx="1">
+            <a:schemeClr val="accent1"/>
+          </a:fillRef>
+          <a:effectRef idx="0">
+            <a:schemeClr val="accent1"/>
+          </a:effectRef>
+          <a:fontRef idx="minor">
+            <a:schemeClr val="lt1"/>
+          </a:fontRef>
+        </p:style>
+        <p:txBody>
+          <a:bodyPr rtlCol="0" anchor="ctr"/>
+          <a:lstStyle/>
+          <a:p>
+            <a:pPr algn="ctr"/>
+            <a:endParaRPr lang="en-US" dirty="0"/>
+          </a:p>
+        </p:txBody>
+      </p:sp>
+      <p:sp>
+        <p:nvSpPr>
+          <p:cNvPr id="13" name="Rectangle 12">
+            <a:extLst>
+              <a:ext uri="{FF2B5EF4-FFF2-40B4-BE49-F238E27FC236}">
+                <a16:creationId xmlns:a16="http://schemas.microsoft.com/office/drawing/2014/main" id="{29FDB030-9B49-4CED-8CCD-4D99382388AC}"/>
+              </a:ext>
+              <a:ext uri="{C183D7F6-B498-43B3-948B-1728B52AA6E4}">
+                <adec:decorative xmlns:adec="http://schemas.microsoft.com/office/drawing/2017/decorative" val="1"/>
+              </a:ext>
+            </a:extLst>
+          </p:cNvPr>
+          <p:cNvSpPr>
+            <a:spLocks noGrp="1" noRot="1" noChangeAspect="1" noMove="1" noResize="1" noEditPoints="1" noAdjustHandles="1" noChangeArrowheads="1" noChangeShapeType="1" noTextEdit="1"/>
+          </p:cNvSpPr>
+          <p:nvPr>
+            <p:extLst>
+              <p:ext uri="{386F3935-93C4-4BCD-93E2-E3B085C9AB24}">
+                <p16:designElem xmlns:p16="http://schemas.microsoft.com/office/powerpoint/2015/main" val="1"/>
+              </p:ext>
+            </p:extLst>
+          </p:nvPr>
+        </p:nvSpPr>
+        <p:spPr>
+          <a:xfrm rot="18900000" flipH="1">
+            <a:off x="891641" y="422146"/>
+            <a:ext cx="645368" cy="645368"/>
+          </a:xfrm>
+          <a:prstGeom prst="rect">
+            <a:avLst/>
+          </a:prstGeom>
+          <a:solidFill>
+            <a:schemeClr val="accent1">
+              <a:alpha val="30000"/>
+            </a:schemeClr>
+          </a:solidFill>
+          <a:ln>
+            <a:noFill/>
+          </a:ln>
+        </p:spPr>
+        <p:style>
+          <a:lnRef idx="2">
+            <a:schemeClr val="accent1">
+              <a:shade val="50000"/>
+            </a:schemeClr>
+          </a:lnRef>
+          <a:fillRef idx="1">
+            <a:schemeClr val="accent1"/>
+          </a:fillRef>
+          <a:effectRef idx="0">
+            <a:schemeClr val="accent1"/>
+          </a:effectRef>
+          <a:fontRef idx="minor">
+            <a:schemeClr val="lt1"/>
+          </a:fontRef>
+        </p:style>
+        <p:txBody>
+          <a:bodyPr rtlCol="0" anchor="ctr"/>
+          <a:lstStyle/>
+          <a:p>
+            <a:pPr algn="ctr"/>
+            <a:endParaRPr lang="en-US"/>
+          </a:p>
+        </p:txBody>
+      </p:sp>
+      <p:sp>
+        <p:nvSpPr>
+          <p:cNvPr id="15" name="Rectangle 14">
+            <a:extLst>
+              <a:ext uri="{FF2B5EF4-FFF2-40B4-BE49-F238E27FC236}">
+                <a16:creationId xmlns:a16="http://schemas.microsoft.com/office/drawing/2014/main" id="{3783CA14-24A1-485C-8B30-D6A5D87987AD}"/>
+              </a:ext>
+              <a:ext uri="{C183D7F6-B498-43B3-948B-1728B52AA6E4}">
+                <adec:decorative xmlns:adec="http://schemas.microsoft.com/office/drawing/2017/decorative" val="1"/>
+              </a:ext>
+            </a:extLst>
+          </p:cNvPr>
+          <p:cNvSpPr>
+            <a:spLocks noGrp="1" noRot="1" noChangeAspect="1" noMove="1" noResize="1" noEditPoints="1" noAdjustHandles="1" noChangeArrowheads="1" noChangeShapeType="1" noTextEdit="1"/>
+          </p:cNvSpPr>
+          <p:nvPr>
+            <p:extLst>
+              <p:ext uri="{386F3935-93C4-4BCD-93E2-E3B085C9AB24}">
+                <p16:designElem xmlns:p16="http://schemas.microsoft.com/office/powerpoint/2015/main" val="1"/>
+              </p:ext>
+            </p:extLst>
+          </p:nvPr>
+        </p:nvSpPr>
+        <p:spPr>
+          <a:xfrm rot="18900000" flipH="1">
+            <a:off x="10043482" y="655140"/>
+            <a:ext cx="687472" cy="687472"/>
+          </a:xfrm>
+          <a:prstGeom prst="rect">
+            <a:avLst/>
+          </a:prstGeom>
+          <a:solidFill>
+            <a:schemeClr val="accent4">
+              <a:alpha val="30000"/>
+            </a:schemeClr>
+          </a:solidFill>
+          <a:ln>
+            <a:noFill/>
+          </a:ln>
+        </p:spPr>
+        <p:style>
+          <a:lnRef idx="2">
+            <a:schemeClr val="accent1">
+              <a:shade val="50000"/>
+            </a:schemeClr>
+          </a:lnRef>
+          <a:fillRef idx="1">
+            <a:schemeClr val="accent1"/>
+          </a:fillRef>
+          <a:effectRef idx="0">
+            <a:schemeClr val="accent1"/>
+          </a:effectRef>
+          <a:fontRef idx="minor">
+            <a:schemeClr val="lt1"/>
+          </a:fontRef>
+        </p:style>
+        <p:txBody>
+          <a:bodyPr rtlCol="0" anchor="ctr"/>
+          <a:lstStyle/>
+          <a:p>
+            <a:pPr algn="ctr"/>
+            <a:endParaRPr lang="en-US"/>
+          </a:p>
+        </p:txBody>
+      </p:sp>
+      <p:sp>
+        <p:nvSpPr>
+          <p:cNvPr id="17" name="Freeform: Shape 16">
+            <a:extLst>
+              <a:ext uri="{FF2B5EF4-FFF2-40B4-BE49-F238E27FC236}">
+                <a16:creationId xmlns:a16="http://schemas.microsoft.com/office/drawing/2014/main" id="{9A97C86A-04D6-40F7-AE84-31AB43E6A846}"/>
+              </a:ext>
+              <a:ext uri="{C183D7F6-B498-43B3-948B-1728B52AA6E4}">
+                <adec:decorative xmlns:adec="http://schemas.microsoft.com/office/drawing/2017/decorative" val="1"/>
+              </a:ext>
+            </a:extLst>
+          </p:cNvPr>
+          <p:cNvSpPr>
+            <a:spLocks noGrp="1" noRot="1" noChangeAspect="1" noMove="1" noResize="1" noEditPoints="1" noAdjustHandles="1" noChangeArrowheads="1" noChangeShapeType="1" noTextEdit="1"/>
+          </p:cNvSpPr>
+          <p:nvPr>
+            <p:extLst>
+              <p:ext uri="{386F3935-93C4-4BCD-93E2-E3B085C9AB24}">
+                <p16:designElem xmlns:p16="http://schemas.microsoft.com/office/powerpoint/2015/main" val="1"/>
+              </p:ext>
+            </p:extLst>
+          </p:nvPr>
+        </p:nvSpPr>
+        <p:spPr>
+          <a:xfrm rot="10800000" flipH="1">
+            <a:off x="9356643" y="0"/>
+            <a:ext cx="2835357" cy="1480837"/>
+          </a:xfrm>
+          <a:custGeom>
+            <a:avLst/>
+            <a:gdLst>
+              <a:gd name="connsiteX0" fmla="*/ 2835357 w 2835357"/>
+              <a:gd name="connsiteY0" fmla="*/ 1480837 h 1480837"/>
+              <a:gd name="connsiteX1" fmla="*/ 0 w 2835357"/>
+              <a:gd name="connsiteY1" fmla="*/ 1480837 h 1480837"/>
+              <a:gd name="connsiteX2" fmla="*/ 1552727 w 2835357"/>
+              <a:gd name="connsiteY2" fmla="*/ 0 h 1480837"/>
+              <a:gd name="connsiteX3" fmla="*/ 2835357 w 2835357"/>
+              <a:gd name="connsiteY3" fmla="*/ 1223245 h 1480837"/>
+            </a:gdLst>
+            <a:ahLst/>
+            <a:cxnLst>
+              <a:cxn ang="0">
+                <a:pos x="connsiteX0" y="connsiteY0"/>
+              </a:cxn>
+              <a:cxn ang="0">
+                <a:pos x="connsiteX1" y="connsiteY1"/>
+              </a:cxn>
+              <a:cxn ang="0">
+                <a:pos x="connsiteX2" y="connsiteY2"/>
+              </a:cxn>
+              <a:cxn ang="0">
+                <a:pos x="connsiteX3" y="connsiteY3"/>
+              </a:cxn>
+            </a:cxnLst>
+            <a:rect l="l" t="t" r="r" b="b"/>
+            <a:pathLst>
+              <a:path w="2835357" h="1480837">
+                <a:moveTo>
+                  <a:pt x="2835357" y="1480837"/>
+                </a:moveTo>
+                <a:lnTo>
+                  <a:pt x="0" y="1480837"/>
+                </a:lnTo>
+                <a:lnTo>
+                  <a:pt x="1552727" y="0"/>
+                </a:lnTo>
+                <a:lnTo>
+                  <a:pt x="2835357" y="1223245"/>
+                </a:lnTo>
+                <a:close/>
+              </a:path>
+            </a:pathLst>
+          </a:custGeom>
+          <a:solidFill>
+            <a:schemeClr val="accent4">
+              <a:alpha val="30000"/>
+            </a:schemeClr>
+          </a:solidFill>
+          <a:ln>
+            <a:noFill/>
+          </a:ln>
+        </p:spPr>
+        <p:style>
+          <a:lnRef idx="2">
+            <a:schemeClr val="accent1">
+              <a:shade val="50000"/>
+            </a:schemeClr>
+          </a:lnRef>
+          <a:fillRef idx="1">
+            <a:schemeClr val="accent1"/>
+          </a:fillRef>
+          <a:effectRef idx="0">
+            <a:schemeClr val="accent1"/>
+          </a:effectRef>
+          <a:fontRef idx="minor">
+            <a:schemeClr val="lt1"/>
+          </a:fontRef>
+        </p:style>
+        <p:txBody>
+          <a:bodyPr wrap="square" rtlCol="0" anchor="ctr">
+            <a:noAutofit/>
+          </a:bodyPr>
+          <a:lstStyle/>
+          <a:p>
+            <a:pPr algn="ctr"/>
+            <a:endParaRPr lang="en-US" dirty="0"/>
+          </a:p>
+        </p:txBody>
+      </p:sp>
+      <p:sp>
+        <p:nvSpPr>
+          <p:cNvPr id="19" name="Isosceles Triangle 18">
+            <a:extLst>
+              <a:ext uri="{FF2B5EF4-FFF2-40B4-BE49-F238E27FC236}">
+                <a16:creationId xmlns:a16="http://schemas.microsoft.com/office/drawing/2014/main" id="{FF9F2414-84E8-453E-B1F3-389FDE8192D9}"/>
+              </a:ext>
+              <a:ext uri="{C183D7F6-B498-43B3-948B-1728B52AA6E4}">
+                <adec:decorative xmlns:adec="http://schemas.microsoft.com/office/drawing/2017/decorative" val="1"/>
+              </a:ext>
+            </a:extLst>
+          </p:cNvPr>
+          <p:cNvSpPr>
+            <a:spLocks noGrp="1" noRot="1" noChangeAspect="1" noMove="1" noResize="1" noEditPoints="1" noAdjustHandles="1" noChangeArrowheads="1" noChangeShapeType="1" noTextEdit="1"/>
+          </p:cNvSpPr>
+          <p:nvPr>
+            <p:extLst>
+              <p:ext uri="{386F3935-93C4-4BCD-93E2-E3B085C9AB24}">
+                <p16:designElem xmlns:p16="http://schemas.microsoft.com/office/powerpoint/2015/main" val="1"/>
+              </p:ext>
+            </p:extLst>
+          </p:nvPr>
+        </p:nvSpPr>
+        <p:spPr>
+          <a:xfrm flipH="1">
+            <a:off x="7976344" y="6115501"/>
+            <a:ext cx="1494513" cy="742499"/>
+          </a:xfrm>
+          <a:prstGeom prst="triangle">
+            <a:avLst/>
+          </a:prstGeom>
+          <a:solidFill>
+            <a:schemeClr val="accent1">
+              <a:alpha val="30000"/>
+            </a:schemeClr>
+          </a:solidFill>
+          <a:ln>
+            <a:noFill/>
+          </a:ln>
+        </p:spPr>
+        <p:style>
+          <a:lnRef idx="2">
+            <a:schemeClr val="accent1">
+              <a:shade val="50000"/>
+            </a:schemeClr>
+          </a:lnRef>
+          <a:fillRef idx="1">
+            <a:schemeClr val="accent1"/>
+          </a:fillRef>
+          <a:effectRef idx="0">
+            <a:schemeClr val="accent1"/>
+          </a:effectRef>
+          <a:fontRef idx="minor">
+            <a:schemeClr val="lt1"/>
+          </a:fontRef>
+        </p:style>
+        <p:txBody>
+          <a:bodyPr rtlCol="0" anchor="ctr"/>
+          <a:lstStyle/>
+          <a:p>
+            <a:pPr algn="ctr"/>
+            <a:endParaRPr lang="en-US"/>
+          </a:p>
+        </p:txBody>
+      </p:sp>
+      <p:sp>
+        <p:nvSpPr>
+          <p:cNvPr id="21" name="Isosceles Triangle 20">
+            <a:extLst>
+              <a:ext uri="{FF2B5EF4-FFF2-40B4-BE49-F238E27FC236}">
+                <a16:creationId xmlns:a16="http://schemas.microsoft.com/office/drawing/2014/main" id="{3ECA69A1-7536-43AC-85EF-C7106179F5ED}"/>
+              </a:ext>
+              <a:ext uri="{C183D7F6-B498-43B3-948B-1728B52AA6E4}">
+                <adec:decorative xmlns:adec="http://schemas.microsoft.com/office/drawing/2017/decorative" val="1"/>
+              </a:ext>
+            </a:extLst>
+          </p:cNvPr>
+          <p:cNvSpPr>
+            <a:spLocks noGrp="1" noRot="1" noChangeAspect="1" noMove="1" noResize="1" noEditPoints="1" noAdjustHandles="1" noChangeArrowheads="1" noChangeShapeType="1" noTextEdit="1"/>
+          </p:cNvSpPr>
+          <p:nvPr>
+            <p:extLst>
+              <p:ext uri="{386F3935-93C4-4BCD-93E2-E3B085C9AB24}">
+                <p16:designElem xmlns:p16="http://schemas.microsoft.com/office/powerpoint/2015/main" val="1"/>
+              </p:ext>
+            </p:extLst>
+          </p:nvPr>
+        </p:nvSpPr>
+        <p:spPr>
+          <a:xfrm flipH="1">
+            <a:off x="7604080" y="6453143"/>
+            <a:ext cx="814903" cy="404857"/>
+          </a:xfrm>
+          <a:prstGeom prst="triangle">
+            <a:avLst/>
+          </a:prstGeom>
+          <a:solidFill>
+            <a:schemeClr val="accent1">
+              <a:alpha val="30000"/>
+            </a:schemeClr>
+          </a:solidFill>
+          <a:ln>
+            <a:noFill/>
+          </a:ln>
+        </p:spPr>
+        <p:style>
+          <a:lnRef idx="2">
+            <a:schemeClr val="accent1">
+              <a:shade val="50000"/>
+            </a:schemeClr>
+          </a:lnRef>
+          <a:fillRef idx="1">
+            <a:schemeClr val="accent1"/>
+          </a:fillRef>
+          <a:effectRef idx="0">
+            <a:schemeClr val="accent1"/>
+          </a:effectRef>
+          <a:fontRef idx="minor">
+            <a:schemeClr val="lt1"/>
+          </a:fontRef>
+        </p:style>
+        <p:txBody>
+          <a:bodyPr rtlCol="0" anchor="ctr"/>
+          <a:lstStyle/>
+          <a:p>
+            <a:pPr algn="ctr"/>
+            <a:endParaRPr lang="en-US"/>
+          </a:p>
+        </p:txBody>
+      </p:sp>
+      <p:pic>
+        <p:nvPicPr>
+          <p:cNvPr id="5" name="Image 4">
+            <a:extLst>
+              <a:ext uri="{FF2B5EF4-FFF2-40B4-BE49-F238E27FC236}">
+                <a16:creationId xmlns:a16="http://schemas.microsoft.com/office/drawing/2014/main" id="{EF092AEB-75C3-495B-BC58-85829296EBA9}"/>
+              </a:ext>
+            </a:extLst>
+          </p:cNvPr>
+          <p:cNvPicPr>
+            <a:picLocks noChangeAspect="1"/>
+          </p:cNvPicPr>
+          <p:nvPr/>
+        </p:nvPicPr>
+        <p:blipFill>
+          <a:blip r:embed="rId2"/>
+          <a:stretch>
+            <a:fillRect/>
+          </a:stretch>
+        </p:blipFill>
+        <p:spPr>
+          <a:xfrm>
+            <a:off x="80962" y="842962"/>
+            <a:ext cx="12030075" cy="5172075"/>
+          </a:xfrm>
+          <a:prstGeom prst="rect">
+            <a:avLst/>
+          </a:prstGeom>
+        </p:spPr>
+      </p:pic>
+      <p:pic>
+        <p:nvPicPr>
+          <p:cNvPr id="7" name="Graphique 6" descr="Point d’interrogation">
+            <a:extLst>
+              <a:ext uri="{FF2B5EF4-FFF2-40B4-BE49-F238E27FC236}">
+                <a16:creationId xmlns:a16="http://schemas.microsoft.com/office/drawing/2014/main" id="{E459C03B-FAEA-4C53-A194-3B8CF5EE58FF}"/>
+              </a:ext>
+            </a:extLst>
+          </p:cNvPr>
+          <p:cNvPicPr>
+            <a:picLocks noChangeAspect="1"/>
+          </p:cNvPicPr>
+          <p:nvPr/>
+        </p:nvPicPr>
+        <p:blipFill>
+          <a:blip r:embed="rId3">
+            <a:extLst>
+              <a:ext uri="{28A0092B-C50C-407E-A947-70E740481C1C}">
+                <a14:useLocalDpi xmlns:a14="http://schemas.microsoft.com/office/drawing/2010/main" val="0"/>
+              </a:ext>
+              <a:ext uri="{96DAC541-7B7A-43D3-8B79-37D633B846F1}">
+                <asvg:svgBlip xmlns:asvg="http://schemas.microsoft.com/office/drawing/2016/SVG/main" r:embed="rId4"/>
+              </a:ext>
+            </a:extLst>
+          </a:blip>
+          <a:stretch>
+            <a:fillRect/>
+          </a:stretch>
+        </p:blipFill>
+        <p:spPr>
+          <a:xfrm rot="1337648">
+            <a:off x="950811" y="284553"/>
+            <a:ext cx="1868311" cy="1868311"/>
+          </a:xfrm>
+          <a:prstGeom prst="rect">
+            <a:avLst/>
+          </a:prstGeom>
+        </p:spPr>
+      </p:pic>
+      <p:pic>
+        <p:nvPicPr>
+          <p:cNvPr id="18" name="Graphique 17" descr="Point d’interrogation">
+            <a:extLst>
+              <a:ext uri="{FF2B5EF4-FFF2-40B4-BE49-F238E27FC236}">
+                <a16:creationId xmlns:a16="http://schemas.microsoft.com/office/drawing/2014/main" id="{28EBC677-DFCB-4EC4-A030-4E61633C5C0B}"/>
+              </a:ext>
+            </a:extLst>
+          </p:cNvPr>
+          <p:cNvPicPr>
+            <a:picLocks noChangeAspect="1"/>
+          </p:cNvPicPr>
+          <p:nvPr/>
+        </p:nvPicPr>
+        <p:blipFill>
+          <a:blip r:embed="rId3">
+            <a:extLst>
+              <a:ext uri="{28A0092B-C50C-407E-A947-70E740481C1C}">
+                <a14:useLocalDpi xmlns:a14="http://schemas.microsoft.com/office/drawing/2010/main" val="0"/>
+              </a:ext>
+              <a:ext uri="{96DAC541-7B7A-43D3-8B79-37D633B846F1}">
+                <asvg:svgBlip xmlns:asvg="http://schemas.microsoft.com/office/drawing/2016/SVG/main" r:embed="rId4"/>
+              </a:ext>
+            </a:extLst>
+          </a:blip>
+          <a:stretch>
+            <a:fillRect/>
+          </a:stretch>
+        </p:blipFill>
+        <p:spPr>
+          <a:xfrm rot="1337648">
+            <a:off x="1498878" y="2851896"/>
+            <a:ext cx="1868311" cy="1868311"/>
+          </a:xfrm>
+          <a:prstGeom prst="rect">
+            <a:avLst/>
+          </a:prstGeom>
+        </p:spPr>
+      </p:pic>
+      <p:pic>
+        <p:nvPicPr>
+          <p:cNvPr id="20" name="Graphique 19" descr="Point d’interrogation">
+            <a:extLst>
+              <a:ext uri="{FF2B5EF4-FFF2-40B4-BE49-F238E27FC236}">
+                <a16:creationId xmlns:a16="http://schemas.microsoft.com/office/drawing/2014/main" id="{E3C850D6-9B6A-4CED-9631-57C01560FE11}"/>
+              </a:ext>
+            </a:extLst>
+          </p:cNvPr>
+          <p:cNvPicPr>
+            <a:picLocks noChangeAspect="1"/>
+          </p:cNvPicPr>
+          <p:nvPr/>
+        </p:nvPicPr>
+        <p:blipFill>
+          <a:blip r:embed="rId3">
+            <a:extLst>
+              <a:ext uri="{28A0092B-C50C-407E-A947-70E740481C1C}">
+                <a14:useLocalDpi xmlns:a14="http://schemas.microsoft.com/office/drawing/2010/main" val="0"/>
+              </a:ext>
+              <a:ext uri="{96DAC541-7B7A-43D3-8B79-37D633B846F1}">
+                <asvg:svgBlip xmlns:asvg="http://schemas.microsoft.com/office/drawing/2016/SVG/main" r:embed="rId4"/>
+              </a:ext>
+            </a:extLst>
+          </a:blip>
+          <a:stretch>
+            <a:fillRect/>
+          </a:stretch>
+        </p:blipFill>
+        <p:spPr>
+          <a:xfrm rot="1337648">
+            <a:off x="4001779" y="1032767"/>
+            <a:ext cx="1868311" cy="1868311"/>
+          </a:xfrm>
+          <a:prstGeom prst="rect">
+            <a:avLst/>
+          </a:prstGeom>
+        </p:spPr>
+      </p:pic>
+      <p:pic>
+        <p:nvPicPr>
+          <p:cNvPr id="22" name="Graphique 21" descr="Point d’interrogation">
+            <a:extLst>
+              <a:ext uri="{FF2B5EF4-FFF2-40B4-BE49-F238E27FC236}">
+                <a16:creationId xmlns:a16="http://schemas.microsoft.com/office/drawing/2014/main" id="{10C71D5F-20F2-44AE-B9FC-67416CA6AAC7}"/>
+              </a:ext>
+            </a:extLst>
+          </p:cNvPr>
+          <p:cNvPicPr>
+            <a:picLocks noChangeAspect="1"/>
+          </p:cNvPicPr>
+          <p:nvPr/>
+        </p:nvPicPr>
+        <p:blipFill>
+          <a:blip r:embed="rId3">
+            <a:extLst>
+              <a:ext uri="{28A0092B-C50C-407E-A947-70E740481C1C}">
+                <a14:useLocalDpi xmlns:a14="http://schemas.microsoft.com/office/drawing/2010/main" val="0"/>
+              </a:ext>
+              <a:ext uri="{96DAC541-7B7A-43D3-8B79-37D633B846F1}">
+                <asvg:svgBlip xmlns:asvg="http://schemas.microsoft.com/office/drawing/2016/SVG/main" r:embed="rId4"/>
+              </a:ext>
+            </a:extLst>
+          </a:blip>
+          <a:stretch>
+            <a:fillRect/>
+          </a:stretch>
+        </p:blipFill>
+        <p:spPr>
+          <a:xfrm rot="1337648">
+            <a:off x="4418639" y="4141418"/>
+            <a:ext cx="1868311" cy="1868311"/>
+          </a:xfrm>
+          <a:prstGeom prst="rect">
+            <a:avLst/>
+          </a:prstGeom>
+        </p:spPr>
+      </p:pic>
+      <p:pic>
+        <p:nvPicPr>
+          <p:cNvPr id="23" name="Graphique 22" descr="Point d’interrogation">
+            <a:extLst>
+              <a:ext uri="{FF2B5EF4-FFF2-40B4-BE49-F238E27FC236}">
+                <a16:creationId xmlns:a16="http://schemas.microsoft.com/office/drawing/2014/main" id="{C4B5F02D-BA8C-43D3-8405-38467B148EF9}"/>
+              </a:ext>
+            </a:extLst>
+          </p:cNvPr>
+          <p:cNvPicPr>
+            <a:picLocks noChangeAspect="1"/>
+          </p:cNvPicPr>
+          <p:nvPr/>
+        </p:nvPicPr>
+        <p:blipFill>
+          <a:blip r:embed="rId3">
+            <a:extLst>
+              <a:ext uri="{28A0092B-C50C-407E-A947-70E740481C1C}">
+                <a14:useLocalDpi xmlns:a14="http://schemas.microsoft.com/office/drawing/2010/main" val="0"/>
+              </a:ext>
+              <a:ext uri="{96DAC541-7B7A-43D3-8B79-37D633B846F1}">
+                <asvg:svgBlip xmlns:asvg="http://schemas.microsoft.com/office/drawing/2016/SVG/main" r:embed="rId4"/>
+              </a:ext>
+            </a:extLst>
+          </a:blip>
+          <a:stretch>
+            <a:fillRect/>
+          </a:stretch>
+        </p:blipFill>
+        <p:spPr>
+          <a:xfrm rot="1337648">
+            <a:off x="7789444" y="414477"/>
+            <a:ext cx="1868311" cy="1868311"/>
+          </a:xfrm>
+          <a:prstGeom prst="rect">
+            <a:avLst/>
+          </a:prstGeom>
+        </p:spPr>
+      </p:pic>
+      <p:pic>
+        <p:nvPicPr>
+          <p:cNvPr id="24" name="Graphique 23" descr="Point d’interrogation">
+            <a:extLst>
+              <a:ext uri="{FF2B5EF4-FFF2-40B4-BE49-F238E27FC236}">
+                <a16:creationId xmlns:a16="http://schemas.microsoft.com/office/drawing/2014/main" id="{1566CB61-BF1A-4FC0-A5D7-C049474A3A9A}"/>
+              </a:ext>
+            </a:extLst>
+          </p:cNvPr>
+          <p:cNvPicPr>
+            <a:picLocks noChangeAspect="1"/>
+          </p:cNvPicPr>
+          <p:nvPr/>
+        </p:nvPicPr>
+        <p:blipFill>
+          <a:blip r:embed="rId3">
+            <a:extLst>
+              <a:ext uri="{28A0092B-C50C-407E-A947-70E740481C1C}">
+                <a14:useLocalDpi xmlns:a14="http://schemas.microsoft.com/office/drawing/2010/main" val="0"/>
+              </a:ext>
+              <a:ext uri="{96DAC541-7B7A-43D3-8B79-37D633B846F1}">
+                <asvg:svgBlip xmlns:asvg="http://schemas.microsoft.com/office/drawing/2016/SVG/main" r:embed="rId4"/>
+              </a:ext>
+            </a:extLst>
+          </a:blip>
+          <a:stretch>
+            <a:fillRect/>
+          </a:stretch>
+        </p:blipFill>
+        <p:spPr>
+          <a:xfrm rot="1337648">
+            <a:off x="8296084" y="3324067"/>
+            <a:ext cx="1868311" cy="1868311"/>
+          </a:xfrm>
+          <a:prstGeom prst="rect">
+            <a:avLst/>
+          </a:prstGeom>
+        </p:spPr>
+      </p:pic>
+    </p:spTree>
+    <p:extLst>
+      <p:ext uri="{BB962C8B-B14F-4D97-AF65-F5344CB8AC3E}">
+        <p14:creationId xmlns:p14="http://schemas.microsoft.com/office/powerpoint/2010/main" val="1850627681"/>
+      </p:ext>
+    </p:extLst>
+  </p:cSld>
+  <p:clrMapOvr>
+    <a:masterClrMapping/>
+  </p:clrMapOvr>
+  <p:timing>
+    <p:tnLst>
+      <p:par>
+        <p:cTn id="1" dur="indefinite" restart="never" nodeType="tmRoot">
+          <p:childTnLst>
+            <p:seq concurrent="1" nextAc="seek">
+              <p:cTn id="2" dur="indefinite" nodeType="mainSeq">
+                <p:childTnLst>
+                  <p:par>
+                    <p:cTn id="3" fill="hold">
+                      <p:stCondLst>
+                        <p:cond delay="indefinite"/>
+                      </p:stCondLst>
+                      <p:childTnLst>
+                        <p:par>
+                          <p:cTn id="4" fill="hold">
+                            <p:stCondLst>
+                              <p:cond delay="0"/>
+                            </p:stCondLst>
+                            <p:childTnLst>
+                              <p:par>
+                                <p:cTn id="5" presetID="1" presetClass="entr" presetSubtype="0" fill="hold" nodeType="clickEffect">
+                                  <p:stCondLst>
+                                    <p:cond delay="0"/>
+                                  </p:stCondLst>
+                                  <p:childTnLst>
+                                    <p:set>
+                                      <p:cBhvr>
+                                        <p:cTn id="6" dur="1" fill="hold">
+                                          <p:stCondLst>
+                                            <p:cond delay="0"/>
+                                          </p:stCondLst>
+                                        </p:cTn>
+                                        <p:tgtEl>
+                                          <p:spTgt spid="7"/>
+                                        </p:tgtEl>
+                                        <p:attrNameLst>
+                                          <p:attrName>style.visibility</p:attrName>
+                                        </p:attrNameLst>
+                                      </p:cBhvr>
+                                      <p:to>
+                                        <p:strVal val="visible"/>
+                                      </p:to>
+                                    </p:set>
+                                  </p:childTnLst>
+                                </p:cTn>
+                              </p:par>
+                            </p:childTnLst>
+                          </p:cTn>
+                        </p:par>
+                      </p:childTnLst>
+                    </p:cTn>
+                  </p:par>
+                  <p:par>
+                    <p:cTn id="7" fill="hold">
+                      <p:stCondLst>
+                        <p:cond delay="indefinite"/>
+                      </p:stCondLst>
+                      <p:childTnLst>
+                        <p:par>
+                          <p:cTn id="8" fill="hold">
+                            <p:stCondLst>
+                              <p:cond delay="0"/>
+                            </p:stCondLst>
+                            <p:childTnLst>
+                              <p:par>
+                                <p:cTn id="9" presetID="1" presetClass="entr" presetSubtype="0" fill="hold" nodeType="clickEffect">
+                                  <p:stCondLst>
+                                    <p:cond delay="0"/>
+                                  </p:stCondLst>
+                                  <p:childTnLst>
+                                    <p:set>
+                                      <p:cBhvr>
+                                        <p:cTn id="10" dur="1" fill="hold">
+                                          <p:stCondLst>
+                                            <p:cond delay="0"/>
+                                          </p:stCondLst>
+                                        </p:cTn>
+                                        <p:tgtEl>
+                                          <p:spTgt spid="18"/>
+                                        </p:tgtEl>
+                                        <p:attrNameLst>
+                                          <p:attrName>style.visibility</p:attrName>
+                                        </p:attrNameLst>
+                                      </p:cBhvr>
+                                      <p:to>
+                                        <p:strVal val="visible"/>
+                                      </p:to>
+                                    </p:set>
+                                  </p:childTnLst>
+                                </p:cTn>
+                              </p:par>
+                            </p:childTnLst>
+                          </p:cTn>
+                        </p:par>
+                      </p:childTnLst>
+                    </p:cTn>
+                  </p:par>
+                  <p:par>
+                    <p:cTn id="11" fill="hold">
+                      <p:stCondLst>
+                        <p:cond delay="indefinite"/>
+                      </p:stCondLst>
+                      <p:childTnLst>
+                        <p:par>
+                          <p:cTn id="12" fill="hold">
+                            <p:stCondLst>
+                              <p:cond delay="0"/>
+                            </p:stCondLst>
+                            <p:childTnLst>
+                              <p:par>
+                                <p:cTn id="13" presetID="1" presetClass="entr" presetSubtype="0" fill="hold" nodeType="clickEffect">
+                                  <p:stCondLst>
+                                    <p:cond delay="0"/>
+                                  </p:stCondLst>
+                                  <p:childTnLst>
+                                    <p:set>
+                                      <p:cBhvr>
+                                        <p:cTn id="14" dur="1" fill="hold">
+                                          <p:stCondLst>
+                                            <p:cond delay="0"/>
+                                          </p:stCondLst>
+                                        </p:cTn>
+                                        <p:tgtEl>
+                                          <p:spTgt spid="20"/>
+                                        </p:tgtEl>
+                                        <p:attrNameLst>
+                                          <p:attrName>style.visibility</p:attrName>
+                                        </p:attrNameLst>
+                                      </p:cBhvr>
+                                      <p:to>
+                                        <p:strVal val="visible"/>
+                                      </p:to>
+                                    </p:set>
+                                  </p:childTnLst>
+                                </p:cTn>
+                              </p:par>
+                            </p:childTnLst>
+                          </p:cTn>
+                        </p:par>
+                      </p:childTnLst>
+                    </p:cTn>
+                  </p:par>
+                  <p:par>
+                    <p:cTn id="15" fill="hold">
+                      <p:stCondLst>
+                        <p:cond delay="indefinite"/>
+                      </p:stCondLst>
+                      <p:childTnLst>
+                        <p:par>
+                          <p:cTn id="16" fill="hold">
+                            <p:stCondLst>
+                              <p:cond delay="0"/>
+                            </p:stCondLst>
+                            <p:childTnLst>
+                              <p:par>
+                                <p:cTn id="17" presetID="1" presetClass="entr" presetSubtype="0" fill="hold" nodeType="clickEffect">
+                                  <p:stCondLst>
+                                    <p:cond delay="0"/>
+                                  </p:stCondLst>
+                                  <p:childTnLst>
+                                    <p:set>
+                                      <p:cBhvr>
+                                        <p:cTn id="18" dur="1" fill="hold">
+                                          <p:stCondLst>
+                                            <p:cond delay="0"/>
+                                          </p:stCondLst>
+                                        </p:cTn>
+                                        <p:tgtEl>
+                                          <p:spTgt spid="22"/>
+                                        </p:tgtEl>
+                                        <p:attrNameLst>
+                                          <p:attrName>style.visibility</p:attrName>
+                                        </p:attrNameLst>
+                                      </p:cBhvr>
+                                      <p:to>
+                                        <p:strVal val="visible"/>
+                                      </p:to>
+                                    </p:set>
+                                  </p:childTnLst>
+                                </p:cTn>
+                              </p:par>
+                            </p:childTnLst>
+                          </p:cTn>
+                        </p:par>
+                      </p:childTnLst>
+                    </p:cTn>
+                  </p:par>
+                  <p:par>
+                    <p:cTn id="19" fill="hold">
+                      <p:stCondLst>
+                        <p:cond delay="indefinite"/>
+                      </p:stCondLst>
+                      <p:childTnLst>
+                        <p:par>
+                          <p:cTn id="20" fill="hold">
+                            <p:stCondLst>
+                              <p:cond delay="0"/>
+                            </p:stCondLst>
+                            <p:childTnLst>
+                              <p:par>
+                                <p:cTn id="21" presetID="1" presetClass="entr" presetSubtype="0" fill="hold" nodeType="clickEffect">
+                                  <p:stCondLst>
+                                    <p:cond delay="0"/>
+                                  </p:stCondLst>
+                                  <p:childTnLst>
+                                    <p:set>
+                                      <p:cBhvr>
+                                        <p:cTn id="22" dur="1" fill="hold">
+                                          <p:stCondLst>
+                                            <p:cond delay="0"/>
+                                          </p:stCondLst>
+                                        </p:cTn>
+                                        <p:tgtEl>
+                                          <p:spTgt spid="23"/>
+                                        </p:tgtEl>
+                                        <p:attrNameLst>
+                                          <p:attrName>style.visibility</p:attrName>
+                                        </p:attrNameLst>
+                                      </p:cBhvr>
+                                      <p:to>
+                                        <p:strVal val="visible"/>
+                                      </p:to>
+                                    </p:set>
+                                  </p:childTnLst>
+                                </p:cTn>
+                              </p:par>
+                            </p:childTnLst>
+                          </p:cTn>
+                        </p:par>
+                      </p:childTnLst>
+                    </p:cTn>
+                  </p:par>
+                  <p:par>
+                    <p:cTn id="23" fill="hold">
+                      <p:stCondLst>
+                        <p:cond delay="indefinite"/>
+                      </p:stCondLst>
+                      <p:childTnLst>
+                        <p:par>
+                          <p:cTn id="24" fill="hold">
+                            <p:stCondLst>
+                              <p:cond delay="0"/>
+                            </p:stCondLst>
+                            <p:childTnLst>
+                              <p:par>
+                                <p:cTn id="25" presetID="1" presetClass="entr" presetSubtype="0" fill="hold" nodeType="clickEffect">
+                                  <p:stCondLst>
+                                    <p:cond delay="0"/>
+                                  </p:stCondLst>
+                                  <p:childTnLst>
+                                    <p:set>
+                                      <p:cBhvr>
+                                        <p:cTn id="26" dur="1" fill="hold">
+                                          <p:stCondLst>
+                                            <p:cond delay="0"/>
+                                          </p:stCondLst>
+                                        </p:cTn>
+                                        <p:tgtEl>
+                                          <p:spTgt spid="24"/>
+                                        </p:tgtEl>
+                                        <p:attrNameLst>
+                                          <p:attrName>style.visibility</p:attrName>
+                                        </p:attrNameLst>
+                                      </p:cBhvr>
+                                      <p:to>
+                                        <p:strVal val="visible"/>
+                                      </p:to>
+                                    </p:set>
+                                  </p:childTnLst>
+                                </p:cTn>
+                              </p:par>
+                            </p:childTnLst>
+                          </p:cTn>
+                        </p:par>
+                      </p:childTnLst>
+                    </p:cTn>
+                  </p:par>
+                </p:childTnLst>
+              </p:cTn>
+              <p:prevCondLst>
+                <p:cond evt="onPrev" delay="0">
+                  <p:tgtEl>
+                    <p:sldTgt/>
+                  </p:tgtEl>
+                </p:cond>
+              </p:prevCondLst>
+              <p:nextCondLst>
+                <p:cond evt="onNext" delay="0">
+                  <p:tgtEl>
+                    <p:sldTgt/>
+                  </p:tgtEl>
+                </p:cond>
+              </p:nextCondLst>
+            </p:seq>
+          </p:childTnLst>
+        </p:cTn>
+      </p:par>
+    </p:tnLst>
+  </p:timing>
+</p:sld>
+</file>
+
+<file path=ppt/slides/slide7.xml><?xml version="1.0" encoding="utf-8"?>
+<p:sld xmlns:a="http://schemas.openxmlformats.org/drawingml/2006/main" xmlns:r="http://schemas.openxmlformats.org/officeDocument/2006/relationships" xmlns:p="http://schemas.openxmlformats.org/presentationml/2006/main">
+  <p:cSld>
+    <p:bg>
+      <p:bgPr>
+        <a:solidFill>
+          <a:schemeClr val="bg1"/>
+        </a:solidFill>
+        <a:effectLst/>
+      </p:bgPr>
+    </p:bg>
+    <p:spTree>
+      <p:nvGrpSpPr>
+        <p:cNvPr id="1" name=""/>
+        <p:cNvGrpSpPr/>
+        <p:nvPr/>
+      </p:nvGrpSpPr>
+      <p:grpSpPr>
+        <a:xfrm>
+          <a:off x="0" y="0"/>
+          <a:ext cx="0" cy="0"/>
+          <a:chOff x="0" y="0"/>
+          <a:chExt cx="0" cy="0"/>
+        </a:xfrm>
+      </p:grpSpPr>
+      <p:sp>
+        <p:nvSpPr>
+          <p:cNvPr id="12" name="Rectangle 11">
+            <a:extLst>
+              <a:ext uri="{FF2B5EF4-FFF2-40B4-BE49-F238E27FC236}">
+                <a16:creationId xmlns:a16="http://schemas.microsoft.com/office/drawing/2014/main" id="{F3060C83-F051-4F0E-ABAD-AA0DFC48B218}"/>
+              </a:ext>
+              <a:ext uri="{C183D7F6-B498-43B3-948B-1728B52AA6E4}">
+                <adec:decorative xmlns:adec="http://schemas.microsoft.com/office/drawing/2017/decorative" val="1"/>
+              </a:ext>
+            </a:extLst>
+          </p:cNvPr>
+          <p:cNvSpPr>
+            <a:spLocks noGrp="1" noRot="1" noChangeAspect="1" noMove="1" noResize="1" noEditPoints="1" noAdjustHandles="1" noChangeArrowheads="1" noChangeShapeType="1" noTextEdit="1"/>
+          </p:cNvSpPr>
+          <p:nvPr>
+            <p:extLst>
+              <p:ext uri="{386F3935-93C4-4BCD-93E2-E3B085C9AB24}">
+                <p16:designElem xmlns:p16="http://schemas.microsoft.com/office/powerpoint/2015/main" val="1"/>
+              </p:ext>
+            </p:extLst>
+          </p:nvPr>
+        </p:nvSpPr>
+        <p:spPr>
+          <a:xfrm>
+            <a:off x="0" y="0"/>
+            <a:ext cx="12192000" cy="6858000"/>
+          </a:xfrm>
+          <a:prstGeom prst="rect">
+            <a:avLst/>
+          </a:prstGeom>
+          <a:solidFill>
+            <a:schemeClr val="bg1"/>
+          </a:solidFill>
+          <a:ln>
+            <a:noFill/>
+          </a:ln>
+        </p:spPr>
+        <p:style>
+          <a:lnRef idx="2">
+            <a:schemeClr val="accent1">
+              <a:shade val="50000"/>
+            </a:schemeClr>
+          </a:lnRef>
+          <a:fillRef idx="1">
+            <a:schemeClr val="accent1"/>
+          </a:fillRef>
+          <a:effectRef idx="0">
+            <a:schemeClr val="accent1"/>
+          </a:effectRef>
+          <a:fontRef idx="minor">
+            <a:schemeClr val="lt1"/>
+          </a:fontRef>
+        </p:style>
+        <p:txBody>
+          <a:bodyPr rtlCol="0" anchor="ctr"/>
+          <a:lstStyle/>
+          <a:p>
+            <a:pPr algn="ctr"/>
+            <a:endParaRPr lang="en-US" dirty="0"/>
+          </a:p>
+        </p:txBody>
+      </p:sp>
+      <p:sp>
+        <p:nvSpPr>
+          <p:cNvPr id="14" name="Freeform: Shape 13">
+            <a:extLst>
+              <a:ext uri="{FF2B5EF4-FFF2-40B4-BE49-F238E27FC236}">
+                <a16:creationId xmlns:a16="http://schemas.microsoft.com/office/drawing/2014/main" id="{83C98ABE-055B-441F-B07E-44F97F083C39}"/>
+              </a:ext>
+              <a:ext uri="{C183D7F6-B498-43B3-948B-1728B52AA6E4}">
+                <adec:decorative xmlns:adec="http://schemas.microsoft.com/office/drawing/2017/decorative" val="1"/>
+              </a:ext>
+            </a:extLst>
+          </p:cNvPr>
+          <p:cNvSpPr>
+            <a:spLocks noGrp="1" noRot="1" noChangeAspect="1" noMove="1" noResize="1" noEditPoints="1" noAdjustHandles="1" noChangeArrowheads="1" noChangeShapeType="1" noTextEdit="1"/>
+          </p:cNvSpPr>
+          <p:nvPr>
+            <p:extLst>
+              <p:ext uri="{386F3935-93C4-4BCD-93E2-E3B085C9AB24}">
+                <p16:designElem xmlns:p16="http://schemas.microsoft.com/office/powerpoint/2015/main" val="1"/>
+              </p:ext>
+            </p:extLst>
+          </p:nvPr>
+        </p:nvSpPr>
+        <p:spPr>
+          <a:xfrm rot="18900000" flipH="1">
+            <a:off x="-376156" y="-253670"/>
+            <a:ext cx="1827638" cy="1376989"/>
+          </a:xfrm>
+          <a:custGeom>
+            <a:avLst/>
+            <a:gdLst>
+              <a:gd name="connsiteX0" fmla="*/ 0 w 1827638"/>
+              <a:gd name="connsiteY0" fmla="*/ 987379 h 1376989"/>
+              <a:gd name="connsiteX1" fmla="*/ 987379 w 1827638"/>
+              <a:gd name="connsiteY1" fmla="*/ 0 h 1376989"/>
+              <a:gd name="connsiteX2" fmla="*/ 1827638 w 1827638"/>
+              <a:gd name="connsiteY2" fmla="*/ 840260 h 1376989"/>
+              <a:gd name="connsiteX3" fmla="*/ 1827638 w 1827638"/>
+              <a:gd name="connsiteY3" fmla="*/ 1376989 h 1376989"/>
+              <a:gd name="connsiteX4" fmla="*/ 0 w 1827638"/>
+              <a:gd name="connsiteY4" fmla="*/ 1376989 h 1376989"/>
+            </a:gdLst>
+            <a:ahLst/>
+            <a:cxnLst>
+              <a:cxn ang="0">
+                <a:pos x="connsiteX0" y="connsiteY0"/>
+              </a:cxn>
+              <a:cxn ang="0">
+                <a:pos x="connsiteX1" y="connsiteY1"/>
+              </a:cxn>
+              <a:cxn ang="0">
+                <a:pos x="connsiteX2" y="connsiteY2"/>
+              </a:cxn>
+              <a:cxn ang="0">
+                <a:pos x="connsiteX3" y="connsiteY3"/>
+              </a:cxn>
+              <a:cxn ang="0">
+                <a:pos x="connsiteX4" y="connsiteY4"/>
+              </a:cxn>
+            </a:cxnLst>
+            <a:rect l="l" t="t" r="r" b="b"/>
+            <a:pathLst>
+              <a:path w="1827638" h="1376989">
+                <a:moveTo>
+                  <a:pt x="0" y="987379"/>
+                </a:moveTo>
+                <a:lnTo>
+                  <a:pt x="987379" y="0"/>
+                </a:lnTo>
+                <a:lnTo>
+                  <a:pt x="1827638" y="840260"/>
+                </a:lnTo>
+                <a:lnTo>
+                  <a:pt x="1827638" y="1376989"/>
+                </a:lnTo>
+                <a:lnTo>
+                  <a:pt x="0" y="1376989"/>
+                </a:lnTo>
+                <a:close/>
+              </a:path>
+            </a:pathLst>
+          </a:custGeom>
+          <a:solidFill>
+            <a:schemeClr val="accent1">
+              <a:alpha val="30000"/>
+            </a:schemeClr>
+          </a:solidFill>
+          <a:ln>
+            <a:noFill/>
+          </a:ln>
+        </p:spPr>
+        <p:style>
+          <a:lnRef idx="2">
+            <a:schemeClr val="accent1">
+              <a:shade val="50000"/>
+            </a:schemeClr>
+          </a:lnRef>
+          <a:fillRef idx="1">
+            <a:schemeClr val="accent1"/>
+          </a:fillRef>
+          <a:effectRef idx="0">
+            <a:schemeClr val="accent1"/>
+          </a:effectRef>
+          <a:fontRef idx="minor">
+            <a:schemeClr val="lt1"/>
+          </a:fontRef>
+        </p:style>
+        <p:txBody>
+          <a:bodyPr rtlCol="0" anchor="ctr"/>
+          <a:lstStyle/>
+          <a:p>
+            <a:pPr algn="ctr"/>
+            <a:endParaRPr lang="en-US" dirty="0"/>
+          </a:p>
+        </p:txBody>
+      </p:sp>
+      <p:sp>
+        <p:nvSpPr>
+          <p:cNvPr id="16" name="Rectangle 15">
+            <a:extLst>
+              <a:ext uri="{FF2B5EF4-FFF2-40B4-BE49-F238E27FC236}">
+                <a16:creationId xmlns:a16="http://schemas.microsoft.com/office/drawing/2014/main" id="{29FDB030-9B49-4CED-8CCD-4D99382388AC}"/>
+              </a:ext>
+              <a:ext uri="{C183D7F6-B498-43B3-948B-1728B52AA6E4}">
+                <adec:decorative xmlns:adec="http://schemas.microsoft.com/office/drawing/2017/decorative" val="1"/>
+              </a:ext>
+            </a:extLst>
+          </p:cNvPr>
+          <p:cNvSpPr>
+            <a:spLocks noGrp="1" noRot="1" noChangeAspect="1" noMove="1" noResize="1" noEditPoints="1" noAdjustHandles="1" noChangeArrowheads="1" noChangeShapeType="1" noTextEdit="1"/>
+          </p:cNvSpPr>
+          <p:nvPr>
+            <p:extLst>
+              <p:ext uri="{386F3935-93C4-4BCD-93E2-E3B085C9AB24}">
+                <p16:designElem xmlns:p16="http://schemas.microsoft.com/office/powerpoint/2015/main" val="1"/>
+              </p:ext>
+            </p:extLst>
+          </p:nvPr>
+        </p:nvSpPr>
+        <p:spPr>
+          <a:xfrm rot="18900000" flipH="1">
+            <a:off x="891641" y="422146"/>
+            <a:ext cx="645368" cy="645368"/>
+          </a:xfrm>
+          <a:prstGeom prst="rect">
+            <a:avLst/>
+          </a:prstGeom>
+          <a:solidFill>
+            <a:schemeClr val="accent1">
+              <a:alpha val="30000"/>
+            </a:schemeClr>
+          </a:solidFill>
+          <a:ln>
+            <a:noFill/>
+          </a:ln>
+        </p:spPr>
+        <p:style>
+          <a:lnRef idx="2">
+            <a:schemeClr val="accent1">
+              <a:shade val="50000"/>
+            </a:schemeClr>
+          </a:lnRef>
+          <a:fillRef idx="1">
+            <a:schemeClr val="accent1"/>
+          </a:fillRef>
+          <a:effectRef idx="0">
+            <a:schemeClr val="accent1"/>
+          </a:effectRef>
+          <a:fontRef idx="minor">
+            <a:schemeClr val="lt1"/>
+          </a:fontRef>
+        </p:style>
+        <p:txBody>
+          <a:bodyPr rtlCol="0" anchor="ctr"/>
+          <a:lstStyle/>
+          <a:p>
+            <a:pPr algn="ctr"/>
+            <a:endParaRPr lang="en-US"/>
+          </a:p>
+        </p:txBody>
+      </p:sp>
+      <p:sp>
+        <p:nvSpPr>
+          <p:cNvPr id="18" name="Rectangle 17">
+            <a:extLst>
+              <a:ext uri="{FF2B5EF4-FFF2-40B4-BE49-F238E27FC236}">
+                <a16:creationId xmlns:a16="http://schemas.microsoft.com/office/drawing/2014/main" id="{3783CA14-24A1-485C-8B30-D6A5D87987AD}"/>
+              </a:ext>
+              <a:ext uri="{C183D7F6-B498-43B3-948B-1728B52AA6E4}">
+                <adec:decorative xmlns:adec="http://schemas.microsoft.com/office/drawing/2017/decorative" val="1"/>
+              </a:ext>
+            </a:extLst>
+          </p:cNvPr>
+          <p:cNvSpPr>
+            <a:spLocks noGrp="1" noRot="1" noChangeAspect="1" noMove="1" noResize="1" noEditPoints="1" noAdjustHandles="1" noChangeArrowheads="1" noChangeShapeType="1" noTextEdit="1"/>
+          </p:cNvSpPr>
+          <p:nvPr>
+            <p:extLst>
+              <p:ext uri="{386F3935-93C4-4BCD-93E2-E3B085C9AB24}">
+                <p16:designElem xmlns:p16="http://schemas.microsoft.com/office/powerpoint/2015/main" val="1"/>
+              </p:ext>
+            </p:extLst>
+          </p:nvPr>
+        </p:nvSpPr>
+        <p:spPr>
+          <a:xfrm rot="18900000" flipH="1">
+            <a:off x="10043482" y="655140"/>
+            <a:ext cx="687472" cy="687472"/>
+          </a:xfrm>
+          <a:prstGeom prst="rect">
+            <a:avLst/>
+          </a:prstGeom>
+          <a:solidFill>
+            <a:schemeClr val="accent4">
+              <a:alpha val="30000"/>
+            </a:schemeClr>
+          </a:solidFill>
+          <a:ln>
+            <a:noFill/>
+          </a:ln>
+        </p:spPr>
+        <p:style>
+          <a:lnRef idx="2">
+            <a:schemeClr val="accent1">
+              <a:shade val="50000"/>
+            </a:schemeClr>
+          </a:lnRef>
+          <a:fillRef idx="1">
+            <a:schemeClr val="accent1"/>
+          </a:fillRef>
+          <a:effectRef idx="0">
+            <a:schemeClr val="accent1"/>
+          </a:effectRef>
+          <a:fontRef idx="minor">
+            <a:schemeClr val="lt1"/>
+          </a:fontRef>
+        </p:style>
+        <p:txBody>
+          <a:bodyPr rtlCol="0" anchor="ctr"/>
+          <a:lstStyle/>
+          <a:p>
+            <a:pPr algn="ctr"/>
+            <a:endParaRPr lang="en-US"/>
+          </a:p>
+        </p:txBody>
+      </p:sp>
+      <p:sp>
+        <p:nvSpPr>
+          <p:cNvPr id="20" name="Freeform: Shape 19">
+            <a:extLst>
+              <a:ext uri="{FF2B5EF4-FFF2-40B4-BE49-F238E27FC236}">
+                <a16:creationId xmlns:a16="http://schemas.microsoft.com/office/drawing/2014/main" id="{9A97C86A-04D6-40F7-AE84-31AB43E6A846}"/>
+              </a:ext>
+              <a:ext uri="{C183D7F6-B498-43B3-948B-1728B52AA6E4}">
+                <adec:decorative xmlns:adec="http://schemas.microsoft.com/office/drawing/2017/decorative" val="1"/>
+              </a:ext>
+            </a:extLst>
+          </p:cNvPr>
+          <p:cNvSpPr>
+            <a:spLocks noGrp="1" noRot="1" noChangeAspect="1" noMove="1" noResize="1" noEditPoints="1" noAdjustHandles="1" noChangeArrowheads="1" noChangeShapeType="1" noTextEdit="1"/>
+          </p:cNvSpPr>
+          <p:nvPr>
+            <p:extLst>
+              <p:ext uri="{386F3935-93C4-4BCD-93E2-E3B085C9AB24}">
+                <p16:designElem xmlns:p16="http://schemas.microsoft.com/office/powerpoint/2015/main" val="1"/>
+              </p:ext>
+            </p:extLst>
+          </p:nvPr>
+        </p:nvSpPr>
+        <p:spPr>
+          <a:xfrm rot="10800000" flipH="1">
+            <a:off x="9356643" y="0"/>
+            <a:ext cx="2835357" cy="1480837"/>
+          </a:xfrm>
+          <a:custGeom>
+            <a:avLst/>
+            <a:gdLst>
+              <a:gd name="connsiteX0" fmla="*/ 2835357 w 2835357"/>
+              <a:gd name="connsiteY0" fmla="*/ 1480837 h 1480837"/>
+              <a:gd name="connsiteX1" fmla="*/ 0 w 2835357"/>
+              <a:gd name="connsiteY1" fmla="*/ 1480837 h 1480837"/>
+              <a:gd name="connsiteX2" fmla="*/ 1552727 w 2835357"/>
+              <a:gd name="connsiteY2" fmla="*/ 0 h 1480837"/>
+              <a:gd name="connsiteX3" fmla="*/ 2835357 w 2835357"/>
+              <a:gd name="connsiteY3" fmla="*/ 1223245 h 1480837"/>
+            </a:gdLst>
+            <a:ahLst/>
+            <a:cxnLst>
+              <a:cxn ang="0">
+                <a:pos x="connsiteX0" y="connsiteY0"/>
+              </a:cxn>
+              <a:cxn ang="0">
+                <a:pos x="connsiteX1" y="connsiteY1"/>
+              </a:cxn>
+              <a:cxn ang="0">
+                <a:pos x="connsiteX2" y="connsiteY2"/>
+              </a:cxn>
+              <a:cxn ang="0">
+                <a:pos x="connsiteX3" y="connsiteY3"/>
+              </a:cxn>
+            </a:cxnLst>
+            <a:rect l="l" t="t" r="r" b="b"/>
+            <a:pathLst>
+              <a:path w="2835357" h="1480837">
+                <a:moveTo>
+                  <a:pt x="2835357" y="1480837"/>
+                </a:moveTo>
+                <a:lnTo>
+                  <a:pt x="0" y="1480837"/>
+                </a:lnTo>
+                <a:lnTo>
+                  <a:pt x="1552727" y="0"/>
+                </a:lnTo>
+                <a:lnTo>
+                  <a:pt x="2835357" y="1223245"/>
+                </a:lnTo>
+                <a:close/>
+              </a:path>
+            </a:pathLst>
+          </a:custGeom>
+          <a:solidFill>
+            <a:schemeClr val="accent4">
+              <a:alpha val="30000"/>
+            </a:schemeClr>
+          </a:solidFill>
+          <a:ln>
+            <a:noFill/>
+          </a:ln>
+        </p:spPr>
+        <p:style>
+          <a:lnRef idx="2">
+            <a:schemeClr val="accent1">
+              <a:shade val="50000"/>
+            </a:schemeClr>
+          </a:lnRef>
+          <a:fillRef idx="1">
+            <a:schemeClr val="accent1"/>
+          </a:fillRef>
+          <a:effectRef idx="0">
+            <a:schemeClr val="accent1"/>
+          </a:effectRef>
+          <a:fontRef idx="minor">
+            <a:schemeClr val="lt1"/>
+          </a:fontRef>
+        </p:style>
+        <p:txBody>
+          <a:bodyPr wrap="square" rtlCol="0" anchor="ctr">
+            <a:noAutofit/>
+          </a:bodyPr>
+          <a:lstStyle/>
+          <a:p>
+            <a:pPr algn="ctr"/>
+            <a:endParaRPr lang="en-US" dirty="0"/>
+          </a:p>
+        </p:txBody>
+      </p:sp>
+      <p:sp>
+        <p:nvSpPr>
+          <p:cNvPr id="22" name="Isosceles Triangle 21">
+            <a:extLst>
+              <a:ext uri="{FF2B5EF4-FFF2-40B4-BE49-F238E27FC236}">
+                <a16:creationId xmlns:a16="http://schemas.microsoft.com/office/drawing/2014/main" id="{FF9F2414-84E8-453E-B1F3-389FDE8192D9}"/>
+              </a:ext>
+              <a:ext uri="{C183D7F6-B498-43B3-948B-1728B52AA6E4}">
+                <adec:decorative xmlns:adec="http://schemas.microsoft.com/office/drawing/2017/decorative" val="1"/>
+              </a:ext>
+            </a:extLst>
+          </p:cNvPr>
+          <p:cNvSpPr>
+            <a:spLocks noGrp="1" noRot="1" noChangeAspect="1" noMove="1" noResize="1" noEditPoints="1" noAdjustHandles="1" noChangeArrowheads="1" noChangeShapeType="1" noTextEdit="1"/>
+          </p:cNvSpPr>
+          <p:nvPr>
+            <p:extLst>
+              <p:ext uri="{386F3935-93C4-4BCD-93E2-E3B085C9AB24}">
+                <p16:designElem xmlns:p16="http://schemas.microsoft.com/office/powerpoint/2015/main" val="1"/>
+              </p:ext>
+            </p:extLst>
+          </p:nvPr>
+        </p:nvSpPr>
+        <p:spPr>
+          <a:xfrm flipH="1">
+            <a:off x="7976344" y="6115501"/>
+            <a:ext cx="1494513" cy="742499"/>
+          </a:xfrm>
+          <a:prstGeom prst="triangle">
+            <a:avLst/>
+          </a:prstGeom>
+          <a:solidFill>
+            <a:schemeClr val="accent1">
+              <a:alpha val="30000"/>
+            </a:schemeClr>
+          </a:solidFill>
+          <a:ln>
+            <a:noFill/>
+          </a:ln>
+        </p:spPr>
+        <p:style>
+          <a:lnRef idx="2">
+            <a:schemeClr val="accent1">
+              <a:shade val="50000"/>
+            </a:schemeClr>
+          </a:lnRef>
+          <a:fillRef idx="1">
+            <a:schemeClr val="accent1"/>
+          </a:fillRef>
+          <a:effectRef idx="0">
+            <a:schemeClr val="accent1"/>
+          </a:effectRef>
+          <a:fontRef idx="minor">
+            <a:schemeClr val="lt1"/>
+          </a:fontRef>
+        </p:style>
+        <p:txBody>
+          <a:bodyPr rtlCol="0" anchor="ctr"/>
+          <a:lstStyle/>
+          <a:p>
+            <a:pPr algn="ctr"/>
+            <a:endParaRPr lang="en-US"/>
+          </a:p>
+        </p:txBody>
+      </p:sp>
+      <p:sp>
+        <p:nvSpPr>
+          <p:cNvPr id="24" name="Isosceles Triangle 23">
+            <a:extLst>
+              <a:ext uri="{FF2B5EF4-FFF2-40B4-BE49-F238E27FC236}">
+                <a16:creationId xmlns:a16="http://schemas.microsoft.com/office/drawing/2014/main" id="{3ECA69A1-7536-43AC-85EF-C7106179F5ED}"/>
+              </a:ext>
+              <a:ext uri="{C183D7F6-B498-43B3-948B-1728B52AA6E4}">
+                <adec:decorative xmlns:adec="http://schemas.microsoft.com/office/drawing/2017/decorative" val="1"/>
+              </a:ext>
+            </a:extLst>
+          </p:cNvPr>
+          <p:cNvSpPr>
+            <a:spLocks noGrp="1" noRot="1" noChangeAspect="1" noMove="1" noResize="1" noEditPoints="1" noAdjustHandles="1" noChangeArrowheads="1" noChangeShapeType="1" noTextEdit="1"/>
+          </p:cNvSpPr>
+          <p:nvPr>
+            <p:extLst>
+              <p:ext uri="{386F3935-93C4-4BCD-93E2-E3B085C9AB24}">
+                <p16:designElem xmlns:p16="http://schemas.microsoft.com/office/powerpoint/2015/main" val="1"/>
+              </p:ext>
+            </p:extLst>
+          </p:nvPr>
+        </p:nvSpPr>
+        <p:spPr>
+          <a:xfrm flipH="1">
+            <a:off x="7604080" y="6453143"/>
+            <a:ext cx="814903" cy="404857"/>
+          </a:xfrm>
+          <a:prstGeom prst="triangle">
+            <a:avLst/>
+          </a:prstGeom>
+          <a:solidFill>
+            <a:schemeClr val="accent1">
+              <a:alpha val="30000"/>
+            </a:schemeClr>
+          </a:solidFill>
+          <a:ln>
+            <a:noFill/>
+          </a:ln>
+        </p:spPr>
+        <p:style>
+          <a:lnRef idx="2">
+            <a:schemeClr val="accent1">
+              <a:shade val="50000"/>
+            </a:schemeClr>
+          </a:lnRef>
+          <a:fillRef idx="1">
+            <a:schemeClr val="accent1"/>
+          </a:fillRef>
+          <a:effectRef idx="0">
+            <a:schemeClr val="accent1"/>
+          </a:effectRef>
+          <a:fontRef idx="minor">
+            <a:schemeClr val="lt1"/>
+          </a:fontRef>
+        </p:style>
+        <p:txBody>
+          <a:bodyPr rtlCol="0" anchor="ctr"/>
+          <a:lstStyle/>
+          <a:p>
+            <a:pPr algn="ctr"/>
+            <a:endParaRPr lang="en-US"/>
+          </a:p>
+        </p:txBody>
+      </p:sp>
+      <p:sp>
+        <p:nvSpPr>
+          <p:cNvPr id="8" name="ZoneTexte 7">
+            <a:extLst>
+              <a:ext uri="{FF2B5EF4-FFF2-40B4-BE49-F238E27FC236}">
+                <a16:creationId xmlns:a16="http://schemas.microsoft.com/office/drawing/2014/main" id="{96FDD16A-0724-4B66-BFCD-D0BA1B113F4A}"/>
+              </a:ext>
+            </a:extLst>
+          </p:cNvPr>
+          <p:cNvSpPr txBox="1"/>
+          <p:nvPr/>
+        </p:nvSpPr>
+        <p:spPr>
+          <a:xfrm>
+            <a:off x="5086301" y="2773366"/>
+            <a:ext cx="4270342" cy="769441"/>
+          </a:xfrm>
+          <a:prstGeom prst="rect">
+            <a:avLst/>
+          </a:prstGeom>
+          <a:noFill/>
+        </p:spPr>
+        <p:txBody>
+          <a:bodyPr wrap="square" rtlCol="0">
+            <a:spAutoFit/>
+          </a:bodyPr>
+          <a:lstStyle/>
+          <a:p>
+            <a:r>
+              <a:rPr lang="fr-CH" sz="4400" b="1" dirty="0" err="1"/>
+              <a:t>Demo</a:t>
+            </a:r>
+            <a:endParaRPr lang="fr-CH" sz="4400" b="1" dirty="0"/>
+          </a:p>
+        </p:txBody>
+      </p:sp>
+    </p:spTree>
+    <p:extLst>
+      <p:ext uri="{BB962C8B-B14F-4D97-AF65-F5344CB8AC3E}">
+        <p14:creationId xmlns:p14="http://schemas.microsoft.com/office/powerpoint/2010/main" val="3844777277"/>
+      </p:ext>
+    </p:extLst>
+  </p:cSld>
+  <p:clrMapOvr>
+    <a:masterClrMapping/>
+  </p:clrMapOvr>
+</p:sld>
+</file>
+
+<file path=ppt/slides/slide8.xml><?xml version="1.0" encoding="utf-8"?>
+<p:sld xmlns:a="http://schemas.openxmlformats.org/drawingml/2006/main" xmlns:r="http://schemas.openxmlformats.org/officeDocument/2006/relationships" xmlns:p="http://schemas.openxmlformats.org/presentationml/2006/main">
+  <p:cSld>
+    <p:bg>
+      <p:bgPr>
+        <a:solidFill>
+          <a:schemeClr val="bg1"/>
+        </a:solidFill>
+        <a:effectLst/>
+      </p:bgPr>
+    </p:bg>
+    <p:spTree>
+      <p:nvGrpSpPr>
+        <p:cNvPr id="1" name=""/>
+        <p:cNvGrpSpPr/>
+        <p:nvPr/>
+      </p:nvGrpSpPr>
+      <p:grpSpPr>
+        <a:xfrm>
+          <a:off x="0" y="0"/>
+          <a:ext cx="0" cy="0"/>
+          <a:chOff x="0" y="0"/>
+          <a:chExt cx="0" cy="0"/>
+        </a:xfrm>
+      </p:grpSpPr>
+      <p:sp>
+        <p:nvSpPr>
+          <p:cNvPr id="9" name="Rectangle 8">
+            <a:extLst>
+              <a:ext uri="{FF2B5EF4-FFF2-40B4-BE49-F238E27FC236}">
+                <a16:creationId xmlns:a16="http://schemas.microsoft.com/office/drawing/2014/main" id="{F3060C83-F051-4F0E-ABAD-AA0DFC48B218}"/>
+              </a:ext>
+              <a:ext uri="{C183D7F6-B498-43B3-948B-1728B52AA6E4}">
+                <adec:decorative xmlns:adec="http://schemas.microsoft.com/office/drawing/2017/decorative" val="1"/>
+              </a:ext>
+            </a:extLst>
+          </p:cNvPr>
+          <p:cNvSpPr>
+            <a:spLocks noGrp="1" noRot="1" noChangeAspect="1" noMove="1" noResize="1" noEditPoints="1" noAdjustHandles="1" noChangeArrowheads="1" noChangeShapeType="1" noTextEdit="1"/>
+          </p:cNvSpPr>
+          <p:nvPr>
+            <p:extLst>
+              <p:ext uri="{386F3935-93C4-4BCD-93E2-E3B085C9AB24}">
+                <p16:designElem xmlns:p16="http://schemas.microsoft.com/office/powerpoint/2015/main" val="1"/>
+              </p:ext>
+            </p:extLst>
+          </p:nvPr>
+        </p:nvSpPr>
+        <p:spPr>
+          <a:xfrm>
+            <a:off x="0" y="0"/>
+            <a:ext cx="12192000" cy="6858000"/>
+          </a:xfrm>
+          <a:prstGeom prst="rect">
+            <a:avLst/>
+          </a:prstGeom>
+          <a:solidFill>
+            <a:schemeClr val="bg1"/>
+          </a:solidFill>
+          <a:ln>
+            <a:noFill/>
+          </a:ln>
+        </p:spPr>
+        <p:style>
+          <a:lnRef idx="2">
+            <a:schemeClr val="accent1">
+              <a:shade val="50000"/>
+            </a:schemeClr>
+          </a:lnRef>
+          <a:fillRef idx="1">
+            <a:schemeClr val="accent1"/>
+          </a:fillRef>
+          <a:effectRef idx="0">
+            <a:schemeClr val="accent1"/>
+          </a:effectRef>
+          <a:fontRef idx="minor">
+            <a:schemeClr val="lt1"/>
+          </a:fontRef>
+        </p:style>
+        <p:txBody>
+          <a:bodyPr rtlCol="0" anchor="ctr"/>
+          <a:lstStyle/>
+          <a:p>
+            <a:pPr algn="ctr"/>
+            <a:endParaRPr lang="en-US" dirty="0"/>
+          </a:p>
+        </p:txBody>
+      </p:sp>
+      <p:sp>
+        <p:nvSpPr>
+          <p:cNvPr id="11" name="Freeform: Shape 10">
+            <a:extLst>
+              <a:ext uri="{FF2B5EF4-FFF2-40B4-BE49-F238E27FC236}">
+                <a16:creationId xmlns:a16="http://schemas.microsoft.com/office/drawing/2014/main" id="{83C98ABE-055B-441F-B07E-44F97F083C39}"/>
+              </a:ext>
+              <a:ext uri="{C183D7F6-B498-43B3-948B-1728B52AA6E4}">
+                <adec:decorative xmlns:adec="http://schemas.microsoft.com/office/drawing/2017/decorative" val="1"/>
+              </a:ext>
+            </a:extLst>
+          </p:cNvPr>
+          <p:cNvSpPr>
+            <a:spLocks noGrp="1" noRot="1" noChangeAspect="1" noMove="1" noResize="1" noEditPoints="1" noAdjustHandles="1" noChangeArrowheads="1" noChangeShapeType="1" noTextEdit="1"/>
+          </p:cNvSpPr>
+          <p:nvPr>
+            <p:extLst>
+              <p:ext uri="{386F3935-93C4-4BCD-93E2-E3B085C9AB24}">
+                <p16:designElem xmlns:p16="http://schemas.microsoft.com/office/powerpoint/2015/main" val="1"/>
+              </p:ext>
+            </p:extLst>
+          </p:nvPr>
+        </p:nvSpPr>
+        <p:spPr>
+          <a:xfrm rot="18900000" flipH="1">
+            <a:off x="-376156" y="-253670"/>
+            <a:ext cx="1827638" cy="1376989"/>
+          </a:xfrm>
+          <a:custGeom>
+            <a:avLst/>
+            <a:gdLst>
+              <a:gd name="connsiteX0" fmla="*/ 0 w 1827638"/>
+              <a:gd name="connsiteY0" fmla="*/ 987379 h 1376989"/>
+              <a:gd name="connsiteX1" fmla="*/ 987379 w 1827638"/>
+              <a:gd name="connsiteY1" fmla="*/ 0 h 1376989"/>
+              <a:gd name="connsiteX2" fmla="*/ 1827638 w 1827638"/>
+              <a:gd name="connsiteY2" fmla="*/ 840260 h 1376989"/>
+              <a:gd name="connsiteX3" fmla="*/ 1827638 w 1827638"/>
+              <a:gd name="connsiteY3" fmla="*/ 1376989 h 1376989"/>
+              <a:gd name="connsiteX4" fmla="*/ 0 w 1827638"/>
+              <a:gd name="connsiteY4" fmla="*/ 1376989 h 1376989"/>
+            </a:gdLst>
+            <a:ahLst/>
+            <a:cxnLst>
+              <a:cxn ang="0">
+                <a:pos x="connsiteX0" y="connsiteY0"/>
+              </a:cxn>
+              <a:cxn ang="0">
+                <a:pos x="connsiteX1" y="connsiteY1"/>
+              </a:cxn>
+              <a:cxn ang="0">
+                <a:pos x="connsiteX2" y="connsiteY2"/>
+              </a:cxn>
+              <a:cxn ang="0">
+                <a:pos x="connsiteX3" y="connsiteY3"/>
+              </a:cxn>
+              <a:cxn ang="0">
+                <a:pos x="connsiteX4" y="connsiteY4"/>
+              </a:cxn>
+            </a:cxnLst>
+            <a:rect l="l" t="t" r="r" b="b"/>
+            <a:pathLst>
+              <a:path w="1827638" h="1376989">
+                <a:moveTo>
+                  <a:pt x="0" y="987379"/>
+                </a:moveTo>
+                <a:lnTo>
+                  <a:pt x="987379" y="0"/>
+                </a:lnTo>
+                <a:lnTo>
+                  <a:pt x="1827638" y="840260"/>
+                </a:lnTo>
+                <a:lnTo>
+                  <a:pt x="1827638" y="1376989"/>
+                </a:lnTo>
+                <a:lnTo>
+                  <a:pt x="0" y="1376989"/>
+                </a:lnTo>
+                <a:close/>
+              </a:path>
+            </a:pathLst>
+          </a:custGeom>
+          <a:solidFill>
+            <a:schemeClr val="accent1">
+              <a:alpha val="30000"/>
+            </a:schemeClr>
+          </a:solidFill>
+          <a:ln>
+            <a:noFill/>
+          </a:ln>
+        </p:spPr>
+        <p:style>
+          <a:lnRef idx="2">
+            <a:schemeClr val="accent1">
+              <a:shade val="50000"/>
+            </a:schemeClr>
+          </a:lnRef>
+          <a:fillRef idx="1">
+            <a:schemeClr val="accent1"/>
+          </a:fillRef>
+          <a:effectRef idx="0">
+            <a:schemeClr val="accent1"/>
+          </a:effectRef>
+          <a:fontRef idx="minor">
+            <a:schemeClr val="lt1"/>
+          </a:fontRef>
+        </p:style>
+        <p:txBody>
+          <a:bodyPr rtlCol="0" anchor="ctr"/>
+          <a:lstStyle/>
+          <a:p>
+            <a:pPr algn="ctr"/>
+            <a:endParaRPr lang="en-US" dirty="0"/>
+          </a:p>
+        </p:txBody>
+      </p:sp>
+      <p:sp>
+        <p:nvSpPr>
+          <p:cNvPr id="13" name="Rectangle 12">
+            <a:extLst>
+              <a:ext uri="{FF2B5EF4-FFF2-40B4-BE49-F238E27FC236}">
+                <a16:creationId xmlns:a16="http://schemas.microsoft.com/office/drawing/2014/main" id="{29FDB030-9B49-4CED-8CCD-4D99382388AC}"/>
+              </a:ext>
+              <a:ext uri="{C183D7F6-B498-43B3-948B-1728B52AA6E4}">
+                <adec:decorative xmlns:adec="http://schemas.microsoft.com/office/drawing/2017/decorative" val="1"/>
+              </a:ext>
+            </a:extLst>
+          </p:cNvPr>
+          <p:cNvSpPr>
+            <a:spLocks noGrp="1" noRot="1" noChangeAspect="1" noMove="1" noResize="1" noEditPoints="1" noAdjustHandles="1" noChangeArrowheads="1" noChangeShapeType="1" noTextEdit="1"/>
+          </p:cNvSpPr>
+          <p:nvPr>
+            <p:extLst>
+              <p:ext uri="{386F3935-93C4-4BCD-93E2-E3B085C9AB24}">
+                <p16:designElem xmlns:p16="http://schemas.microsoft.com/office/powerpoint/2015/main" val="1"/>
+              </p:ext>
+            </p:extLst>
+          </p:nvPr>
+        </p:nvSpPr>
+        <p:spPr>
+          <a:xfrm rot="18900000" flipH="1">
+            <a:off x="891641" y="422146"/>
+            <a:ext cx="645368" cy="645368"/>
+          </a:xfrm>
+          <a:prstGeom prst="rect">
+            <a:avLst/>
+          </a:prstGeom>
+          <a:solidFill>
+            <a:schemeClr val="accent1">
+              <a:alpha val="30000"/>
+            </a:schemeClr>
+          </a:solidFill>
+          <a:ln>
+            <a:noFill/>
+          </a:ln>
+        </p:spPr>
+        <p:style>
+          <a:lnRef idx="2">
+            <a:schemeClr val="accent1">
+              <a:shade val="50000"/>
+            </a:schemeClr>
+          </a:lnRef>
+          <a:fillRef idx="1">
+            <a:schemeClr val="accent1"/>
+          </a:fillRef>
+          <a:effectRef idx="0">
+            <a:schemeClr val="accent1"/>
+          </a:effectRef>
+          <a:fontRef idx="minor">
+            <a:schemeClr val="lt1"/>
+          </a:fontRef>
+        </p:style>
+        <p:txBody>
+          <a:bodyPr rtlCol="0" anchor="ctr"/>
+          <a:lstStyle/>
+          <a:p>
+            <a:pPr algn="ctr"/>
+            <a:endParaRPr lang="en-US"/>
+          </a:p>
+        </p:txBody>
+      </p:sp>
+      <p:sp>
+        <p:nvSpPr>
+          <p:cNvPr id="15" name="Rectangle 14">
+            <a:extLst>
+              <a:ext uri="{FF2B5EF4-FFF2-40B4-BE49-F238E27FC236}">
+                <a16:creationId xmlns:a16="http://schemas.microsoft.com/office/drawing/2014/main" id="{3783CA14-24A1-485C-8B30-D6A5D87987AD}"/>
+              </a:ext>
+              <a:ext uri="{C183D7F6-B498-43B3-948B-1728B52AA6E4}">
+                <adec:decorative xmlns:adec="http://schemas.microsoft.com/office/drawing/2017/decorative" val="1"/>
+              </a:ext>
+            </a:extLst>
+          </p:cNvPr>
+          <p:cNvSpPr>
+            <a:spLocks noGrp="1" noRot="1" noChangeAspect="1" noMove="1" noResize="1" noEditPoints="1" noAdjustHandles="1" noChangeArrowheads="1" noChangeShapeType="1" noTextEdit="1"/>
+          </p:cNvSpPr>
+          <p:nvPr>
+            <p:extLst>
+              <p:ext uri="{386F3935-93C4-4BCD-93E2-E3B085C9AB24}">
+                <p16:designElem xmlns:p16="http://schemas.microsoft.com/office/powerpoint/2015/main" val="1"/>
+              </p:ext>
+            </p:extLst>
+          </p:nvPr>
+        </p:nvSpPr>
+        <p:spPr>
+          <a:xfrm rot="18900000" flipH="1">
+            <a:off x="10043482" y="655140"/>
+            <a:ext cx="687472" cy="687472"/>
+          </a:xfrm>
+          <a:prstGeom prst="rect">
+            <a:avLst/>
+          </a:prstGeom>
+          <a:solidFill>
+            <a:schemeClr val="accent4">
+              <a:alpha val="30000"/>
+            </a:schemeClr>
+          </a:solidFill>
+          <a:ln>
+            <a:noFill/>
+          </a:ln>
+        </p:spPr>
+        <p:style>
+          <a:lnRef idx="2">
+            <a:schemeClr val="accent1">
+              <a:shade val="50000"/>
+            </a:schemeClr>
+          </a:lnRef>
+          <a:fillRef idx="1">
+            <a:schemeClr val="accent1"/>
+          </a:fillRef>
+          <a:effectRef idx="0">
+            <a:schemeClr val="accent1"/>
+          </a:effectRef>
+          <a:fontRef idx="minor">
+            <a:schemeClr val="lt1"/>
+          </a:fontRef>
+        </p:style>
+        <p:txBody>
+          <a:bodyPr rtlCol="0" anchor="ctr"/>
+          <a:lstStyle/>
+          <a:p>
+            <a:pPr algn="ctr"/>
+            <a:endParaRPr lang="en-US"/>
+          </a:p>
+        </p:txBody>
+      </p:sp>
+      <p:sp>
+        <p:nvSpPr>
+          <p:cNvPr id="17" name="Freeform: Shape 16">
+            <a:extLst>
+              <a:ext uri="{FF2B5EF4-FFF2-40B4-BE49-F238E27FC236}">
+                <a16:creationId xmlns:a16="http://schemas.microsoft.com/office/drawing/2014/main" id="{9A97C86A-04D6-40F7-AE84-31AB43E6A846}"/>
+              </a:ext>
+              <a:ext uri="{C183D7F6-B498-43B3-948B-1728B52AA6E4}">
+                <adec:decorative xmlns:adec="http://schemas.microsoft.com/office/drawing/2017/decorative" val="1"/>
+              </a:ext>
+            </a:extLst>
+          </p:cNvPr>
+          <p:cNvSpPr>
+            <a:spLocks noGrp="1" noRot="1" noChangeAspect="1" noMove="1" noResize="1" noEditPoints="1" noAdjustHandles="1" noChangeArrowheads="1" noChangeShapeType="1" noTextEdit="1"/>
+          </p:cNvSpPr>
+          <p:nvPr>
+            <p:extLst>
+              <p:ext uri="{386F3935-93C4-4BCD-93E2-E3B085C9AB24}">
+                <p16:designElem xmlns:p16="http://schemas.microsoft.com/office/powerpoint/2015/main" val="1"/>
+              </p:ext>
+            </p:extLst>
+          </p:nvPr>
+        </p:nvSpPr>
+        <p:spPr>
+          <a:xfrm rot="10800000" flipH="1">
+            <a:off x="9356643" y="0"/>
+            <a:ext cx="2835357" cy="1480837"/>
+          </a:xfrm>
+          <a:custGeom>
+            <a:avLst/>
+            <a:gdLst>
+              <a:gd name="connsiteX0" fmla="*/ 2835357 w 2835357"/>
+              <a:gd name="connsiteY0" fmla="*/ 1480837 h 1480837"/>
+              <a:gd name="connsiteX1" fmla="*/ 0 w 2835357"/>
+              <a:gd name="connsiteY1" fmla="*/ 1480837 h 1480837"/>
+              <a:gd name="connsiteX2" fmla="*/ 1552727 w 2835357"/>
+              <a:gd name="connsiteY2" fmla="*/ 0 h 1480837"/>
+              <a:gd name="connsiteX3" fmla="*/ 2835357 w 2835357"/>
+              <a:gd name="connsiteY3" fmla="*/ 1223245 h 1480837"/>
+            </a:gdLst>
+            <a:ahLst/>
+            <a:cxnLst>
+              <a:cxn ang="0">
+                <a:pos x="connsiteX0" y="connsiteY0"/>
+              </a:cxn>
+              <a:cxn ang="0">
+                <a:pos x="connsiteX1" y="connsiteY1"/>
+              </a:cxn>
+              <a:cxn ang="0">
+                <a:pos x="connsiteX2" y="connsiteY2"/>
+              </a:cxn>
+              <a:cxn ang="0">
+                <a:pos x="connsiteX3" y="connsiteY3"/>
+              </a:cxn>
+            </a:cxnLst>
+            <a:rect l="l" t="t" r="r" b="b"/>
+            <a:pathLst>
+              <a:path w="2835357" h="1480837">
+                <a:moveTo>
+                  <a:pt x="2835357" y="1480837"/>
+                </a:moveTo>
+                <a:lnTo>
+                  <a:pt x="0" y="1480837"/>
+                </a:lnTo>
+                <a:lnTo>
+                  <a:pt x="1552727" y="0"/>
+                </a:lnTo>
+                <a:lnTo>
+                  <a:pt x="2835357" y="1223245"/>
+                </a:lnTo>
+                <a:close/>
+              </a:path>
+            </a:pathLst>
+          </a:custGeom>
+          <a:solidFill>
+            <a:schemeClr val="accent4">
+              <a:alpha val="30000"/>
+            </a:schemeClr>
+          </a:solidFill>
+          <a:ln>
+            <a:noFill/>
+          </a:ln>
+        </p:spPr>
+        <p:style>
+          <a:lnRef idx="2">
+            <a:schemeClr val="accent1">
+              <a:shade val="50000"/>
+            </a:schemeClr>
+          </a:lnRef>
+          <a:fillRef idx="1">
+            <a:schemeClr val="accent1"/>
+          </a:fillRef>
+          <a:effectRef idx="0">
+            <a:schemeClr val="accent1"/>
+          </a:effectRef>
+          <a:fontRef idx="minor">
+            <a:schemeClr val="lt1"/>
+          </a:fontRef>
+        </p:style>
+        <p:txBody>
+          <a:bodyPr wrap="square" rtlCol="0" anchor="ctr">
+            <a:noAutofit/>
+          </a:bodyPr>
+          <a:lstStyle/>
+          <a:p>
+            <a:pPr algn="ctr"/>
+            <a:endParaRPr lang="en-US" dirty="0"/>
+          </a:p>
+        </p:txBody>
+      </p:sp>
+      <p:sp>
+        <p:nvSpPr>
+          <p:cNvPr id="19" name="Isosceles Triangle 18">
+            <a:extLst>
+              <a:ext uri="{FF2B5EF4-FFF2-40B4-BE49-F238E27FC236}">
+                <a16:creationId xmlns:a16="http://schemas.microsoft.com/office/drawing/2014/main" id="{FF9F2414-84E8-453E-B1F3-389FDE8192D9}"/>
+              </a:ext>
+              <a:ext uri="{C183D7F6-B498-43B3-948B-1728B52AA6E4}">
+                <adec:decorative xmlns:adec="http://schemas.microsoft.com/office/drawing/2017/decorative" val="1"/>
+              </a:ext>
+            </a:extLst>
+          </p:cNvPr>
+          <p:cNvSpPr>
+            <a:spLocks noGrp="1" noRot="1" noChangeAspect="1" noMove="1" noResize="1" noEditPoints="1" noAdjustHandles="1" noChangeArrowheads="1" noChangeShapeType="1" noTextEdit="1"/>
+          </p:cNvSpPr>
+          <p:nvPr>
+            <p:extLst>
+              <p:ext uri="{386F3935-93C4-4BCD-93E2-E3B085C9AB24}">
+                <p16:designElem xmlns:p16="http://schemas.microsoft.com/office/powerpoint/2015/main" val="1"/>
+              </p:ext>
+            </p:extLst>
+          </p:nvPr>
+        </p:nvSpPr>
+        <p:spPr>
+          <a:xfrm flipH="1">
+            <a:off x="7976344" y="6115501"/>
+            <a:ext cx="1494513" cy="742499"/>
+          </a:xfrm>
+          <a:prstGeom prst="triangle">
+            <a:avLst/>
+          </a:prstGeom>
+          <a:solidFill>
+            <a:schemeClr val="accent1">
+              <a:alpha val="30000"/>
+            </a:schemeClr>
+          </a:solidFill>
+          <a:ln>
+            <a:noFill/>
+          </a:ln>
+        </p:spPr>
+        <p:style>
+          <a:lnRef idx="2">
+            <a:schemeClr val="accent1">
+              <a:shade val="50000"/>
+            </a:schemeClr>
+          </a:lnRef>
+          <a:fillRef idx="1">
+            <a:schemeClr val="accent1"/>
+          </a:fillRef>
+          <a:effectRef idx="0">
+            <a:schemeClr val="accent1"/>
+          </a:effectRef>
+          <a:fontRef idx="minor">
+            <a:schemeClr val="lt1"/>
+          </a:fontRef>
+        </p:style>
+        <p:txBody>
+          <a:bodyPr rtlCol="0" anchor="ctr"/>
+          <a:lstStyle/>
+          <a:p>
+            <a:pPr algn="ctr"/>
+            <a:endParaRPr lang="en-US"/>
+          </a:p>
+        </p:txBody>
+      </p:sp>
+      <p:sp>
+        <p:nvSpPr>
+          <p:cNvPr id="21" name="Isosceles Triangle 20">
+            <a:extLst>
+              <a:ext uri="{FF2B5EF4-FFF2-40B4-BE49-F238E27FC236}">
+                <a16:creationId xmlns:a16="http://schemas.microsoft.com/office/drawing/2014/main" id="{3ECA69A1-7536-43AC-85EF-C7106179F5ED}"/>
+              </a:ext>
+              <a:ext uri="{C183D7F6-B498-43B3-948B-1728B52AA6E4}">
+                <adec:decorative xmlns:adec="http://schemas.microsoft.com/office/drawing/2017/decorative" val="1"/>
+              </a:ext>
+            </a:extLst>
+          </p:cNvPr>
+          <p:cNvSpPr>
+            <a:spLocks noGrp="1" noRot="1" noChangeAspect="1" noMove="1" noResize="1" noEditPoints="1" noAdjustHandles="1" noChangeArrowheads="1" noChangeShapeType="1" noTextEdit="1"/>
+          </p:cNvSpPr>
+          <p:nvPr>
+            <p:extLst>
+              <p:ext uri="{386F3935-93C4-4BCD-93E2-E3B085C9AB24}">
+                <p16:designElem xmlns:p16="http://schemas.microsoft.com/office/powerpoint/2015/main" val="1"/>
+              </p:ext>
+            </p:extLst>
+          </p:nvPr>
+        </p:nvSpPr>
+        <p:spPr>
+          <a:xfrm flipH="1">
+            <a:off x="7604080" y="6453143"/>
+            <a:ext cx="814903" cy="404857"/>
+          </a:xfrm>
+          <a:prstGeom prst="triangle">
+            <a:avLst/>
+          </a:prstGeom>
+          <a:solidFill>
+            <a:schemeClr val="accent1">
+              <a:alpha val="30000"/>
+            </a:schemeClr>
+          </a:solidFill>
+          <a:ln>
+            <a:noFill/>
+          </a:ln>
+        </p:spPr>
+        <p:style>
+          <a:lnRef idx="2">
+            <a:schemeClr val="accent1">
+              <a:shade val="50000"/>
+            </a:schemeClr>
+          </a:lnRef>
+          <a:fillRef idx="1">
+            <a:schemeClr val="accent1"/>
+          </a:fillRef>
+          <a:effectRef idx="0">
+            <a:schemeClr val="accent1"/>
+          </a:effectRef>
+          <a:fontRef idx="minor">
+            <a:schemeClr val="lt1"/>
+          </a:fontRef>
+        </p:style>
+        <p:txBody>
+          <a:bodyPr rtlCol="0" anchor="ctr"/>
+          <a:lstStyle/>
+          <a:p>
+            <a:pPr algn="ctr"/>
+            <a:endParaRPr lang="en-US"/>
+          </a:p>
+        </p:txBody>
+      </p:sp>
+      <p:sp>
+        <p:nvSpPr>
+          <p:cNvPr id="5" name="ZoneTexte 4">
+            <a:extLst>
+              <a:ext uri="{FF2B5EF4-FFF2-40B4-BE49-F238E27FC236}">
+                <a16:creationId xmlns:a16="http://schemas.microsoft.com/office/drawing/2014/main" id="{5E645CD3-2687-4C9C-94C6-3C0B217ECCEE}"/>
+              </a:ext>
+            </a:extLst>
+          </p:cNvPr>
+          <p:cNvSpPr txBox="1"/>
+          <p:nvPr/>
+        </p:nvSpPr>
+        <p:spPr>
+          <a:xfrm>
+            <a:off x="3675576" y="745545"/>
+            <a:ext cx="4522392" cy="4832092"/>
+          </a:xfrm>
+          <a:prstGeom prst="rect">
+            <a:avLst/>
+          </a:prstGeom>
+          <a:noFill/>
+        </p:spPr>
+        <p:txBody>
+          <a:bodyPr wrap="none" rtlCol="0">
+            <a:spAutoFit/>
+          </a:bodyPr>
+          <a:lstStyle/>
+          <a:p>
+            <a:r>
+              <a:rPr lang="fr-CH" sz="4400" b="1" dirty="0"/>
+              <a:t>Futur</a:t>
+            </a:r>
+          </a:p>
+          <a:p>
+            <a:pPr marL="285750" indent="-285750">
+              <a:buFont typeface="Arial" panose="020B0604020202020204" pitchFamily="34" charset="0"/>
+              <a:buChar char="•"/>
+            </a:pPr>
+            <a:endParaRPr lang="fr-CH" sz="4400" dirty="0"/>
+          </a:p>
+          <a:p>
+            <a:pPr marL="742950" lvl="1" indent="-285750">
+              <a:buFont typeface="Arial" panose="020B0604020202020204" pitchFamily="34" charset="0"/>
+              <a:buChar char="•"/>
+            </a:pPr>
+            <a:r>
+              <a:rPr lang="fr-CH" sz="4400" dirty="0"/>
+              <a:t>Edition</a:t>
+            </a:r>
+          </a:p>
+          <a:p>
+            <a:pPr marL="742950" lvl="1" indent="-285750">
+              <a:buFont typeface="Arial" panose="020B0604020202020204" pitchFamily="34" charset="0"/>
+              <a:buChar char="•"/>
+            </a:pPr>
+            <a:endParaRPr lang="fr-CH" sz="4400" dirty="0"/>
+          </a:p>
+          <a:p>
+            <a:pPr marL="742950" lvl="1" indent="-285750">
+              <a:buFont typeface="Arial" panose="020B0604020202020204" pitchFamily="34" charset="0"/>
+              <a:buChar char="•"/>
+            </a:pPr>
+            <a:r>
+              <a:rPr lang="fr-CH" sz="4400" dirty="0"/>
+              <a:t>Paramètres</a:t>
+            </a:r>
+          </a:p>
+          <a:p>
+            <a:pPr marL="742950" lvl="1" indent="-285750">
+              <a:buFont typeface="Arial" panose="020B0604020202020204" pitchFamily="34" charset="0"/>
+              <a:buChar char="•"/>
+            </a:pPr>
+            <a:endParaRPr lang="fr-CH" sz="4400" dirty="0"/>
+          </a:p>
+          <a:p>
+            <a:pPr marL="742950" lvl="1" indent="-285750">
+              <a:buFont typeface="Arial" panose="020B0604020202020204" pitchFamily="34" charset="0"/>
+              <a:buChar char="•"/>
+            </a:pPr>
+            <a:r>
+              <a:rPr lang="fr-CH" sz="4400" dirty="0"/>
+              <a:t>Rappels pop-up</a:t>
+            </a:r>
+          </a:p>
+        </p:txBody>
+      </p:sp>
+    </p:spTree>
+    <p:extLst>
+      <p:ext uri="{BB962C8B-B14F-4D97-AF65-F5344CB8AC3E}">
+        <p14:creationId xmlns:p14="http://schemas.microsoft.com/office/powerpoint/2010/main" val="1843095758"/>
+      </p:ext>
+    </p:extLst>
+  </p:cSld>
+  <p:clrMapOvr>
+    <a:masterClrMapping/>
+  </p:clrMapOvr>
+</p:sld>
+</file>
+
+<file path=ppt/slides/slide9.xml><?xml version="1.0" encoding="utf-8"?>
+<p:sld xmlns:a="http://schemas.openxmlformats.org/drawingml/2006/main" xmlns:r="http://schemas.openxmlformats.org/officeDocument/2006/relationships" xmlns:p="http://schemas.openxmlformats.org/presentationml/2006/main">
+  <p:cSld>
+    <p:bg>
+      <p:bgPr>
+        <a:solidFill>
+          <a:schemeClr val="bg1"/>
+        </a:solidFill>
+        <a:effectLst/>
+      </p:bgPr>
+    </p:bg>
+    <p:spTree>
+      <p:nvGrpSpPr>
+        <p:cNvPr id="1" name=""/>
+        <p:cNvGrpSpPr/>
+        <p:nvPr/>
+      </p:nvGrpSpPr>
+      <p:grpSpPr>
+        <a:xfrm>
+          <a:off x="0" y="0"/>
+          <a:ext cx="0" cy="0"/>
+          <a:chOff x="0" y="0"/>
+          <a:chExt cx="0" cy="0"/>
+        </a:xfrm>
+      </p:grpSpPr>
+      <p:sp>
+        <p:nvSpPr>
+          <p:cNvPr id="9" name="Rectangle 8">
+            <a:extLst>
+              <a:ext uri="{FF2B5EF4-FFF2-40B4-BE49-F238E27FC236}">
+                <a16:creationId xmlns:a16="http://schemas.microsoft.com/office/drawing/2014/main" id="{F3060C83-F051-4F0E-ABAD-AA0DFC48B218}"/>
+              </a:ext>
+              <a:ext uri="{C183D7F6-B498-43B3-948B-1728B52AA6E4}">
+                <adec:decorative xmlns:adec="http://schemas.microsoft.com/office/drawing/2017/decorative" val="1"/>
+              </a:ext>
+            </a:extLst>
+          </p:cNvPr>
+          <p:cNvSpPr>
+            <a:spLocks noGrp="1" noRot="1" noChangeAspect="1" noMove="1" noResize="1" noEditPoints="1" noAdjustHandles="1" noChangeArrowheads="1" noChangeShapeType="1" noTextEdit="1"/>
+          </p:cNvSpPr>
+          <p:nvPr>
+            <p:extLst>
+              <p:ext uri="{386F3935-93C4-4BCD-93E2-E3B085C9AB24}">
+                <p16:designElem xmlns:p16="http://schemas.microsoft.com/office/powerpoint/2015/main" val="1"/>
+              </p:ext>
+            </p:extLst>
+          </p:nvPr>
+        </p:nvSpPr>
+        <p:spPr>
+          <a:xfrm>
+            <a:off x="0" y="0"/>
+            <a:ext cx="12192000" cy="6858000"/>
+          </a:xfrm>
+          <a:prstGeom prst="rect">
+            <a:avLst/>
+          </a:prstGeom>
+          <a:solidFill>
+            <a:schemeClr val="bg1"/>
+          </a:solidFill>
+          <a:ln>
+            <a:noFill/>
+          </a:ln>
+        </p:spPr>
+        <p:style>
+          <a:lnRef idx="2">
+            <a:schemeClr val="accent1">
+              <a:shade val="50000"/>
+            </a:schemeClr>
+          </a:lnRef>
+          <a:fillRef idx="1">
+            <a:schemeClr val="accent1"/>
+          </a:fillRef>
+          <a:effectRef idx="0">
+            <a:schemeClr val="accent1"/>
+          </a:effectRef>
+          <a:fontRef idx="minor">
+            <a:schemeClr val="lt1"/>
+          </a:fontRef>
+        </p:style>
+        <p:txBody>
+          <a:bodyPr rtlCol="0" anchor="ctr"/>
+          <a:lstStyle/>
+          <a:p>
+            <a:pPr algn="ctr"/>
+            <a:endParaRPr lang="en-US" dirty="0"/>
+          </a:p>
+        </p:txBody>
+      </p:sp>
+      <p:sp>
+        <p:nvSpPr>
+          <p:cNvPr id="11" name="Freeform: Shape 10">
+            <a:extLst>
+              <a:ext uri="{FF2B5EF4-FFF2-40B4-BE49-F238E27FC236}">
+                <a16:creationId xmlns:a16="http://schemas.microsoft.com/office/drawing/2014/main" id="{83C98ABE-055B-441F-B07E-44F97F083C39}"/>
+              </a:ext>
+              <a:ext uri="{C183D7F6-B498-43B3-948B-1728B52AA6E4}">
+                <adec:decorative xmlns:adec="http://schemas.microsoft.com/office/drawing/2017/decorative" val="1"/>
+              </a:ext>
+            </a:extLst>
+          </p:cNvPr>
+          <p:cNvSpPr>
+            <a:spLocks noGrp="1" noRot="1" noChangeAspect="1" noMove="1" noResize="1" noEditPoints="1" noAdjustHandles="1" noChangeArrowheads="1" noChangeShapeType="1" noTextEdit="1"/>
+          </p:cNvSpPr>
+          <p:nvPr>
+            <p:extLst>
+              <p:ext uri="{386F3935-93C4-4BCD-93E2-E3B085C9AB24}">
+                <p16:designElem xmlns:p16="http://schemas.microsoft.com/office/powerpoint/2015/main" val="1"/>
+              </p:ext>
+            </p:extLst>
+          </p:nvPr>
+        </p:nvSpPr>
+        <p:spPr>
+          <a:xfrm rot="18900000" flipH="1">
+            <a:off x="-376156" y="-253670"/>
+            <a:ext cx="1827638" cy="1376989"/>
+          </a:xfrm>
+          <a:custGeom>
+            <a:avLst/>
+            <a:gdLst>
+              <a:gd name="connsiteX0" fmla="*/ 0 w 1827638"/>
+              <a:gd name="connsiteY0" fmla="*/ 987379 h 1376989"/>
+              <a:gd name="connsiteX1" fmla="*/ 987379 w 1827638"/>
+              <a:gd name="connsiteY1" fmla="*/ 0 h 1376989"/>
+              <a:gd name="connsiteX2" fmla="*/ 1827638 w 1827638"/>
+              <a:gd name="connsiteY2" fmla="*/ 840260 h 1376989"/>
+              <a:gd name="connsiteX3" fmla="*/ 1827638 w 1827638"/>
+              <a:gd name="connsiteY3" fmla="*/ 1376989 h 1376989"/>
+              <a:gd name="connsiteX4" fmla="*/ 0 w 1827638"/>
+              <a:gd name="connsiteY4" fmla="*/ 1376989 h 1376989"/>
+            </a:gdLst>
+            <a:ahLst/>
+            <a:cxnLst>
+              <a:cxn ang="0">
+                <a:pos x="connsiteX0" y="connsiteY0"/>
+              </a:cxn>
+              <a:cxn ang="0">
+                <a:pos x="connsiteX1" y="connsiteY1"/>
+              </a:cxn>
+              <a:cxn ang="0">
+                <a:pos x="connsiteX2" y="connsiteY2"/>
+              </a:cxn>
+              <a:cxn ang="0">
+                <a:pos x="connsiteX3" y="connsiteY3"/>
+              </a:cxn>
+              <a:cxn ang="0">
+                <a:pos x="connsiteX4" y="connsiteY4"/>
+              </a:cxn>
+            </a:cxnLst>
+            <a:rect l="l" t="t" r="r" b="b"/>
+            <a:pathLst>
+              <a:path w="1827638" h="1376989">
+                <a:moveTo>
+                  <a:pt x="0" y="987379"/>
+                </a:moveTo>
+                <a:lnTo>
+                  <a:pt x="987379" y="0"/>
+                </a:lnTo>
+                <a:lnTo>
+                  <a:pt x="1827638" y="840260"/>
+                </a:lnTo>
+                <a:lnTo>
+                  <a:pt x="1827638" y="1376989"/>
+                </a:lnTo>
+                <a:lnTo>
+                  <a:pt x="0" y="1376989"/>
+                </a:lnTo>
+                <a:close/>
+              </a:path>
+            </a:pathLst>
+          </a:custGeom>
+          <a:solidFill>
+            <a:schemeClr val="accent1">
+              <a:alpha val="30000"/>
+            </a:schemeClr>
+          </a:solidFill>
+          <a:ln>
+            <a:noFill/>
+          </a:ln>
+        </p:spPr>
+        <p:style>
+          <a:lnRef idx="2">
+            <a:schemeClr val="accent1">
+              <a:shade val="50000"/>
+            </a:schemeClr>
+          </a:lnRef>
+          <a:fillRef idx="1">
+            <a:schemeClr val="accent1"/>
+          </a:fillRef>
+          <a:effectRef idx="0">
+            <a:schemeClr val="accent1"/>
+          </a:effectRef>
+          <a:fontRef idx="minor">
+            <a:schemeClr val="lt1"/>
+          </a:fontRef>
+        </p:style>
+        <p:txBody>
+          <a:bodyPr rtlCol="0" anchor="ctr"/>
+          <a:lstStyle/>
+          <a:p>
+            <a:pPr algn="ctr"/>
+            <a:endParaRPr lang="en-US" dirty="0"/>
+          </a:p>
+        </p:txBody>
+      </p:sp>
+      <p:sp>
+        <p:nvSpPr>
+          <p:cNvPr id="13" name="Rectangle 12">
+            <a:extLst>
+              <a:ext uri="{FF2B5EF4-FFF2-40B4-BE49-F238E27FC236}">
+                <a16:creationId xmlns:a16="http://schemas.microsoft.com/office/drawing/2014/main" id="{29FDB030-9B49-4CED-8CCD-4D99382388AC}"/>
+              </a:ext>
+              <a:ext uri="{C183D7F6-B498-43B3-948B-1728B52AA6E4}">
+                <adec:decorative xmlns:adec="http://schemas.microsoft.com/office/drawing/2017/decorative" val="1"/>
+              </a:ext>
+            </a:extLst>
+          </p:cNvPr>
+          <p:cNvSpPr>
+            <a:spLocks noGrp="1" noRot="1" noChangeAspect="1" noMove="1" noResize="1" noEditPoints="1" noAdjustHandles="1" noChangeArrowheads="1" noChangeShapeType="1" noTextEdit="1"/>
+          </p:cNvSpPr>
+          <p:nvPr>
+            <p:extLst>
+              <p:ext uri="{386F3935-93C4-4BCD-93E2-E3B085C9AB24}">
+                <p16:designElem xmlns:p16="http://schemas.microsoft.com/office/powerpoint/2015/main" val="1"/>
+              </p:ext>
+            </p:extLst>
+          </p:nvPr>
+        </p:nvSpPr>
+        <p:spPr>
+          <a:xfrm rot="18900000" flipH="1">
+            <a:off x="891641" y="422146"/>
+            <a:ext cx="645368" cy="645368"/>
+          </a:xfrm>
+          <a:prstGeom prst="rect">
+            <a:avLst/>
+          </a:prstGeom>
+          <a:solidFill>
+            <a:schemeClr val="accent1">
+              <a:alpha val="30000"/>
+            </a:schemeClr>
+          </a:solidFill>
+          <a:ln>
+            <a:noFill/>
+          </a:ln>
+        </p:spPr>
+        <p:style>
+          <a:lnRef idx="2">
+            <a:schemeClr val="accent1">
+              <a:shade val="50000"/>
+            </a:schemeClr>
+          </a:lnRef>
+          <a:fillRef idx="1">
+            <a:schemeClr val="accent1"/>
+          </a:fillRef>
+          <a:effectRef idx="0">
+            <a:schemeClr val="accent1"/>
+          </a:effectRef>
+          <a:fontRef idx="minor">
+            <a:schemeClr val="lt1"/>
+          </a:fontRef>
+        </p:style>
+        <p:txBody>
+          <a:bodyPr rtlCol="0" anchor="ctr"/>
+          <a:lstStyle/>
+          <a:p>
+            <a:pPr algn="ctr"/>
+            <a:endParaRPr lang="en-US"/>
+          </a:p>
+        </p:txBody>
+      </p:sp>
+      <p:sp>
+        <p:nvSpPr>
+          <p:cNvPr id="15" name="Rectangle 14">
+            <a:extLst>
+              <a:ext uri="{FF2B5EF4-FFF2-40B4-BE49-F238E27FC236}">
+                <a16:creationId xmlns:a16="http://schemas.microsoft.com/office/drawing/2014/main" id="{3783CA14-24A1-485C-8B30-D6A5D87987AD}"/>
+              </a:ext>
+              <a:ext uri="{C183D7F6-B498-43B3-948B-1728B52AA6E4}">
+                <adec:decorative xmlns:adec="http://schemas.microsoft.com/office/drawing/2017/decorative" val="1"/>
+              </a:ext>
+            </a:extLst>
+          </p:cNvPr>
+          <p:cNvSpPr>
+            <a:spLocks noGrp="1" noRot="1" noChangeAspect="1" noMove="1" noResize="1" noEditPoints="1" noAdjustHandles="1" noChangeArrowheads="1" noChangeShapeType="1" noTextEdit="1"/>
+          </p:cNvSpPr>
+          <p:nvPr>
+            <p:extLst>
+              <p:ext uri="{386F3935-93C4-4BCD-93E2-E3B085C9AB24}">
+                <p16:designElem xmlns:p16="http://schemas.microsoft.com/office/powerpoint/2015/main" val="1"/>
+              </p:ext>
+            </p:extLst>
+          </p:nvPr>
+        </p:nvSpPr>
+        <p:spPr>
+          <a:xfrm rot="18900000" flipH="1">
+            <a:off x="10043482" y="655140"/>
+            <a:ext cx="687472" cy="687472"/>
+          </a:xfrm>
+          <a:prstGeom prst="rect">
+            <a:avLst/>
+          </a:prstGeom>
+          <a:solidFill>
+            <a:schemeClr val="accent4">
+              <a:alpha val="30000"/>
+            </a:schemeClr>
+          </a:solidFill>
+          <a:ln>
+            <a:noFill/>
+          </a:ln>
+        </p:spPr>
+        <p:style>
+          <a:lnRef idx="2">
+            <a:schemeClr val="accent1">
+              <a:shade val="50000"/>
+            </a:schemeClr>
+          </a:lnRef>
+          <a:fillRef idx="1">
+            <a:schemeClr val="accent1"/>
+          </a:fillRef>
+          <a:effectRef idx="0">
+            <a:schemeClr val="accent1"/>
+          </a:effectRef>
+          <a:fontRef idx="minor">
+            <a:schemeClr val="lt1"/>
+          </a:fontRef>
+        </p:style>
+        <p:txBody>
+          <a:bodyPr rtlCol="0" anchor="ctr"/>
+          <a:lstStyle/>
+          <a:p>
+            <a:pPr algn="ctr"/>
+            <a:endParaRPr lang="en-US"/>
+          </a:p>
+        </p:txBody>
+      </p:sp>
+      <p:sp>
+        <p:nvSpPr>
+          <p:cNvPr id="17" name="Freeform: Shape 16">
+            <a:extLst>
+              <a:ext uri="{FF2B5EF4-FFF2-40B4-BE49-F238E27FC236}">
+                <a16:creationId xmlns:a16="http://schemas.microsoft.com/office/drawing/2014/main" id="{9A97C86A-04D6-40F7-AE84-31AB43E6A846}"/>
+              </a:ext>
+              <a:ext uri="{C183D7F6-B498-43B3-948B-1728B52AA6E4}">
+                <adec:decorative xmlns:adec="http://schemas.microsoft.com/office/drawing/2017/decorative" val="1"/>
+              </a:ext>
+            </a:extLst>
+          </p:cNvPr>
+          <p:cNvSpPr>
+            <a:spLocks noGrp="1" noRot="1" noChangeAspect="1" noMove="1" noResize="1" noEditPoints="1" noAdjustHandles="1" noChangeArrowheads="1" noChangeShapeType="1" noTextEdit="1"/>
+          </p:cNvSpPr>
+          <p:nvPr>
+            <p:extLst>
+              <p:ext uri="{386F3935-93C4-4BCD-93E2-E3B085C9AB24}">
+                <p16:designElem xmlns:p16="http://schemas.microsoft.com/office/powerpoint/2015/main" val="1"/>
+              </p:ext>
+            </p:extLst>
+          </p:nvPr>
+        </p:nvSpPr>
+        <p:spPr>
+          <a:xfrm rot="10800000" flipH="1">
+            <a:off x="9356643" y="0"/>
+            <a:ext cx="2835357" cy="1480837"/>
+          </a:xfrm>
+          <a:custGeom>
+            <a:avLst/>
+            <a:gdLst>
+              <a:gd name="connsiteX0" fmla="*/ 2835357 w 2835357"/>
+              <a:gd name="connsiteY0" fmla="*/ 1480837 h 1480837"/>
+              <a:gd name="connsiteX1" fmla="*/ 0 w 2835357"/>
+              <a:gd name="connsiteY1" fmla="*/ 1480837 h 1480837"/>
+              <a:gd name="connsiteX2" fmla="*/ 1552727 w 2835357"/>
+              <a:gd name="connsiteY2" fmla="*/ 0 h 1480837"/>
+              <a:gd name="connsiteX3" fmla="*/ 2835357 w 2835357"/>
+              <a:gd name="connsiteY3" fmla="*/ 1223245 h 1480837"/>
+            </a:gdLst>
+            <a:ahLst/>
+            <a:cxnLst>
+              <a:cxn ang="0">
+                <a:pos x="connsiteX0" y="connsiteY0"/>
+              </a:cxn>
+              <a:cxn ang="0">
+                <a:pos x="connsiteX1" y="connsiteY1"/>
+              </a:cxn>
+              <a:cxn ang="0">
+                <a:pos x="connsiteX2" y="connsiteY2"/>
+              </a:cxn>
+              <a:cxn ang="0">
+                <a:pos x="connsiteX3" y="connsiteY3"/>
+              </a:cxn>
+            </a:cxnLst>
+            <a:rect l="l" t="t" r="r" b="b"/>
+            <a:pathLst>
+              <a:path w="2835357" h="1480837">
+                <a:moveTo>
+                  <a:pt x="2835357" y="1480837"/>
+                </a:moveTo>
+                <a:lnTo>
+                  <a:pt x="0" y="1480837"/>
+                </a:lnTo>
+                <a:lnTo>
+                  <a:pt x="1552727" y="0"/>
+                </a:lnTo>
+                <a:lnTo>
+                  <a:pt x="2835357" y="1223245"/>
+                </a:lnTo>
+                <a:close/>
+              </a:path>
+            </a:pathLst>
+          </a:custGeom>
+          <a:solidFill>
+            <a:schemeClr val="accent4">
+              <a:alpha val="30000"/>
+            </a:schemeClr>
+          </a:solidFill>
+          <a:ln>
+            <a:noFill/>
+          </a:ln>
+        </p:spPr>
+        <p:style>
+          <a:lnRef idx="2">
+            <a:schemeClr val="accent1">
+              <a:shade val="50000"/>
+            </a:schemeClr>
+          </a:lnRef>
+          <a:fillRef idx="1">
+            <a:schemeClr val="accent1"/>
+          </a:fillRef>
+          <a:effectRef idx="0">
+            <a:schemeClr val="accent1"/>
+          </a:effectRef>
+          <a:fontRef idx="minor">
+            <a:schemeClr val="lt1"/>
+          </a:fontRef>
+        </p:style>
+        <p:txBody>
+          <a:bodyPr wrap="square" rtlCol="0" anchor="ctr">
+            <a:noAutofit/>
+          </a:bodyPr>
+          <a:lstStyle/>
+          <a:p>
+            <a:pPr algn="ctr"/>
+            <a:endParaRPr lang="en-US" dirty="0"/>
+          </a:p>
+        </p:txBody>
+      </p:sp>
+      <p:sp>
+        <p:nvSpPr>
+          <p:cNvPr id="19" name="Isosceles Triangle 18">
+            <a:extLst>
+              <a:ext uri="{FF2B5EF4-FFF2-40B4-BE49-F238E27FC236}">
+                <a16:creationId xmlns:a16="http://schemas.microsoft.com/office/drawing/2014/main" id="{FF9F2414-84E8-453E-B1F3-389FDE8192D9}"/>
+              </a:ext>
+              <a:ext uri="{C183D7F6-B498-43B3-948B-1728B52AA6E4}">
+                <adec:decorative xmlns:adec="http://schemas.microsoft.com/office/drawing/2017/decorative" val="1"/>
+              </a:ext>
+            </a:extLst>
+          </p:cNvPr>
+          <p:cNvSpPr>
+            <a:spLocks noGrp="1" noRot="1" noChangeAspect="1" noMove="1" noResize="1" noEditPoints="1" noAdjustHandles="1" noChangeArrowheads="1" noChangeShapeType="1" noTextEdit="1"/>
+          </p:cNvSpPr>
+          <p:nvPr>
+            <p:extLst>
+              <p:ext uri="{386F3935-93C4-4BCD-93E2-E3B085C9AB24}">
+                <p16:designElem xmlns:p16="http://schemas.microsoft.com/office/powerpoint/2015/main" val="1"/>
+              </p:ext>
+            </p:extLst>
+          </p:nvPr>
+        </p:nvSpPr>
+        <p:spPr>
+          <a:xfrm flipH="1">
+            <a:off x="7976344" y="6115501"/>
+            <a:ext cx="1494513" cy="742499"/>
+          </a:xfrm>
+          <a:prstGeom prst="triangle">
+            <a:avLst/>
+          </a:prstGeom>
+          <a:solidFill>
+            <a:schemeClr val="accent1">
+              <a:alpha val="30000"/>
+            </a:schemeClr>
+          </a:solidFill>
+          <a:ln>
+            <a:noFill/>
+          </a:ln>
+        </p:spPr>
+        <p:style>
+          <a:lnRef idx="2">
+            <a:schemeClr val="accent1">
+              <a:shade val="50000"/>
+            </a:schemeClr>
+          </a:lnRef>
+          <a:fillRef idx="1">
+            <a:schemeClr val="accent1"/>
+          </a:fillRef>
+          <a:effectRef idx="0">
+            <a:schemeClr val="accent1"/>
+          </a:effectRef>
+          <a:fontRef idx="minor">
+            <a:schemeClr val="lt1"/>
+          </a:fontRef>
+        </p:style>
+        <p:txBody>
+          <a:bodyPr rtlCol="0" anchor="ctr"/>
+          <a:lstStyle/>
+          <a:p>
+            <a:pPr algn="ctr"/>
+            <a:endParaRPr lang="en-US"/>
+          </a:p>
+        </p:txBody>
+      </p:sp>
+      <p:sp>
+        <p:nvSpPr>
+          <p:cNvPr id="21" name="Isosceles Triangle 20">
+            <a:extLst>
+              <a:ext uri="{FF2B5EF4-FFF2-40B4-BE49-F238E27FC236}">
+                <a16:creationId xmlns:a16="http://schemas.microsoft.com/office/drawing/2014/main" id="{3ECA69A1-7536-43AC-85EF-C7106179F5ED}"/>
+              </a:ext>
+              <a:ext uri="{C183D7F6-B498-43B3-948B-1728B52AA6E4}">
+                <adec:decorative xmlns:adec="http://schemas.microsoft.com/office/drawing/2017/decorative" val="1"/>
+              </a:ext>
+            </a:extLst>
+          </p:cNvPr>
+          <p:cNvSpPr>
+            <a:spLocks noGrp="1" noRot="1" noChangeAspect="1" noMove="1" noResize="1" noEditPoints="1" noAdjustHandles="1" noChangeArrowheads="1" noChangeShapeType="1" noTextEdit="1"/>
+          </p:cNvSpPr>
+          <p:nvPr>
+            <p:extLst>
+              <p:ext uri="{386F3935-93C4-4BCD-93E2-E3B085C9AB24}">
+                <p16:designElem xmlns:p16="http://schemas.microsoft.com/office/powerpoint/2015/main" val="1"/>
+              </p:ext>
+            </p:extLst>
+          </p:nvPr>
+        </p:nvSpPr>
+        <p:spPr>
+          <a:xfrm flipH="1">
+            <a:off x="7604080" y="6453143"/>
+            <a:ext cx="814903" cy="404857"/>
+          </a:xfrm>
+          <a:prstGeom prst="triangle">
+            <a:avLst/>
+          </a:prstGeom>
+          <a:solidFill>
+            <a:schemeClr val="accent1">
+              <a:alpha val="30000"/>
+            </a:schemeClr>
+          </a:solidFill>
+          <a:ln>
+            <a:noFill/>
+          </a:ln>
+        </p:spPr>
+        <p:style>
+          <a:lnRef idx="2">
+            <a:schemeClr val="accent1">
+              <a:shade val="50000"/>
+            </a:schemeClr>
+          </a:lnRef>
+          <a:fillRef idx="1">
+            <a:schemeClr val="accent1"/>
+          </a:fillRef>
+          <a:effectRef idx="0">
+            <a:schemeClr val="accent1"/>
+          </a:effectRef>
+          <a:fontRef idx="minor">
+            <a:schemeClr val="lt1"/>
+          </a:fontRef>
+        </p:style>
+        <p:txBody>
+          <a:bodyPr rtlCol="0" anchor="ctr"/>
+          <a:lstStyle/>
+          <a:p>
+            <a:pPr algn="ctr"/>
+            <a:endParaRPr lang="en-US"/>
+          </a:p>
+        </p:txBody>
+      </p:sp>
+      <p:sp>
+        <p:nvSpPr>
+          <p:cNvPr id="5" name="Rectangle 4">
+            <a:extLst>
+              <a:ext uri="{FF2B5EF4-FFF2-40B4-BE49-F238E27FC236}">
+                <a16:creationId xmlns:a16="http://schemas.microsoft.com/office/drawing/2014/main" id="{C92C35D4-71F8-4275-A5FB-AF4729DBFB6B}"/>
+              </a:ext>
+            </a:extLst>
+          </p:cNvPr>
+          <p:cNvSpPr/>
+          <p:nvPr/>
+        </p:nvSpPr>
+        <p:spPr>
+          <a:xfrm>
+            <a:off x="3140864" y="2841851"/>
+            <a:ext cx="5910272" cy="769441"/>
+          </a:xfrm>
+          <a:prstGeom prst="rect">
+            <a:avLst/>
+          </a:prstGeom>
+        </p:spPr>
+        <p:txBody>
+          <a:bodyPr wrap="none">
+            <a:spAutoFit/>
+          </a:bodyPr>
+          <a:lstStyle/>
+          <a:p>
+            <a:r>
+              <a:rPr lang="fr-CH" sz="4400" b="1" dirty="0"/>
+              <a:t>Merci de vôtre attention</a:t>
+            </a:r>
+          </a:p>
+        </p:txBody>
+      </p:sp>
+    </p:spTree>
+    <p:extLst>
+      <p:ext uri="{BB962C8B-B14F-4D97-AF65-F5344CB8AC3E}">
+        <p14:creationId xmlns:p14="http://schemas.microsoft.com/office/powerpoint/2010/main" val="982544404"/>
       </p:ext>
     </p:extLst>
   </p:cSld>
